--- a/figures/Chapter 3 - Tree Structures/3.7 Red-Black Trees.pptx
+++ b/figures/Chapter 3 - Tree Structures/3.7 Red-Black Trees.pptx
@@ -185,10 +185,9 @@
           </a:lstStyle>
           <a:p>
             <a:r>
-              <a:rPr lang="en-US" smtClean="0"/>
+              <a:rPr lang="en-US"/>
               <a:t>Click to edit Master title style</a:t>
             </a:r>
-            <a:endParaRPr lang="en-US"/>
           </a:p>
         </p:txBody>
       </p:sp>
@@ -250,10 +249,9 @@
           </a:lstStyle>
           <a:p>
             <a:r>
-              <a:rPr lang="en-US" smtClean="0"/>
+              <a:rPr lang="en-US"/>
               <a:t>Click to edit Master subtitle style</a:t>
             </a:r>
-            <a:endParaRPr lang="en-US"/>
           </a:p>
         </p:txBody>
       </p:sp>
@@ -274,7 +272,7 @@
           <a:p>
             <a:fld id="{FA589A3D-E41F-452A-ADB5-895B11C00BC4}" type="datetimeFigureOut">
               <a:rPr lang="en-US" smtClean="0"/>
-              <a:t>8/23/16</a:t>
+              <a:t>5/8/18</a:t>
             </a:fld>
             <a:endParaRPr lang="en-US"/>
           </a:p>
@@ -368,10 +366,9 @@
           <a:lstStyle/>
           <a:p>
             <a:r>
-              <a:rPr lang="en-US" smtClean="0"/>
+              <a:rPr lang="en-US"/>
               <a:t>Click to edit Master title style</a:t>
             </a:r>
-            <a:endParaRPr lang="en-US"/>
           </a:p>
         </p:txBody>
       </p:sp>
@@ -392,38 +389,37 @@
           <a:p>
             <a:pPr lvl="0"/>
             <a:r>
-              <a:rPr lang="en-US" smtClean="0"/>
+              <a:rPr lang="en-US"/>
               <a:t>Click to edit Master text styles</a:t>
             </a:r>
           </a:p>
           <a:p>
             <a:pPr lvl="1"/>
             <a:r>
-              <a:rPr lang="en-US" smtClean="0"/>
+              <a:rPr lang="en-US"/>
               <a:t>Second level</a:t>
             </a:r>
           </a:p>
           <a:p>
             <a:pPr lvl="2"/>
             <a:r>
-              <a:rPr lang="en-US" smtClean="0"/>
+              <a:rPr lang="en-US"/>
               <a:t>Third level</a:t>
             </a:r>
           </a:p>
           <a:p>
             <a:pPr lvl="3"/>
             <a:r>
-              <a:rPr lang="en-US" smtClean="0"/>
+              <a:rPr lang="en-US"/>
               <a:t>Fourth level</a:t>
             </a:r>
           </a:p>
           <a:p>
             <a:pPr lvl="4"/>
             <a:r>
-              <a:rPr lang="en-US" smtClean="0"/>
+              <a:rPr lang="en-US"/>
               <a:t>Fifth level</a:t>
             </a:r>
-            <a:endParaRPr lang="en-US"/>
           </a:p>
         </p:txBody>
       </p:sp>
@@ -444,7 +440,7 @@
           <a:p>
             <a:fld id="{FA589A3D-E41F-452A-ADB5-895B11C00BC4}" type="datetimeFigureOut">
               <a:rPr lang="en-US" smtClean="0"/>
-              <a:t>8/23/16</a:t>
+              <a:t>5/8/18</a:t>
             </a:fld>
             <a:endParaRPr lang="en-US"/>
           </a:p>
@@ -543,10 +539,9 @@
           <a:lstStyle/>
           <a:p>
             <a:r>
-              <a:rPr lang="en-US" smtClean="0"/>
+              <a:rPr lang="en-US"/>
               <a:t>Click to edit Master title style</a:t>
             </a:r>
-            <a:endParaRPr lang="en-US"/>
           </a:p>
         </p:txBody>
       </p:sp>
@@ -572,38 +567,37 @@
           <a:p>
             <a:pPr lvl="0"/>
             <a:r>
-              <a:rPr lang="en-US" smtClean="0"/>
+              <a:rPr lang="en-US"/>
               <a:t>Click to edit Master text styles</a:t>
             </a:r>
           </a:p>
           <a:p>
             <a:pPr lvl="1"/>
             <a:r>
-              <a:rPr lang="en-US" smtClean="0"/>
+              <a:rPr lang="en-US"/>
               <a:t>Second level</a:t>
             </a:r>
           </a:p>
           <a:p>
             <a:pPr lvl="2"/>
             <a:r>
-              <a:rPr lang="en-US" smtClean="0"/>
+              <a:rPr lang="en-US"/>
               <a:t>Third level</a:t>
             </a:r>
           </a:p>
           <a:p>
             <a:pPr lvl="3"/>
             <a:r>
-              <a:rPr lang="en-US" smtClean="0"/>
+              <a:rPr lang="en-US"/>
               <a:t>Fourth level</a:t>
             </a:r>
           </a:p>
           <a:p>
             <a:pPr lvl="4"/>
             <a:r>
-              <a:rPr lang="en-US" smtClean="0"/>
+              <a:rPr lang="en-US"/>
               <a:t>Fifth level</a:t>
             </a:r>
-            <a:endParaRPr lang="en-US"/>
           </a:p>
         </p:txBody>
       </p:sp>
@@ -624,7 +618,7 @@
           <a:p>
             <a:fld id="{FA589A3D-E41F-452A-ADB5-895B11C00BC4}" type="datetimeFigureOut">
               <a:rPr lang="en-US" smtClean="0"/>
-              <a:t>8/23/16</a:t>
+              <a:t>5/8/18</a:t>
             </a:fld>
             <a:endParaRPr lang="en-US"/>
           </a:p>
@@ -718,10 +712,9 @@
           <a:lstStyle/>
           <a:p>
             <a:r>
-              <a:rPr lang="en-US" smtClean="0"/>
+              <a:rPr lang="en-US"/>
               <a:t>Click to edit Master title style</a:t>
             </a:r>
-            <a:endParaRPr lang="en-US"/>
           </a:p>
         </p:txBody>
       </p:sp>
@@ -742,38 +735,37 @@
           <a:p>
             <a:pPr lvl="0"/>
             <a:r>
-              <a:rPr lang="en-US" smtClean="0"/>
+              <a:rPr lang="en-US"/>
               <a:t>Click to edit Master text styles</a:t>
             </a:r>
           </a:p>
           <a:p>
             <a:pPr lvl="1"/>
             <a:r>
-              <a:rPr lang="en-US" smtClean="0"/>
+              <a:rPr lang="en-US"/>
               <a:t>Second level</a:t>
             </a:r>
           </a:p>
           <a:p>
             <a:pPr lvl="2"/>
             <a:r>
-              <a:rPr lang="en-US" smtClean="0"/>
+              <a:rPr lang="en-US"/>
               <a:t>Third level</a:t>
             </a:r>
           </a:p>
           <a:p>
             <a:pPr lvl="3"/>
             <a:r>
-              <a:rPr lang="en-US" smtClean="0"/>
+              <a:rPr lang="en-US"/>
               <a:t>Fourth level</a:t>
             </a:r>
           </a:p>
           <a:p>
             <a:pPr lvl="4"/>
             <a:r>
-              <a:rPr lang="en-US" smtClean="0"/>
+              <a:rPr lang="en-US"/>
               <a:t>Fifth level</a:t>
             </a:r>
-            <a:endParaRPr lang="en-US"/>
           </a:p>
         </p:txBody>
       </p:sp>
@@ -794,7 +786,7 @@
           <a:p>
             <a:fld id="{FA589A3D-E41F-452A-ADB5-895B11C00BC4}" type="datetimeFigureOut">
               <a:rPr lang="en-US" smtClean="0"/>
-              <a:t>8/23/16</a:t>
+              <a:t>5/8/18</a:t>
             </a:fld>
             <a:endParaRPr lang="en-US"/>
           </a:p>
@@ -897,10 +889,9 @@
           </a:lstStyle>
           <a:p>
             <a:r>
-              <a:rPr lang="en-US" smtClean="0"/>
+              <a:rPr lang="en-US"/>
               <a:t>Click to edit Master title style</a:t>
             </a:r>
-            <a:endParaRPr lang="en-US"/>
           </a:p>
         </p:txBody>
       </p:sp>
@@ -1017,7 +1008,7 @@
           <a:p>
             <a:pPr lvl="0"/>
             <a:r>
-              <a:rPr lang="en-US" smtClean="0"/>
+              <a:rPr lang="en-US"/>
               <a:t>Click to edit Master text styles</a:t>
             </a:r>
           </a:p>
@@ -1040,7 +1031,7 @@
           <a:p>
             <a:fld id="{FA589A3D-E41F-452A-ADB5-895B11C00BC4}" type="datetimeFigureOut">
               <a:rPr lang="en-US" smtClean="0"/>
-              <a:t>8/23/16</a:t>
+              <a:t>5/8/18</a:t>
             </a:fld>
             <a:endParaRPr lang="en-US"/>
           </a:p>
@@ -1134,10 +1125,9 @@
           <a:lstStyle/>
           <a:p>
             <a:r>
-              <a:rPr lang="en-US" smtClean="0"/>
+              <a:rPr lang="en-US"/>
               <a:t>Click to edit Master title style</a:t>
             </a:r>
-            <a:endParaRPr lang="en-US"/>
           </a:p>
         </p:txBody>
       </p:sp>
@@ -1163,38 +1153,37 @@
           <a:p>
             <a:pPr lvl="0"/>
             <a:r>
-              <a:rPr lang="en-US" smtClean="0"/>
+              <a:rPr lang="en-US"/>
               <a:t>Click to edit Master text styles</a:t>
             </a:r>
           </a:p>
           <a:p>
             <a:pPr lvl="1"/>
             <a:r>
-              <a:rPr lang="en-US" smtClean="0"/>
+              <a:rPr lang="en-US"/>
               <a:t>Second level</a:t>
             </a:r>
           </a:p>
           <a:p>
             <a:pPr lvl="2"/>
             <a:r>
-              <a:rPr lang="en-US" smtClean="0"/>
+              <a:rPr lang="en-US"/>
               <a:t>Third level</a:t>
             </a:r>
           </a:p>
           <a:p>
             <a:pPr lvl="3"/>
             <a:r>
-              <a:rPr lang="en-US" smtClean="0"/>
+              <a:rPr lang="en-US"/>
               <a:t>Fourth level</a:t>
             </a:r>
           </a:p>
           <a:p>
             <a:pPr lvl="4"/>
             <a:r>
-              <a:rPr lang="en-US" smtClean="0"/>
+              <a:rPr lang="en-US"/>
               <a:t>Fifth level</a:t>
             </a:r>
-            <a:endParaRPr lang="en-US"/>
           </a:p>
         </p:txBody>
       </p:sp>
@@ -1220,38 +1209,37 @@
           <a:p>
             <a:pPr lvl="0"/>
             <a:r>
-              <a:rPr lang="en-US" smtClean="0"/>
+              <a:rPr lang="en-US"/>
               <a:t>Click to edit Master text styles</a:t>
             </a:r>
           </a:p>
           <a:p>
             <a:pPr lvl="1"/>
             <a:r>
-              <a:rPr lang="en-US" smtClean="0"/>
+              <a:rPr lang="en-US"/>
               <a:t>Second level</a:t>
             </a:r>
           </a:p>
           <a:p>
             <a:pPr lvl="2"/>
             <a:r>
-              <a:rPr lang="en-US" smtClean="0"/>
+              <a:rPr lang="en-US"/>
               <a:t>Third level</a:t>
             </a:r>
           </a:p>
           <a:p>
             <a:pPr lvl="3"/>
             <a:r>
-              <a:rPr lang="en-US" smtClean="0"/>
+              <a:rPr lang="en-US"/>
               <a:t>Fourth level</a:t>
             </a:r>
           </a:p>
           <a:p>
             <a:pPr lvl="4"/>
             <a:r>
-              <a:rPr lang="en-US" smtClean="0"/>
+              <a:rPr lang="en-US"/>
               <a:t>Fifth level</a:t>
             </a:r>
-            <a:endParaRPr lang="en-US"/>
           </a:p>
         </p:txBody>
       </p:sp>
@@ -1272,7 +1260,7 @@
           <a:p>
             <a:fld id="{FA589A3D-E41F-452A-ADB5-895B11C00BC4}" type="datetimeFigureOut">
               <a:rPr lang="en-US" smtClean="0"/>
-              <a:t>8/23/16</a:t>
+              <a:t>5/8/18</a:t>
             </a:fld>
             <a:endParaRPr lang="en-US"/>
           </a:p>
@@ -1371,10 +1359,9 @@
           <a:lstStyle/>
           <a:p>
             <a:r>
-              <a:rPr lang="en-US" smtClean="0"/>
+              <a:rPr lang="en-US"/>
               <a:t>Click to edit Master title style</a:t>
             </a:r>
-            <a:endParaRPr lang="en-US"/>
           </a:p>
         </p:txBody>
       </p:sp>
@@ -1437,7 +1424,7 @@
           <a:p>
             <a:pPr lvl="0"/>
             <a:r>
-              <a:rPr lang="en-US" smtClean="0"/>
+              <a:rPr lang="en-US"/>
               <a:t>Click to edit Master text styles</a:t>
             </a:r>
           </a:p>
@@ -1465,38 +1452,37 @@
           <a:p>
             <a:pPr lvl="0"/>
             <a:r>
-              <a:rPr lang="en-US" smtClean="0"/>
+              <a:rPr lang="en-US"/>
               <a:t>Click to edit Master text styles</a:t>
             </a:r>
           </a:p>
           <a:p>
             <a:pPr lvl="1"/>
             <a:r>
-              <a:rPr lang="en-US" smtClean="0"/>
+              <a:rPr lang="en-US"/>
               <a:t>Second level</a:t>
             </a:r>
           </a:p>
           <a:p>
             <a:pPr lvl="2"/>
             <a:r>
-              <a:rPr lang="en-US" smtClean="0"/>
+              <a:rPr lang="en-US"/>
               <a:t>Third level</a:t>
             </a:r>
           </a:p>
           <a:p>
             <a:pPr lvl="3"/>
             <a:r>
-              <a:rPr lang="en-US" smtClean="0"/>
+              <a:rPr lang="en-US"/>
               <a:t>Fourth level</a:t>
             </a:r>
           </a:p>
           <a:p>
             <a:pPr lvl="4"/>
             <a:r>
-              <a:rPr lang="en-US" smtClean="0"/>
+              <a:rPr lang="en-US"/>
               <a:t>Fifth level</a:t>
             </a:r>
-            <a:endParaRPr lang="en-US"/>
           </a:p>
         </p:txBody>
       </p:sp>
@@ -1559,7 +1545,7 @@
           <a:p>
             <a:pPr lvl="0"/>
             <a:r>
-              <a:rPr lang="en-US" smtClean="0"/>
+              <a:rPr lang="en-US"/>
               <a:t>Click to edit Master text styles</a:t>
             </a:r>
           </a:p>
@@ -1587,38 +1573,37 @@
           <a:p>
             <a:pPr lvl="0"/>
             <a:r>
-              <a:rPr lang="en-US" smtClean="0"/>
+              <a:rPr lang="en-US"/>
               <a:t>Click to edit Master text styles</a:t>
             </a:r>
           </a:p>
           <a:p>
             <a:pPr lvl="1"/>
             <a:r>
-              <a:rPr lang="en-US" smtClean="0"/>
+              <a:rPr lang="en-US"/>
               <a:t>Second level</a:t>
             </a:r>
           </a:p>
           <a:p>
             <a:pPr lvl="2"/>
             <a:r>
-              <a:rPr lang="en-US" smtClean="0"/>
+              <a:rPr lang="en-US"/>
               <a:t>Third level</a:t>
             </a:r>
           </a:p>
           <a:p>
             <a:pPr lvl="3"/>
             <a:r>
-              <a:rPr lang="en-US" smtClean="0"/>
+              <a:rPr lang="en-US"/>
               <a:t>Fourth level</a:t>
             </a:r>
           </a:p>
           <a:p>
             <a:pPr lvl="4"/>
             <a:r>
-              <a:rPr lang="en-US" smtClean="0"/>
+              <a:rPr lang="en-US"/>
               <a:t>Fifth level</a:t>
             </a:r>
-            <a:endParaRPr lang="en-US"/>
           </a:p>
         </p:txBody>
       </p:sp>
@@ -1639,7 +1624,7 @@
           <a:p>
             <a:fld id="{FA589A3D-E41F-452A-ADB5-895B11C00BC4}" type="datetimeFigureOut">
               <a:rPr lang="en-US" smtClean="0"/>
-              <a:t>8/23/16</a:t>
+              <a:t>5/8/18</a:t>
             </a:fld>
             <a:endParaRPr lang="en-US"/>
           </a:p>
@@ -1733,10 +1718,9 @@
           <a:lstStyle/>
           <a:p>
             <a:r>
-              <a:rPr lang="en-US" smtClean="0"/>
+              <a:rPr lang="en-US"/>
               <a:t>Click to edit Master title style</a:t>
             </a:r>
-            <a:endParaRPr lang="en-US"/>
           </a:p>
         </p:txBody>
       </p:sp>
@@ -1757,7 +1741,7 @@
           <a:p>
             <a:fld id="{FA589A3D-E41F-452A-ADB5-895B11C00BC4}" type="datetimeFigureOut">
               <a:rPr lang="en-US" smtClean="0"/>
-              <a:t>8/23/16</a:t>
+              <a:t>5/8/18</a:t>
             </a:fld>
             <a:endParaRPr lang="en-US"/>
           </a:p>
@@ -1852,7 +1836,7 @@
           <a:p>
             <a:fld id="{FA589A3D-E41F-452A-ADB5-895B11C00BC4}" type="datetimeFigureOut">
               <a:rPr lang="en-US" smtClean="0"/>
-              <a:t>8/23/16</a:t>
+              <a:t>5/8/18</a:t>
             </a:fld>
             <a:endParaRPr lang="en-US"/>
           </a:p>
@@ -1955,10 +1939,9 @@
           </a:lstStyle>
           <a:p>
             <a:r>
-              <a:rPr lang="en-US" smtClean="0"/>
+              <a:rPr lang="en-US"/>
               <a:t>Click to edit Master title style</a:t>
             </a:r>
-            <a:endParaRPr lang="en-US"/>
           </a:p>
         </p:txBody>
       </p:sp>
@@ -2012,38 +1995,37 @@
           <a:p>
             <a:pPr lvl="0"/>
             <a:r>
-              <a:rPr lang="en-US" smtClean="0"/>
+              <a:rPr lang="en-US"/>
               <a:t>Click to edit Master text styles</a:t>
             </a:r>
           </a:p>
           <a:p>
             <a:pPr lvl="1"/>
             <a:r>
-              <a:rPr lang="en-US" smtClean="0"/>
+              <a:rPr lang="en-US"/>
               <a:t>Second level</a:t>
             </a:r>
           </a:p>
           <a:p>
             <a:pPr lvl="2"/>
             <a:r>
-              <a:rPr lang="en-US" smtClean="0"/>
+              <a:rPr lang="en-US"/>
               <a:t>Third level</a:t>
             </a:r>
           </a:p>
           <a:p>
             <a:pPr lvl="3"/>
             <a:r>
-              <a:rPr lang="en-US" smtClean="0"/>
+              <a:rPr lang="en-US"/>
               <a:t>Fourth level</a:t>
             </a:r>
           </a:p>
           <a:p>
             <a:pPr lvl="4"/>
             <a:r>
-              <a:rPr lang="en-US" smtClean="0"/>
+              <a:rPr lang="en-US"/>
               <a:t>Fifth level</a:t>
             </a:r>
-            <a:endParaRPr lang="en-US"/>
           </a:p>
         </p:txBody>
       </p:sp>
@@ -2106,7 +2088,7 @@
           <a:p>
             <a:pPr lvl="0"/>
             <a:r>
-              <a:rPr lang="en-US" smtClean="0"/>
+              <a:rPr lang="en-US"/>
               <a:t>Click to edit Master text styles</a:t>
             </a:r>
           </a:p>
@@ -2129,7 +2111,7 @@
           <a:p>
             <a:fld id="{FA589A3D-E41F-452A-ADB5-895B11C00BC4}" type="datetimeFigureOut">
               <a:rPr lang="en-US" smtClean="0"/>
-              <a:t>8/23/16</a:t>
+              <a:t>5/8/18</a:t>
             </a:fld>
             <a:endParaRPr lang="en-US"/>
           </a:p>
@@ -2232,10 +2214,9 @@
           </a:lstStyle>
           <a:p>
             <a:r>
-              <a:rPr lang="en-US" smtClean="0"/>
+              <a:rPr lang="en-US"/>
               <a:t>Click to edit Master title style</a:t>
             </a:r>
-            <a:endParaRPr lang="en-US"/>
           </a:p>
         </p:txBody>
       </p:sp>
@@ -2359,7 +2340,7 @@
           <a:p>
             <a:pPr lvl="0"/>
             <a:r>
-              <a:rPr lang="en-US" smtClean="0"/>
+              <a:rPr lang="en-US"/>
               <a:t>Click to edit Master text styles</a:t>
             </a:r>
           </a:p>
@@ -2382,7 +2363,7 @@
           <a:p>
             <a:fld id="{FA589A3D-E41F-452A-ADB5-895B11C00BC4}" type="datetimeFigureOut">
               <a:rPr lang="en-US" smtClean="0"/>
-              <a:t>8/23/16</a:t>
+              <a:t>5/8/18</a:t>
             </a:fld>
             <a:endParaRPr lang="en-US"/>
           </a:p>
@@ -2491,10 +2472,9 @@
           <a:lstStyle/>
           <a:p>
             <a:r>
-              <a:rPr lang="en-US" smtClean="0"/>
+              <a:rPr lang="en-US"/>
               <a:t>Click to edit Master title style</a:t>
             </a:r>
-            <a:endParaRPr lang="en-US"/>
           </a:p>
         </p:txBody>
       </p:sp>
@@ -2525,38 +2505,37 @@
           <a:p>
             <a:pPr lvl="0"/>
             <a:r>
-              <a:rPr lang="en-US" smtClean="0"/>
+              <a:rPr lang="en-US"/>
               <a:t>Click to edit Master text styles</a:t>
             </a:r>
           </a:p>
           <a:p>
             <a:pPr lvl="1"/>
             <a:r>
-              <a:rPr lang="en-US" smtClean="0"/>
+              <a:rPr lang="en-US"/>
               <a:t>Second level</a:t>
             </a:r>
           </a:p>
           <a:p>
             <a:pPr lvl="2"/>
             <a:r>
-              <a:rPr lang="en-US" smtClean="0"/>
+              <a:rPr lang="en-US"/>
               <a:t>Third level</a:t>
             </a:r>
           </a:p>
           <a:p>
             <a:pPr lvl="3"/>
             <a:r>
-              <a:rPr lang="en-US" smtClean="0"/>
+              <a:rPr lang="en-US"/>
               <a:t>Fourth level</a:t>
             </a:r>
           </a:p>
           <a:p>
             <a:pPr lvl="4"/>
             <a:r>
-              <a:rPr lang="en-US" smtClean="0"/>
+              <a:rPr lang="en-US"/>
               <a:t>Fifth level</a:t>
             </a:r>
-            <a:endParaRPr lang="en-US"/>
           </a:p>
         </p:txBody>
       </p:sp>
@@ -2595,7 +2574,7 @@
           <a:p>
             <a:fld id="{FA589A3D-E41F-452A-ADB5-895B11C00BC4}" type="datetimeFigureOut">
               <a:rPr lang="en-US" smtClean="0"/>
-              <a:t>8/23/16</a:t>
+              <a:t>5/8/18</a:t>
             </a:fld>
             <a:endParaRPr lang="en-US"/>
           </a:p>
@@ -3176,11 +3155,6 @@
               </a:rPr>
               <a:t>v</a:t>
             </a:r>
-            <a:endParaRPr lang="en-US" sz="2400" i="1" dirty="0">
-              <a:solidFill>
-                <a:schemeClr val="tx1"/>
-              </a:solidFill>
-            </a:endParaRPr>
           </a:p>
         </p:txBody>
       </p:sp>
@@ -3263,18 +3237,13 @@
           <a:p>
             <a:pPr algn="ctr"/>
             <a:r>
-              <a:rPr lang="en-US" sz="2400" i="1" dirty="0" smtClean="0">
+              <a:rPr lang="en-US" sz="2400" i="1" dirty="0">
                 <a:solidFill>
                   <a:srgbClr val="FF0000"/>
                 </a:solidFill>
               </a:rPr>
               <a:t>u</a:t>
             </a:r>
-            <a:endParaRPr lang="en-US" sz="2400" i="1" dirty="0">
-              <a:solidFill>
-                <a:srgbClr val="FF0000"/>
-              </a:solidFill>
-            </a:endParaRPr>
           </a:p>
         </p:txBody>
       </p:sp>
@@ -3396,11 +3365,6 @@
               </a:rPr>
               <a:t>v</a:t>
             </a:r>
-            <a:endParaRPr lang="en-US" sz="2400" i="1" dirty="0">
-              <a:solidFill>
-                <a:schemeClr val="tx1"/>
-              </a:solidFill>
-            </a:endParaRPr>
           </a:p>
         </p:txBody>
       </p:sp>
@@ -3493,10 +3457,9 @@
           <a:lstStyle/>
           <a:p>
             <a:r>
-              <a:rPr lang="en-US" sz="3600" dirty="0" smtClean="0"/>
+              <a:rPr lang="en-US" sz="3600" dirty="0"/>
               <a:t>OR</a:t>
             </a:r>
-            <a:endParaRPr lang="en-US" sz="3600" dirty="0"/>
           </a:p>
         </p:txBody>
       </p:sp>
@@ -3586,11 +3549,6 @@
               </a:rPr>
               <a:t>v</a:t>
             </a:r>
-            <a:endParaRPr lang="en-US" sz="2400" i="1" dirty="0">
-              <a:solidFill>
-                <a:schemeClr val="tx1"/>
-              </a:solidFill>
-            </a:endParaRPr>
           </a:p>
         </p:txBody>
       </p:sp>
@@ -3676,18 +3634,13 @@
           <a:p>
             <a:pPr algn="ctr"/>
             <a:r>
-              <a:rPr lang="en-US" sz="2400" i="1" dirty="0" smtClean="0">
+              <a:rPr lang="en-US" sz="2400" i="1" dirty="0">
                 <a:solidFill>
                   <a:srgbClr val="FF0000"/>
                 </a:solidFill>
               </a:rPr>
               <a:t>u</a:t>
             </a:r>
-            <a:endParaRPr lang="en-US" sz="2400" i="1" dirty="0">
-              <a:solidFill>
-                <a:srgbClr val="FF0000"/>
-              </a:solidFill>
-            </a:endParaRPr>
           </a:p>
         </p:txBody>
       </p:sp>
@@ -3807,11 +3760,6 @@
               </a:rPr>
               <a:t>v</a:t>
             </a:r>
-            <a:endParaRPr lang="en-US" sz="2400" i="1" dirty="0">
-              <a:solidFill>
-                <a:schemeClr val="tx1"/>
-              </a:solidFill>
-            </a:endParaRPr>
           </a:p>
         </p:txBody>
       </p:sp>
@@ -3990,18 +3938,13 @@
           <a:p>
             <a:pPr algn="ctr"/>
             <a:r>
-              <a:rPr lang="en-US" sz="2400" i="1" dirty="0" smtClean="0">
+              <a:rPr lang="en-US" sz="2400" i="1" dirty="0">
                 <a:solidFill>
                   <a:schemeClr val="tx1"/>
                 </a:solidFill>
               </a:rPr>
               <a:t>w</a:t>
             </a:r>
-            <a:endParaRPr lang="en-US" sz="2400" i="1" dirty="0">
-              <a:solidFill>
-                <a:schemeClr val="tx1"/>
-              </a:solidFill>
-            </a:endParaRPr>
           </a:p>
         </p:txBody>
       </p:sp>
@@ -4114,7 +4057,7 @@
           <a:p>
             <a:pPr algn="ctr"/>
             <a:r>
-              <a:rPr lang="en-US" sz="2400" i="1" smtClean="0">
+              <a:rPr lang="en-US" sz="2400" i="1">
                 <a:solidFill>
                   <a:srgbClr val="FF0000"/>
                 </a:solidFill>
@@ -4250,12 +4193,111 @@
           <a:p>
             <a:pPr algn="ctr"/>
             <a:r>
-              <a:rPr lang="en-US" sz="2400" i="1" dirty="0" smtClean="0">
+              <a:rPr lang="en-US" sz="2400" i="1" dirty="0">
                 <a:solidFill>
                   <a:srgbClr val="FF0000"/>
                 </a:solidFill>
               </a:rPr>
               <a:t>u</a:t>
+            </a:r>
+          </a:p>
+        </p:txBody>
+      </p:sp>
+      <p:sp>
+        <p:nvSpPr>
+          <p:cNvPr id="36" name="Oval 35"/>
+          <p:cNvSpPr/>
+          <p:nvPr/>
+        </p:nvSpPr>
+        <p:spPr>
+          <a:xfrm rot="3400924">
+            <a:off x="1083668" y="961108"/>
+            <a:ext cx="2297382" cy="1207833"/>
+          </a:xfrm>
+          <a:prstGeom prst="ellipse">
+            <a:avLst/>
+          </a:prstGeom>
+          <a:noFill/>
+          <a:ln w="28575">
+            <a:solidFill>
+              <a:srgbClr val="FF0000"/>
+            </a:solidFill>
+          </a:ln>
+        </p:spPr>
+        <p:style>
+          <a:lnRef idx="2">
+            <a:schemeClr val="accent1">
+              <a:shade val="50000"/>
+            </a:schemeClr>
+          </a:lnRef>
+          <a:fillRef idx="1">
+            <a:schemeClr val="accent1"/>
+          </a:fillRef>
+          <a:effectRef idx="0">
+            <a:schemeClr val="accent1"/>
+          </a:effectRef>
+          <a:fontRef idx="minor">
+            <a:schemeClr val="lt1"/>
+          </a:fontRef>
+        </p:style>
+        <p:txBody>
+          <a:bodyPr rtlCol="0" anchor="ctr"/>
+          <a:lstStyle/>
+          <a:p>
+            <a:pPr algn="ctr"/>
+            <a:endParaRPr lang="en-US"/>
+          </a:p>
+        </p:txBody>
+      </p:sp>
+      <p:sp>
+        <p:nvSpPr>
+          <p:cNvPr id="37" name="Oval 36"/>
+          <p:cNvSpPr/>
+          <p:nvPr/>
+        </p:nvSpPr>
+        <p:spPr>
+          <a:xfrm>
+            <a:off x="6081738" y="680679"/>
+            <a:ext cx="746975" cy="734096"/>
+          </a:xfrm>
+          <a:prstGeom prst="ellipse">
+            <a:avLst/>
+          </a:prstGeom>
+          <a:noFill/>
+          <a:ln w="28575">
+            <a:solidFill>
+              <a:srgbClr val="FF0000"/>
+            </a:solidFill>
+          </a:ln>
+        </p:spPr>
+        <p:style>
+          <a:lnRef idx="2">
+            <a:schemeClr val="accent1">
+              <a:shade val="50000"/>
+            </a:schemeClr>
+          </a:lnRef>
+          <a:fillRef idx="1">
+            <a:schemeClr val="accent1"/>
+          </a:fillRef>
+          <a:effectRef idx="0">
+            <a:schemeClr val="accent1"/>
+          </a:effectRef>
+          <a:fontRef idx="minor">
+            <a:schemeClr val="lt1"/>
+          </a:fontRef>
+        </p:style>
+        <p:txBody>
+          <a:bodyPr rtlCol="0" anchor="ctr"/>
+          <a:lstStyle/>
+          <a:p>
+            <a:pPr algn="ctr"/>
+            <a:r>
+              <a:rPr lang="en-US" sz="2400" i="1">
+                <a:solidFill>
+                  <a:srgbClr val="FF0000"/>
+                </a:solidFill>
+              </a:rPr>
+              <a:t>v</a:t>
             </a:r>
             <a:endParaRPr lang="en-US" sz="2400" i="1" dirty="0">
               <a:solidFill>
@@ -4265,16 +4307,82 @@
           </a:p>
         </p:txBody>
       </p:sp>
-      <p:sp>
-        <p:nvSpPr>
-          <p:cNvPr id="36" name="Oval 35"/>
+      <p:cxnSp>
+        <p:nvCxnSpPr>
+          <p:cNvPr id="38" name="Straight Arrow Connector 37"/>
+          <p:cNvCxnSpPr/>
+          <p:nvPr/>
+        </p:nvCxnSpPr>
+        <p:spPr>
+          <a:xfrm>
+            <a:off x="5966720" y="273416"/>
+            <a:ext cx="488506" cy="407263"/>
+          </a:xfrm>
+          <a:prstGeom prst="straightConnector1">
+            <a:avLst/>
+          </a:prstGeom>
+          <a:ln w="28575">
+            <a:solidFill>
+              <a:schemeClr val="tx1"/>
+            </a:solidFill>
+            <a:tailEnd type="triangle"/>
+          </a:ln>
+        </p:spPr>
+        <p:style>
+          <a:lnRef idx="1">
+            <a:schemeClr val="accent1"/>
+          </a:lnRef>
+          <a:fillRef idx="0">
+            <a:schemeClr val="accent1"/>
+          </a:fillRef>
+          <a:effectRef idx="0">
+            <a:schemeClr val="accent1"/>
+          </a:effectRef>
+          <a:fontRef idx="minor">
+            <a:schemeClr val="tx1"/>
+          </a:fontRef>
+        </p:style>
+      </p:cxnSp>
+      <p:sp>
+        <p:nvSpPr>
+          <p:cNvPr id="39" name="TextBox 38"/>
+          <p:cNvSpPr txBox="1"/>
+          <p:nvPr/>
+        </p:nvSpPr>
+        <p:spPr>
+          <a:xfrm>
+            <a:off x="5625168" y="-105269"/>
+            <a:ext cx="264096" cy="584775"/>
+          </a:xfrm>
+          <a:prstGeom prst="rect">
+            <a:avLst/>
+          </a:prstGeom>
+          <a:noFill/>
+        </p:spPr>
+        <p:txBody>
+          <a:bodyPr wrap="square" rtlCol="0">
+            <a:spAutoFit/>
+          </a:bodyPr>
+          <a:lstStyle/>
+          <a:p>
+            <a:r>
+              <a:rPr lang="en-US" sz="3200" dirty="0"/>
+              <a:t>?</a:t>
+            </a:r>
+            <a:endParaRPr lang="en-US" sz="2400" dirty="0"/>
+          </a:p>
+        </p:txBody>
+      </p:sp>
+      <p:sp>
+        <p:nvSpPr>
+          <p:cNvPr id="40" name="Oval 39"/>
           <p:cNvSpPr/>
           <p:nvPr/>
         </p:nvSpPr>
         <p:spPr>
-          <a:xfrm rot="3400924">
-            <a:off x="1083668" y="961108"/>
-            <a:ext cx="2297382" cy="1207833"/>
+          <a:xfrm>
+            <a:off x="6816638" y="1684607"/>
+            <a:ext cx="746975" cy="734096"/>
           </a:xfrm>
           <a:prstGeom prst="ellipse">
             <a:avLst/>
@@ -4307,19 +4415,62 @@
           <a:lstStyle/>
           <a:p>
             <a:pPr algn="ctr"/>
-            <a:endParaRPr lang="en-US"/>
-          </a:p>
-        </p:txBody>
-      </p:sp>
-      <p:sp>
-        <p:nvSpPr>
-          <p:cNvPr id="37" name="Oval 36"/>
+            <a:r>
+              <a:rPr lang="en-US" sz="2400" i="1" dirty="0">
+                <a:solidFill>
+                  <a:srgbClr val="FF0000"/>
+                </a:solidFill>
+              </a:rPr>
+              <a:t>u</a:t>
+            </a:r>
+          </a:p>
+        </p:txBody>
+      </p:sp>
+      <p:cxnSp>
+        <p:nvCxnSpPr>
+          <p:cNvPr id="41" name="Straight Arrow Connector 40"/>
+          <p:cNvCxnSpPr/>
+          <p:nvPr/>
+        </p:nvCxnSpPr>
+        <p:spPr>
+          <a:xfrm>
+            <a:off x="6719321" y="1307269"/>
+            <a:ext cx="470805" cy="377338"/>
+          </a:xfrm>
+          <a:prstGeom prst="straightConnector1">
+            <a:avLst/>
+          </a:prstGeom>
+          <a:ln w="28575">
+            <a:solidFill>
+              <a:schemeClr val="tx1"/>
+            </a:solidFill>
+            <a:tailEnd type="triangle"/>
+          </a:ln>
+        </p:spPr>
+        <p:style>
+          <a:lnRef idx="1">
+            <a:schemeClr val="accent1"/>
+          </a:lnRef>
+          <a:fillRef idx="0">
+            <a:schemeClr val="accent1"/>
+          </a:fillRef>
+          <a:effectRef idx="0">
+            <a:schemeClr val="accent1"/>
+          </a:effectRef>
+          <a:fontRef idx="minor">
+            <a:schemeClr val="tx1"/>
+          </a:fontRef>
+        </p:style>
+      </p:cxnSp>
+      <p:sp>
+        <p:nvSpPr>
+          <p:cNvPr id="43" name="Oval 42"/>
           <p:cNvSpPr/>
           <p:nvPr/>
         </p:nvSpPr>
         <p:spPr>
           <a:xfrm>
-            <a:off x="6081738" y="680679"/>
+            <a:off x="5377096" y="1684606"/>
             <a:ext cx="746975" cy="734096"/>
           </a:xfrm>
           <a:prstGeom prst="ellipse">
@@ -4328,7 +4479,7 @@
           <a:noFill/>
           <a:ln w="28575">
             <a:solidFill>
-              <a:srgbClr val="FF0000"/>
+              <a:schemeClr val="tx1"/>
             </a:solidFill>
           </a:ln>
         </p:spPr>
@@ -4354,225 +4505,7 @@
           <a:p>
             <a:pPr algn="ctr"/>
             <a:r>
-              <a:rPr lang="en-US" sz="2400" i="1" smtClean="0">
-                <a:solidFill>
-                  <a:srgbClr val="FF0000"/>
-                </a:solidFill>
-              </a:rPr>
-              <a:t>v</a:t>
-            </a:r>
-            <a:endParaRPr lang="en-US" sz="2400" i="1" dirty="0">
-              <a:solidFill>
-                <a:srgbClr val="FF0000"/>
-              </a:solidFill>
-            </a:endParaRPr>
-          </a:p>
-        </p:txBody>
-      </p:sp>
-      <p:cxnSp>
-        <p:nvCxnSpPr>
-          <p:cNvPr id="38" name="Straight Arrow Connector 37"/>
-          <p:cNvCxnSpPr/>
-          <p:nvPr/>
-        </p:nvCxnSpPr>
-        <p:spPr>
-          <a:xfrm>
-            <a:off x="5966720" y="273416"/>
-            <a:ext cx="488506" cy="407263"/>
-          </a:xfrm>
-          <a:prstGeom prst="straightConnector1">
-            <a:avLst/>
-          </a:prstGeom>
-          <a:ln w="28575">
-            <a:solidFill>
-              <a:schemeClr val="tx1"/>
-            </a:solidFill>
-            <a:tailEnd type="triangle"/>
-          </a:ln>
-        </p:spPr>
-        <p:style>
-          <a:lnRef idx="1">
-            <a:schemeClr val="accent1"/>
-          </a:lnRef>
-          <a:fillRef idx="0">
-            <a:schemeClr val="accent1"/>
-          </a:fillRef>
-          <a:effectRef idx="0">
-            <a:schemeClr val="accent1"/>
-          </a:effectRef>
-          <a:fontRef idx="minor">
-            <a:schemeClr val="tx1"/>
-          </a:fontRef>
-        </p:style>
-      </p:cxnSp>
-      <p:sp>
-        <p:nvSpPr>
-          <p:cNvPr id="39" name="TextBox 38"/>
-          <p:cNvSpPr txBox="1"/>
-          <p:nvPr/>
-        </p:nvSpPr>
-        <p:spPr>
-          <a:xfrm>
-            <a:off x="5625168" y="-105269"/>
-            <a:ext cx="264096" cy="584775"/>
-          </a:xfrm>
-          <a:prstGeom prst="rect">
-            <a:avLst/>
-          </a:prstGeom>
-          <a:noFill/>
-        </p:spPr>
-        <p:txBody>
-          <a:bodyPr wrap="square" rtlCol="0">
-            <a:spAutoFit/>
-          </a:bodyPr>
-          <a:lstStyle/>
-          <a:p>
-            <a:r>
-              <a:rPr lang="en-US" sz="3200" dirty="0"/>
-              <a:t>?</a:t>
-            </a:r>
-            <a:endParaRPr lang="en-US" sz="2400" dirty="0"/>
-          </a:p>
-        </p:txBody>
-      </p:sp>
-      <p:sp>
-        <p:nvSpPr>
-          <p:cNvPr id="40" name="Oval 39"/>
-          <p:cNvSpPr/>
-          <p:nvPr/>
-        </p:nvSpPr>
-        <p:spPr>
-          <a:xfrm>
-            <a:off x="6816638" y="1684607"/>
-            <a:ext cx="746975" cy="734096"/>
-          </a:xfrm>
-          <a:prstGeom prst="ellipse">
-            <a:avLst/>
-          </a:prstGeom>
-          <a:noFill/>
-          <a:ln w="28575">
-            <a:solidFill>
-              <a:srgbClr val="FF0000"/>
-            </a:solidFill>
-          </a:ln>
-        </p:spPr>
-        <p:style>
-          <a:lnRef idx="2">
-            <a:schemeClr val="accent1">
-              <a:shade val="50000"/>
-            </a:schemeClr>
-          </a:lnRef>
-          <a:fillRef idx="1">
-            <a:schemeClr val="accent1"/>
-          </a:fillRef>
-          <a:effectRef idx="0">
-            <a:schemeClr val="accent1"/>
-          </a:effectRef>
-          <a:fontRef idx="minor">
-            <a:schemeClr val="lt1"/>
-          </a:fontRef>
-        </p:style>
-        <p:txBody>
-          <a:bodyPr rtlCol="0" anchor="ctr"/>
-          <a:lstStyle/>
-          <a:p>
-            <a:pPr algn="ctr"/>
-            <a:r>
-              <a:rPr lang="en-US" sz="2400" i="1" dirty="0" smtClean="0">
-                <a:solidFill>
-                  <a:srgbClr val="FF0000"/>
-                </a:solidFill>
-              </a:rPr>
-              <a:t>u</a:t>
-            </a:r>
-            <a:endParaRPr lang="en-US" sz="2400" i="1" dirty="0">
-              <a:solidFill>
-                <a:srgbClr val="FF0000"/>
-              </a:solidFill>
-            </a:endParaRPr>
-          </a:p>
-        </p:txBody>
-      </p:sp>
-      <p:cxnSp>
-        <p:nvCxnSpPr>
-          <p:cNvPr id="41" name="Straight Arrow Connector 40"/>
-          <p:cNvCxnSpPr/>
-          <p:nvPr/>
-        </p:nvCxnSpPr>
-        <p:spPr>
-          <a:xfrm>
-            <a:off x="6719321" y="1307269"/>
-            <a:ext cx="470805" cy="377338"/>
-          </a:xfrm>
-          <a:prstGeom prst="straightConnector1">
-            <a:avLst/>
-          </a:prstGeom>
-          <a:ln w="28575">
-            <a:solidFill>
-              <a:schemeClr val="tx1"/>
-            </a:solidFill>
-            <a:tailEnd type="triangle"/>
-          </a:ln>
-        </p:spPr>
-        <p:style>
-          <a:lnRef idx="1">
-            <a:schemeClr val="accent1"/>
-          </a:lnRef>
-          <a:fillRef idx="0">
-            <a:schemeClr val="accent1"/>
-          </a:fillRef>
-          <a:effectRef idx="0">
-            <a:schemeClr val="accent1"/>
-          </a:effectRef>
-          <a:fontRef idx="minor">
-            <a:schemeClr val="tx1"/>
-          </a:fontRef>
-        </p:style>
-      </p:cxnSp>
-      <p:sp>
-        <p:nvSpPr>
-          <p:cNvPr id="43" name="Oval 42"/>
-          <p:cNvSpPr/>
-          <p:nvPr/>
-        </p:nvSpPr>
-        <p:spPr>
-          <a:xfrm>
-            <a:off x="5377096" y="1684606"/>
-            <a:ext cx="746975" cy="734096"/>
-          </a:xfrm>
-          <a:prstGeom prst="ellipse">
-            <a:avLst/>
-          </a:prstGeom>
-          <a:noFill/>
-          <a:ln w="28575">
-            <a:solidFill>
-              <a:schemeClr val="tx1"/>
-            </a:solidFill>
-          </a:ln>
-        </p:spPr>
-        <p:style>
-          <a:lnRef idx="2">
-            <a:schemeClr val="accent1">
-              <a:shade val="50000"/>
-            </a:schemeClr>
-          </a:lnRef>
-          <a:fillRef idx="1">
-            <a:schemeClr val="accent1"/>
-          </a:fillRef>
-          <a:effectRef idx="0">
-            <a:schemeClr val="accent1"/>
-          </a:effectRef>
-          <a:fontRef idx="minor">
-            <a:schemeClr val="lt1"/>
-          </a:fontRef>
-        </p:style>
-        <p:txBody>
-          <a:bodyPr rtlCol="0" anchor="ctr"/>
-          <a:lstStyle/>
-          <a:p>
-            <a:pPr algn="ctr"/>
-            <a:r>
-              <a:rPr lang="en-US" sz="2400" i="1" smtClean="0">
+              <a:rPr lang="en-US" sz="2400" i="1">
                 <a:solidFill>
                   <a:schemeClr val="tx1"/>
                 </a:solidFill>
@@ -4705,7 +4638,7 @@
           <a:p>
             <a:pPr algn="ctr"/>
             <a:r>
-              <a:rPr lang="en-US" sz="2400" i="1" smtClean="0">
+              <a:rPr lang="en-US" sz="2400" i="1">
                 <a:solidFill>
                   <a:schemeClr val="tx1"/>
                 </a:solidFill>
@@ -4829,12 +4762,101 @@
           <a:p>
             <a:pPr algn="ctr"/>
             <a:r>
-              <a:rPr lang="en-US" sz="2400" i="1" dirty="0" smtClean="0">
+              <a:rPr lang="en-US" sz="2400" i="1" dirty="0">
                 <a:solidFill>
                   <a:srgbClr val="FF0000"/>
                 </a:solidFill>
               </a:rPr>
               <a:t>u</a:t>
+            </a:r>
+          </a:p>
+        </p:txBody>
+      </p:sp>
+      <p:cxnSp>
+        <p:nvCxnSpPr>
+          <p:cNvPr id="63" name="Straight Arrow Connector 62"/>
+          <p:cNvCxnSpPr/>
+          <p:nvPr/>
+        </p:nvCxnSpPr>
+        <p:spPr>
+          <a:xfrm>
+            <a:off x="10974341" y="1307269"/>
+            <a:ext cx="470805" cy="377338"/>
+          </a:xfrm>
+          <a:prstGeom prst="straightConnector1">
+            <a:avLst/>
+          </a:prstGeom>
+          <a:ln w="28575">
+            <a:solidFill>
+              <a:schemeClr val="tx1"/>
+            </a:solidFill>
+            <a:tailEnd type="triangle"/>
+          </a:ln>
+        </p:spPr>
+        <p:style>
+          <a:lnRef idx="1">
+            <a:schemeClr val="accent1"/>
+          </a:lnRef>
+          <a:fillRef idx="0">
+            <a:schemeClr val="accent1"/>
+          </a:fillRef>
+          <a:effectRef idx="0">
+            <a:schemeClr val="accent1"/>
+          </a:effectRef>
+          <a:fontRef idx="minor">
+            <a:schemeClr val="tx1"/>
+          </a:fontRef>
+        </p:style>
+      </p:cxnSp>
+      <p:sp>
+        <p:nvSpPr>
+          <p:cNvPr id="65" name="Oval 64"/>
+          <p:cNvSpPr/>
+          <p:nvPr/>
+        </p:nvSpPr>
+        <p:spPr>
+          <a:xfrm>
+            <a:off x="9632116" y="1684606"/>
+            <a:ext cx="746975" cy="734096"/>
+          </a:xfrm>
+          <a:prstGeom prst="ellipse">
+            <a:avLst/>
+          </a:prstGeom>
+          <a:noFill/>
+          <a:ln w="28575">
+            <a:solidFill>
+              <a:srgbClr val="FF0000"/>
+            </a:solidFill>
+          </a:ln>
+        </p:spPr>
+        <p:style>
+          <a:lnRef idx="2">
+            <a:schemeClr val="accent1">
+              <a:shade val="50000"/>
+            </a:schemeClr>
+          </a:lnRef>
+          <a:fillRef idx="1">
+            <a:schemeClr val="accent1"/>
+          </a:fillRef>
+          <a:effectRef idx="0">
+            <a:schemeClr val="accent1"/>
+          </a:effectRef>
+          <a:fontRef idx="minor">
+            <a:schemeClr val="lt1"/>
+          </a:fontRef>
+        </p:style>
+        <p:txBody>
+          <a:bodyPr rtlCol="0" anchor="ctr"/>
+          <a:lstStyle/>
+          <a:p>
+            <a:pPr algn="ctr"/>
+            <a:r>
+              <a:rPr lang="en-US" sz="2400" i="1">
+                <a:solidFill>
+                  <a:srgbClr val="FF0000"/>
+                </a:solidFill>
+              </a:rPr>
+              <a:t>w</a:t>
             </a:r>
             <a:endParaRPr lang="en-US" sz="2400" i="1" dirty="0">
               <a:solidFill>
@@ -4846,14 +4868,14 @@
       </p:sp>
       <p:cxnSp>
         <p:nvCxnSpPr>
-          <p:cNvPr id="63" name="Straight Arrow Connector 62"/>
+          <p:cNvPr id="66" name="Straight Arrow Connector 65"/>
           <p:cNvCxnSpPr/>
           <p:nvPr/>
         </p:nvCxnSpPr>
         <p:spPr>
-          <a:xfrm>
-            <a:off x="10974341" y="1307269"/>
-            <a:ext cx="470805" cy="377338"/>
+          <a:xfrm flipH="1">
+            <a:off x="10005604" y="1307269"/>
+            <a:ext cx="440546" cy="377337"/>
           </a:xfrm>
           <a:prstGeom prst="straightConnector1">
             <a:avLst/>
@@ -4882,13 +4904,78 @@
       </p:cxnSp>
       <p:sp>
         <p:nvSpPr>
-          <p:cNvPr id="65" name="Oval 64"/>
+          <p:cNvPr id="70" name="TextBox 69"/>
+          <p:cNvSpPr txBox="1"/>
+          <p:nvPr/>
+        </p:nvSpPr>
+        <p:spPr>
+          <a:xfrm>
+            <a:off x="6081737" y="2782790"/>
+            <a:ext cx="991199" cy="646331"/>
+          </a:xfrm>
+          <a:prstGeom prst="rect">
+            <a:avLst/>
+          </a:prstGeom>
+          <a:noFill/>
+        </p:spPr>
+        <p:txBody>
+          <a:bodyPr wrap="square" rtlCol="0">
+            <a:spAutoFit/>
+          </a:bodyPr>
+          <a:lstStyle/>
+          <a:p>
+            <a:r>
+              <a:rPr lang="en-US" sz="3600" dirty="0"/>
+              <a:t>OR</a:t>
+            </a:r>
+          </a:p>
+        </p:txBody>
+      </p:sp>
+      <p:cxnSp>
+        <p:nvCxnSpPr>
+          <p:cNvPr id="71" name="Straight Arrow Connector 70"/>
+          <p:cNvCxnSpPr/>
+          <p:nvPr/>
+        </p:nvCxnSpPr>
+        <p:spPr>
+          <a:xfrm flipV="1">
+            <a:off x="3555943" y="5380536"/>
+            <a:ext cx="1390366" cy="1"/>
+          </a:xfrm>
+          <a:prstGeom prst="straightConnector1">
+            <a:avLst/>
+          </a:prstGeom>
+          <a:ln w="165100">
+            <a:solidFill>
+              <a:schemeClr val="tx1"/>
+            </a:solidFill>
+            <a:tailEnd type="triangle"/>
+          </a:ln>
+        </p:spPr>
+        <p:style>
+          <a:lnRef idx="1">
+            <a:schemeClr val="accent1"/>
+          </a:lnRef>
+          <a:fillRef idx="0">
+            <a:schemeClr val="accent1"/>
+          </a:fillRef>
+          <a:effectRef idx="0">
+            <a:schemeClr val="accent1"/>
+          </a:effectRef>
+          <a:fontRef idx="minor">
+            <a:schemeClr val="tx1"/>
+          </a:fontRef>
+        </p:style>
+      </p:cxnSp>
+      <p:sp>
+        <p:nvSpPr>
+          <p:cNvPr id="72" name="Oval 71"/>
           <p:cNvSpPr/>
           <p:nvPr/>
         </p:nvSpPr>
         <p:spPr>
           <a:xfrm>
-            <a:off x="9632116" y="1684606"/>
+            <a:off x="1749480" y="4166167"/>
             <a:ext cx="746975" cy="734096"/>
           </a:xfrm>
           <a:prstGeom prst="ellipse">
@@ -4897,7 +4984,7 @@
           <a:noFill/>
           <a:ln w="28575">
             <a:solidFill>
-              <a:srgbClr val="FF0000"/>
+              <a:schemeClr val="tx1"/>
             </a:solidFill>
           </a:ln>
         </p:spPr>
@@ -4923,12 +5010,131 @@
           <a:p>
             <a:pPr algn="ctr"/>
             <a:r>
-              <a:rPr lang="en-US" sz="2400" i="1" smtClean="0">
+              <a:rPr lang="en-US" sz="2400" i="1" dirty="0">
+                <a:solidFill>
+                  <a:schemeClr val="tx1"/>
+                </a:solidFill>
+              </a:rPr>
+              <a:t>w</a:t>
+            </a:r>
+          </a:p>
+        </p:txBody>
+      </p:sp>
+      <p:cxnSp>
+        <p:nvCxnSpPr>
+          <p:cNvPr id="73" name="Straight Arrow Connector 72"/>
+          <p:cNvCxnSpPr/>
+          <p:nvPr/>
+        </p:nvCxnSpPr>
+        <p:spPr>
+          <a:xfrm>
+            <a:off x="1634462" y="3758904"/>
+            <a:ext cx="488506" cy="407263"/>
+          </a:xfrm>
+          <a:prstGeom prst="straightConnector1">
+            <a:avLst/>
+          </a:prstGeom>
+          <a:ln w="28575">
+            <a:solidFill>
+              <a:schemeClr val="tx1"/>
+            </a:solidFill>
+            <a:tailEnd type="triangle"/>
+          </a:ln>
+        </p:spPr>
+        <p:style>
+          <a:lnRef idx="1">
+            <a:schemeClr val="accent1"/>
+          </a:lnRef>
+          <a:fillRef idx="0">
+            <a:schemeClr val="accent1"/>
+          </a:fillRef>
+          <a:effectRef idx="0">
+            <a:schemeClr val="accent1"/>
+          </a:effectRef>
+          <a:fontRef idx="minor">
+            <a:schemeClr val="tx1"/>
+          </a:fontRef>
+        </p:style>
+      </p:cxnSp>
+      <p:sp>
+        <p:nvSpPr>
+          <p:cNvPr id="74" name="TextBox 73"/>
+          <p:cNvSpPr txBox="1"/>
+          <p:nvPr/>
+        </p:nvSpPr>
+        <p:spPr>
+          <a:xfrm>
+            <a:off x="1292910" y="3380219"/>
+            <a:ext cx="264096" cy="584775"/>
+          </a:xfrm>
+          <a:prstGeom prst="rect">
+            <a:avLst/>
+          </a:prstGeom>
+          <a:noFill/>
+        </p:spPr>
+        <p:txBody>
+          <a:bodyPr wrap="square" rtlCol="0">
+            <a:spAutoFit/>
+          </a:bodyPr>
+          <a:lstStyle/>
+          <a:p>
+            <a:r>
+              <a:rPr lang="en-US" sz="3200" dirty="0"/>
+              <a:t>?</a:t>
+            </a:r>
+            <a:endParaRPr lang="en-US" sz="2400" dirty="0"/>
+          </a:p>
+        </p:txBody>
+      </p:sp>
+      <p:sp>
+        <p:nvSpPr>
+          <p:cNvPr id="75" name="Oval 74"/>
+          <p:cNvSpPr/>
+          <p:nvPr/>
+        </p:nvSpPr>
+        <p:spPr>
+          <a:xfrm>
+            <a:off x="957664" y="5170095"/>
+            <a:ext cx="746975" cy="734096"/>
+          </a:xfrm>
+          <a:prstGeom prst="ellipse">
+            <a:avLst/>
+          </a:prstGeom>
+          <a:noFill/>
+          <a:ln w="28575">
+            <a:solidFill>
+              <a:srgbClr val="FF0000"/>
+            </a:solidFill>
+          </a:ln>
+        </p:spPr>
+        <p:style>
+          <a:lnRef idx="2">
+            <a:schemeClr val="accent1">
+              <a:shade val="50000"/>
+            </a:schemeClr>
+          </a:lnRef>
+          <a:fillRef idx="1">
+            <a:schemeClr val="accent1"/>
+          </a:fillRef>
+          <a:effectRef idx="0">
+            <a:schemeClr val="accent1"/>
+          </a:effectRef>
+          <a:fontRef idx="minor">
+            <a:schemeClr val="lt1"/>
+          </a:fontRef>
+        </p:style>
+        <p:txBody>
+          <a:bodyPr rtlCol="0" anchor="ctr"/>
+          <a:lstStyle/>
+          <a:p>
+            <a:pPr algn="ctr"/>
+            <a:r>
+              <a:rPr lang="en-US" sz="2400" i="1">
                 <a:solidFill>
                   <a:srgbClr val="FF0000"/>
                 </a:solidFill>
               </a:rPr>
-              <a:t>w</a:t>
+              <a:t>v</a:t>
             </a:r>
             <a:endParaRPr lang="en-US" sz="2400" i="1" dirty="0">
               <a:solidFill>
@@ -4938,117 +5144,15 @@
           </a:p>
         </p:txBody>
       </p:sp>
-      <p:cxnSp>
-        <p:nvCxnSpPr>
-          <p:cNvPr id="66" name="Straight Arrow Connector 65"/>
-          <p:cNvCxnSpPr/>
-          <p:nvPr/>
-        </p:nvCxnSpPr>
-        <p:spPr>
-          <a:xfrm flipH="1">
-            <a:off x="10005604" y="1307269"/>
-            <a:ext cx="440546" cy="377337"/>
-          </a:xfrm>
-          <a:prstGeom prst="straightConnector1">
-            <a:avLst/>
-          </a:prstGeom>
-          <a:ln w="28575">
-            <a:solidFill>
-              <a:schemeClr val="tx1"/>
-            </a:solidFill>
-            <a:tailEnd type="triangle"/>
-          </a:ln>
-        </p:spPr>
-        <p:style>
-          <a:lnRef idx="1">
-            <a:schemeClr val="accent1"/>
-          </a:lnRef>
-          <a:fillRef idx="0">
-            <a:schemeClr val="accent1"/>
-          </a:fillRef>
-          <a:effectRef idx="0">
-            <a:schemeClr val="accent1"/>
-          </a:effectRef>
-          <a:fontRef idx="minor">
-            <a:schemeClr val="tx1"/>
-          </a:fontRef>
-        </p:style>
-      </p:cxnSp>
-      <p:sp>
-        <p:nvSpPr>
-          <p:cNvPr id="70" name="TextBox 69"/>
-          <p:cNvSpPr txBox="1"/>
-          <p:nvPr/>
-        </p:nvSpPr>
-        <p:spPr>
-          <a:xfrm>
-            <a:off x="6081738" y="2782790"/>
-            <a:ext cx="768020" cy="646331"/>
-          </a:xfrm>
-          <a:prstGeom prst="rect">
-            <a:avLst/>
-          </a:prstGeom>
-          <a:noFill/>
-        </p:spPr>
-        <p:txBody>
-          <a:bodyPr wrap="square" rtlCol="0">
-            <a:spAutoFit/>
-          </a:bodyPr>
-          <a:lstStyle/>
-          <a:p>
-            <a:r>
-              <a:rPr lang="en-US" sz="3600" dirty="0" smtClean="0"/>
-              <a:t>OR</a:t>
-            </a:r>
-            <a:endParaRPr lang="en-US" sz="3600" dirty="0"/>
-          </a:p>
-        </p:txBody>
-      </p:sp>
-      <p:cxnSp>
-        <p:nvCxnSpPr>
-          <p:cNvPr id="71" name="Straight Arrow Connector 70"/>
-          <p:cNvCxnSpPr/>
-          <p:nvPr/>
-        </p:nvCxnSpPr>
-        <p:spPr>
-          <a:xfrm flipV="1">
-            <a:off x="3555943" y="5380536"/>
-            <a:ext cx="1390366" cy="1"/>
-          </a:xfrm>
-          <a:prstGeom prst="straightConnector1">
-            <a:avLst/>
-          </a:prstGeom>
-          <a:ln w="165100">
-            <a:solidFill>
-              <a:schemeClr val="tx1"/>
-            </a:solidFill>
-            <a:tailEnd type="triangle"/>
-          </a:ln>
-        </p:spPr>
-        <p:style>
-          <a:lnRef idx="1">
-            <a:schemeClr val="accent1"/>
-          </a:lnRef>
-          <a:fillRef idx="0">
-            <a:schemeClr val="accent1"/>
-          </a:fillRef>
-          <a:effectRef idx="0">
-            <a:schemeClr val="accent1"/>
-          </a:effectRef>
-          <a:fontRef idx="minor">
-            <a:schemeClr val="tx1"/>
-          </a:fontRef>
-        </p:style>
-      </p:cxnSp>
-      <p:sp>
-        <p:nvSpPr>
-          <p:cNvPr id="72" name="Oval 71"/>
+      <p:sp>
+        <p:nvSpPr>
+          <p:cNvPr id="78" name="Oval 77"/>
           <p:cNvSpPr/>
           <p:nvPr/>
         </p:nvSpPr>
         <p:spPr>
           <a:xfrm>
-            <a:off x="1749480" y="4166167"/>
+            <a:off x="220027" y="6049735"/>
             <a:ext cx="746975" cy="734096"/>
           </a:xfrm>
           <a:prstGeom prst="ellipse">
@@ -5057,7 +5161,7 @@
           <a:noFill/>
           <a:ln w="28575">
             <a:solidFill>
-              <a:schemeClr val="tx1"/>
+              <a:srgbClr val="FF0000"/>
             </a:solidFill>
           </a:ln>
         </p:spPr>
@@ -5083,200 +5187,13 @@
           <a:p>
             <a:pPr algn="ctr"/>
             <a:r>
-              <a:rPr lang="en-US" sz="2400" i="1" dirty="0" smtClean="0">
-                <a:solidFill>
-                  <a:schemeClr val="tx1"/>
-                </a:solidFill>
-              </a:rPr>
-              <a:t>w</a:t>
-            </a:r>
-            <a:endParaRPr lang="en-US" sz="2400" i="1" dirty="0">
-              <a:solidFill>
-                <a:schemeClr val="tx1"/>
-              </a:solidFill>
-            </a:endParaRPr>
-          </a:p>
-        </p:txBody>
-      </p:sp>
-      <p:cxnSp>
-        <p:nvCxnSpPr>
-          <p:cNvPr id="73" name="Straight Arrow Connector 72"/>
-          <p:cNvCxnSpPr/>
-          <p:nvPr/>
-        </p:nvCxnSpPr>
-        <p:spPr>
-          <a:xfrm>
-            <a:off x="1634462" y="3758904"/>
-            <a:ext cx="488506" cy="407263"/>
-          </a:xfrm>
-          <a:prstGeom prst="straightConnector1">
-            <a:avLst/>
-          </a:prstGeom>
-          <a:ln w="28575">
-            <a:solidFill>
-              <a:schemeClr val="tx1"/>
-            </a:solidFill>
-            <a:tailEnd type="triangle"/>
-          </a:ln>
-        </p:spPr>
-        <p:style>
-          <a:lnRef idx="1">
-            <a:schemeClr val="accent1"/>
-          </a:lnRef>
-          <a:fillRef idx="0">
-            <a:schemeClr val="accent1"/>
-          </a:fillRef>
-          <a:effectRef idx="0">
-            <a:schemeClr val="accent1"/>
-          </a:effectRef>
-          <a:fontRef idx="minor">
-            <a:schemeClr val="tx1"/>
-          </a:fontRef>
-        </p:style>
-      </p:cxnSp>
-      <p:sp>
-        <p:nvSpPr>
-          <p:cNvPr id="74" name="TextBox 73"/>
-          <p:cNvSpPr txBox="1"/>
-          <p:nvPr/>
-        </p:nvSpPr>
-        <p:spPr>
-          <a:xfrm>
-            <a:off x="1292910" y="3380219"/>
-            <a:ext cx="264096" cy="584775"/>
-          </a:xfrm>
-          <a:prstGeom prst="rect">
-            <a:avLst/>
-          </a:prstGeom>
-          <a:noFill/>
-        </p:spPr>
-        <p:txBody>
-          <a:bodyPr wrap="square" rtlCol="0">
-            <a:spAutoFit/>
-          </a:bodyPr>
-          <a:lstStyle/>
-          <a:p>
-            <a:r>
-              <a:rPr lang="en-US" sz="3200" dirty="0"/>
-              <a:t>?</a:t>
-            </a:r>
-            <a:endParaRPr lang="en-US" sz="2400" dirty="0"/>
-          </a:p>
-        </p:txBody>
-      </p:sp>
-      <p:sp>
-        <p:nvSpPr>
-          <p:cNvPr id="75" name="Oval 74"/>
-          <p:cNvSpPr/>
-          <p:nvPr/>
-        </p:nvSpPr>
-        <p:spPr>
-          <a:xfrm>
-            <a:off x="957664" y="5170095"/>
-            <a:ext cx="746975" cy="734096"/>
-          </a:xfrm>
-          <a:prstGeom prst="ellipse">
-            <a:avLst/>
-          </a:prstGeom>
-          <a:noFill/>
-          <a:ln w="28575">
-            <a:solidFill>
-              <a:srgbClr val="FF0000"/>
-            </a:solidFill>
-          </a:ln>
-        </p:spPr>
-        <p:style>
-          <a:lnRef idx="2">
-            <a:schemeClr val="accent1">
-              <a:shade val="50000"/>
-            </a:schemeClr>
-          </a:lnRef>
-          <a:fillRef idx="1">
-            <a:schemeClr val="accent1"/>
-          </a:fillRef>
-          <a:effectRef idx="0">
-            <a:schemeClr val="accent1"/>
-          </a:effectRef>
-          <a:fontRef idx="minor">
-            <a:schemeClr val="lt1"/>
-          </a:fontRef>
-        </p:style>
-        <p:txBody>
-          <a:bodyPr rtlCol="0" anchor="ctr"/>
-          <a:lstStyle/>
-          <a:p>
-            <a:pPr algn="ctr"/>
-            <a:r>
-              <a:rPr lang="en-US" sz="2400" i="1" smtClean="0">
+              <a:rPr lang="en-US" sz="2400" i="1" dirty="0">
                 <a:solidFill>
                   <a:srgbClr val="FF0000"/>
                 </a:solidFill>
               </a:rPr>
-              <a:t>v</a:t>
-            </a:r>
-            <a:endParaRPr lang="en-US" sz="2400" i="1" dirty="0">
-              <a:solidFill>
-                <a:srgbClr val="FF0000"/>
-              </a:solidFill>
-            </a:endParaRPr>
-          </a:p>
-        </p:txBody>
-      </p:sp>
-      <p:sp>
-        <p:nvSpPr>
-          <p:cNvPr id="78" name="Oval 77"/>
-          <p:cNvSpPr/>
-          <p:nvPr/>
-        </p:nvSpPr>
-        <p:spPr>
-          <a:xfrm>
-            <a:off x="220027" y="6049735"/>
-            <a:ext cx="746975" cy="734096"/>
-          </a:xfrm>
-          <a:prstGeom prst="ellipse">
-            <a:avLst/>
-          </a:prstGeom>
-          <a:noFill/>
-          <a:ln w="28575">
-            <a:solidFill>
-              <a:srgbClr val="FF0000"/>
-            </a:solidFill>
-          </a:ln>
-        </p:spPr>
-        <p:style>
-          <a:lnRef idx="2">
-            <a:schemeClr val="accent1">
-              <a:shade val="50000"/>
-            </a:schemeClr>
-          </a:lnRef>
-          <a:fillRef idx="1">
-            <a:schemeClr val="accent1"/>
-          </a:fillRef>
-          <a:effectRef idx="0">
-            <a:schemeClr val="accent1"/>
-          </a:effectRef>
-          <a:fontRef idx="minor">
-            <a:schemeClr val="lt1"/>
-          </a:fontRef>
-        </p:style>
-        <p:txBody>
-          <a:bodyPr rtlCol="0" anchor="ctr"/>
-          <a:lstStyle/>
-          <a:p>
-            <a:pPr algn="ctr"/>
-            <a:r>
-              <a:rPr lang="en-US" sz="2400" i="1" dirty="0" smtClean="0">
-                <a:solidFill>
-                  <a:srgbClr val="FF0000"/>
-                </a:solidFill>
-              </a:rPr>
               <a:t>u</a:t>
             </a:r>
-            <a:endParaRPr lang="en-US" sz="2400" i="1" dirty="0">
-              <a:solidFill>
-                <a:srgbClr val="FF0000"/>
-              </a:solidFill>
-            </a:endParaRPr>
           </a:p>
         </p:txBody>
       </p:sp>
@@ -5362,18 +5279,13 @@
           <a:p>
             <a:pPr algn="ctr"/>
             <a:r>
-              <a:rPr lang="en-US" sz="2400" i="1" dirty="0" smtClean="0">
+              <a:rPr lang="en-US" sz="2400" i="1" dirty="0">
                 <a:solidFill>
                   <a:srgbClr val="FF0000"/>
                 </a:solidFill>
               </a:rPr>
               <a:t>v</a:t>
             </a:r>
-            <a:endParaRPr lang="en-US" sz="2400" i="1" dirty="0">
-              <a:solidFill>
-                <a:srgbClr val="FF0000"/>
-              </a:solidFill>
-            </a:endParaRPr>
           </a:p>
         </p:txBody>
       </p:sp>
@@ -5486,18 +5398,13 @@
           <a:p>
             <a:pPr algn="ctr"/>
             <a:r>
-              <a:rPr lang="en-US" sz="2400" i="1" dirty="0" smtClean="0">
+              <a:rPr lang="en-US" sz="2400" i="1" dirty="0">
                 <a:solidFill>
                   <a:schemeClr val="tx1"/>
                 </a:solidFill>
               </a:rPr>
               <a:t>w</a:t>
             </a:r>
-            <a:endParaRPr lang="en-US" sz="2400" i="1" dirty="0">
-              <a:solidFill>
-                <a:schemeClr val="tx1"/>
-              </a:solidFill>
-            </a:endParaRPr>
           </a:p>
         </p:txBody>
       </p:sp>
@@ -5580,18 +5487,13 @@
           <a:p>
             <a:pPr algn="ctr"/>
             <a:r>
-              <a:rPr lang="en-US" sz="2400" i="1" dirty="0" smtClean="0">
+              <a:rPr lang="en-US" sz="2400" i="1" dirty="0">
                 <a:solidFill>
                   <a:srgbClr val="FF0000"/>
                 </a:solidFill>
               </a:rPr>
               <a:t>u</a:t>
             </a:r>
-            <a:endParaRPr lang="en-US" sz="2400" i="1" dirty="0">
-              <a:solidFill>
-                <a:srgbClr val="FF0000"/>
-              </a:solidFill>
-            </a:endParaRPr>
           </a:p>
         </p:txBody>
       </p:sp>
@@ -5795,18 +5697,13 @@
           <a:p>
             <a:pPr algn="ctr"/>
             <a:r>
-              <a:rPr lang="en-US" sz="2400" i="1" dirty="0" smtClean="0">
+              <a:rPr lang="en-US" sz="2400" i="1" dirty="0">
                 <a:solidFill>
                   <a:schemeClr val="tx1"/>
                 </a:solidFill>
               </a:rPr>
               <a:t>v</a:t>
             </a:r>
-            <a:endParaRPr lang="en-US" sz="2400" i="1" dirty="0">
-              <a:solidFill>
-                <a:schemeClr val="tx1"/>
-              </a:solidFill>
-            </a:endParaRPr>
           </a:p>
         </p:txBody>
       </p:sp>
@@ -5919,18 +5816,13 @@
           <a:p>
             <a:pPr algn="ctr"/>
             <a:r>
-              <a:rPr lang="en-US" sz="2400" i="1" dirty="0" smtClean="0">
+              <a:rPr lang="en-US" sz="2400" i="1" dirty="0">
                 <a:solidFill>
                   <a:srgbClr val="FF0000"/>
                 </a:solidFill>
               </a:rPr>
               <a:t>w</a:t>
             </a:r>
-            <a:endParaRPr lang="en-US" sz="2400" i="1" dirty="0">
-              <a:solidFill>
-                <a:srgbClr val="FF0000"/>
-              </a:solidFill>
-            </a:endParaRPr>
           </a:p>
         </p:txBody>
       </p:sp>
@@ -6013,18 +5905,13 @@
           <a:p>
             <a:pPr algn="ctr"/>
             <a:r>
-              <a:rPr lang="en-US" sz="2400" i="1" dirty="0" smtClean="0">
+              <a:rPr lang="en-US" sz="2400" i="1" dirty="0">
                 <a:solidFill>
                   <a:srgbClr val="FF0000"/>
                 </a:solidFill>
               </a:rPr>
               <a:t>u</a:t>
             </a:r>
-            <a:endParaRPr lang="en-US" sz="2400" i="1" dirty="0">
-              <a:solidFill>
-                <a:srgbClr val="FF0000"/>
-              </a:solidFill>
-            </a:endParaRPr>
           </a:p>
         </p:txBody>
       </p:sp>
@@ -6097,7 +5984,9 @@
       <p:cxnSp>
         <p:nvCxnSpPr>
           <p:cNvPr id="4" name="Straight Arrow Connector 3"/>
-          <p:cNvCxnSpPr/>
+          <p:cNvCxnSpPr>
+            <a:cxnSpLocks/>
+          </p:cNvCxnSpPr>
           <p:nvPr/>
         </p:nvCxnSpPr>
         <p:spPr>
@@ -6173,25 +6062,22 @@
           <a:p>
             <a:pPr algn="ctr"/>
             <a:r>
-              <a:rPr lang="en-US" sz="2400" i="1" dirty="0" smtClean="0">
+              <a:rPr lang="en-US" sz="2400" i="1" dirty="0">
                 <a:solidFill>
                   <a:schemeClr val="tx1"/>
                 </a:solidFill>
               </a:rPr>
               <a:t>w</a:t>
             </a:r>
-            <a:endParaRPr lang="en-US" sz="2400" i="1" dirty="0">
-              <a:solidFill>
-                <a:schemeClr val="tx1"/>
-              </a:solidFill>
-            </a:endParaRPr>
           </a:p>
         </p:txBody>
       </p:sp>
       <p:cxnSp>
         <p:nvCxnSpPr>
           <p:cNvPr id="14" name="Straight Arrow Connector 13"/>
-          <p:cNvCxnSpPr/>
+          <p:cNvCxnSpPr>
+            <a:cxnSpLocks/>
+          </p:cNvCxnSpPr>
           <p:nvPr/>
         </p:nvCxnSpPr>
         <p:spPr>
@@ -6297,7 +6183,7 @@
           <a:p>
             <a:pPr algn="ctr"/>
             <a:r>
-              <a:rPr lang="en-US" sz="2400" i="1" smtClean="0">
+              <a:rPr lang="en-US" sz="2400" i="1">
                 <a:solidFill>
                   <a:srgbClr val="FF0000"/>
                 </a:solidFill>
@@ -6400,7 +6286,9 @@
       <p:cxnSp>
         <p:nvCxnSpPr>
           <p:cNvPr id="58" name="Straight Arrow Connector 57"/>
-          <p:cNvCxnSpPr/>
+          <p:cNvCxnSpPr>
+            <a:cxnSpLocks/>
+          </p:cNvCxnSpPr>
           <p:nvPr/>
         </p:nvCxnSpPr>
         <p:spPr>
@@ -6456,17 +6344,18 @@
           <a:lstStyle/>
           <a:p>
             <a:r>
-              <a:rPr lang="en-US" sz="3600" dirty="0" smtClean="0"/>
+              <a:rPr lang="en-US" sz="3600" dirty="0"/>
               <a:t>OR</a:t>
             </a:r>
-            <a:endParaRPr lang="en-US" sz="3600" dirty="0"/>
           </a:p>
         </p:txBody>
       </p:sp>
       <p:cxnSp>
         <p:nvCxnSpPr>
           <p:cNvPr id="71" name="Straight Arrow Connector 70"/>
-          <p:cNvCxnSpPr/>
+          <p:cNvCxnSpPr>
+            <a:cxnSpLocks/>
+          </p:cNvCxnSpPr>
           <p:nvPr/>
         </p:nvCxnSpPr>
         <p:spPr>
@@ -6542,25 +6431,22 @@
           <a:p>
             <a:pPr algn="ctr"/>
             <a:r>
-              <a:rPr lang="en-US" sz="2400" i="1" dirty="0" smtClean="0">
+              <a:rPr lang="en-US" sz="2400" i="1" dirty="0">
                 <a:solidFill>
                   <a:schemeClr val="tx1"/>
                 </a:solidFill>
               </a:rPr>
               <a:t>w</a:t>
             </a:r>
-            <a:endParaRPr lang="en-US" sz="2400" i="1" dirty="0">
-              <a:solidFill>
-                <a:schemeClr val="tx1"/>
-              </a:solidFill>
-            </a:endParaRPr>
           </a:p>
         </p:txBody>
       </p:sp>
       <p:cxnSp>
         <p:nvCxnSpPr>
           <p:cNvPr id="73" name="Straight Arrow Connector 72"/>
-          <p:cNvCxnSpPr/>
+          <p:cNvCxnSpPr>
+            <a:cxnSpLocks/>
+          </p:cNvCxnSpPr>
           <p:nvPr/>
         </p:nvCxnSpPr>
         <p:spPr>
@@ -6666,7 +6552,7 @@
           <a:p>
             <a:pPr algn="ctr"/>
             <a:r>
-              <a:rPr lang="en-US" sz="2400" i="1" smtClean="0">
+              <a:rPr lang="en-US" sz="2400" i="1">
                 <a:solidFill>
                   <a:srgbClr val="FF0000"/>
                 </a:solidFill>
@@ -6724,18 +6610,13 @@
           <a:p>
             <a:pPr algn="ctr"/>
             <a:r>
-              <a:rPr lang="en-US" sz="2400" i="1" dirty="0" smtClean="0">
+              <a:rPr lang="en-US" sz="2400" i="1" dirty="0">
                 <a:solidFill>
                   <a:srgbClr val="FF0000"/>
                 </a:solidFill>
               </a:rPr>
               <a:t>u</a:t>
             </a:r>
-            <a:endParaRPr lang="en-US" sz="2400" i="1" dirty="0">
-              <a:solidFill>
-                <a:srgbClr val="FF0000"/>
-              </a:solidFill>
-            </a:endParaRPr>
           </a:p>
         </p:txBody>
       </p:sp>
@@ -6945,18 +6826,13 @@
           <a:p>
             <a:pPr algn="ctr"/>
             <a:r>
-              <a:rPr lang="en-US" sz="2400" i="1" dirty="0" smtClean="0">
+              <a:rPr lang="en-US" sz="2400" i="1" dirty="0">
                 <a:solidFill>
                   <a:srgbClr val="FF0000"/>
                 </a:solidFill>
               </a:rPr>
               <a:t>u</a:t>
             </a:r>
-            <a:endParaRPr lang="en-US" sz="2400" i="1" dirty="0">
-              <a:solidFill>
-                <a:srgbClr val="FF0000"/>
-              </a:solidFill>
-            </a:endParaRPr>
           </a:p>
         </p:txBody>
       </p:sp>
@@ -7003,25 +6879,22 @@
           <a:p>
             <a:pPr algn="ctr"/>
             <a:r>
-              <a:rPr lang="en-US" sz="2400" i="1" dirty="0" smtClean="0">
+              <a:rPr lang="en-US" sz="2400" i="1" dirty="0">
                 <a:solidFill>
                   <a:schemeClr val="tx1"/>
                 </a:solidFill>
               </a:rPr>
               <a:t>w</a:t>
             </a:r>
-            <a:endParaRPr lang="en-US" sz="2400" i="1" dirty="0">
-              <a:solidFill>
-                <a:schemeClr val="tx1"/>
-              </a:solidFill>
-            </a:endParaRPr>
           </a:p>
         </p:txBody>
       </p:sp>
       <p:cxnSp>
         <p:nvCxnSpPr>
           <p:cNvPr id="57" name="Straight Arrow Connector 56"/>
-          <p:cNvCxnSpPr/>
+          <p:cNvCxnSpPr>
+            <a:cxnSpLocks/>
+          </p:cNvCxnSpPr>
           <p:nvPr/>
         </p:nvCxnSpPr>
         <p:spPr>
@@ -7127,25 +7000,22 @@
           <a:p>
             <a:pPr algn="ctr"/>
             <a:r>
-              <a:rPr lang="en-US" sz="2400" i="1" dirty="0" smtClean="0">
+              <a:rPr lang="en-US" sz="2400" i="1" dirty="0">
                 <a:solidFill>
                   <a:srgbClr val="FF0000"/>
                 </a:solidFill>
               </a:rPr>
               <a:t>u</a:t>
             </a:r>
-            <a:endParaRPr lang="en-US" sz="2400" i="1" dirty="0">
-              <a:solidFill>
-                <a:srgbClr val="FF0000"/>
-              </a:solidFill>
-            </a:endParaRPr>
           </a:p>
         </p:txBody>
       </p:sp>
       <p:cxnSp>
         <p:nvCxnSpPr>
           <p:cNvPr id="68" name="Straight Arrow Connector 67"/>
-          <p:cNvCxnSpPr/>
+          <p:cNvCxnSpPr>
+            <a:cxnSpLocks/>
+          </p:cNvCxnSpPr>
           <p:nvPr/>
         </p:nvCxnSpPr>
         <p:spPr>
@@ -7181,7 +7051,9 @@
       <p:cxnSp>
         <p:nvCxnSpPr>
           <p:cNvPr id="69" name="Straight Arrow Connector 68"/>
-          <p:cNvCxnSpPr/>
+          <p:cNvCxnSpPr>
+            <a:cxnSpLocks/>
+          </p:cNvCxnSpPr>
           <p:nvPr/>
         </p:nvCxnSpPr>
         <p:spPr>
@@ -7257,18 +7129,13 @@
           <a:p>
             <a:pPr algn="ctr"/>
             <a:r>
-              <a:rPr lang="en-US" sz="2400" i="1" dirty="0" smtClean="0">
+              <a:rPr lang="en-US" sz="2400" i="1" dirty="0">
                 <a:solidFill>
                   <a:srgbClr val="FF0000"/>
                 </a:solidFill>
               </a:rPr>
               <a:t>v</a:t>
             </a:r>
-            <a:endParaRPr lang="en-US" sz="2400" i="1" dirty="0">
-              <a:solidFill>
-                <a:srgbClr val="FF0000"/>
-              </a:solidFill>
-            </a:endParaRPr>
           </a:p>
         </p:txBody>
       </p:sp>
@@ -7281,7 +7148,7 @@
         <p:spPr>
           <a:xfrm>
             <a:off x="8506146" y="1615105"/>
-            <a:ext cx="2682692" cy="523220"/>
+            <a:ext cx="2252898" cy="523220"/>
           </a:xfrm>
           <a:prstGeom prst="rect">
             <a:avLst/>
@@ -7295,10 +7162,9 @@
           <a:lstStyle/>
           <a:p>
             <a:r>
-              <a:rPr lang="en-US" sz="2800" dirty="0" smtClean="0"/>
+              <a:rPr lang="en-US" sz="2800" dirty="0"/>
               <a:t>Straight Line</a:t>
             </a:r>
-            <a:endParaRPr lang="en-US" sz="2800" dirty="0"/>
           </a:p>
         </p:txBody>
       </p:sp>
@@ -7345,25 +7211,22 @@
           <a:p>
             <a:pPr algn="ctr"/>
             <a:r>
-              <a:rPr lang="en-US" sz="2400" i="1" dirty="0" smtClean="0">
+              <a:rPr lang="en-US" sz="2400" i="1" dirty="0">
                 <a:solidFill>
                   <a:schemeClr val="tx1"/>
                 </a:solidFill>
               </a:rPr>
               <a:t>w</a:t>
             </a:r>
-            <a:endParaRPr lang="en-US" sz="2400" i="1" dirty="0">
-              <a:solidFill>
-                <a:schemeClr val="tx1"/>
-              </a:solidFill>
-            </a:endParaRPr>
           </a:p>
         </p:txBody>
       </p:sp>
       <p:cxnSp>
         <p:nvCxnSpPr>
           <p:cNvPr id="87" name="Straight Arrow Connector 86"/>
-          <p:cNvCxnSpPr/>
+          <p:cNvCxnSpPr>
+            <a:cxnSpLocks/>
+          </p:cNvCxnSpPr>
           <p:nvPr/>
         </p:nvCxnSpPr>
         <p:spPr>
@@ -7469,18 +7332,13 @@
           <a:p>
             <a:pPr algn="ctr"/>
             <a:r>
-              <a:rPr lang="en-US" sz="2400" i="1" dirty="0" smtClean="0">
+              <a:rPr lang="en-US" sz="2400" i="1" dirty="0">
                 <a:solidFill>
                   <a:srgbClr val="FF0000"/>
                 </a:solidFill>
               </a:rPr>
               <a:t>u</a:t>
             </a:r>
-            <a:endParaRPr lang="en-US" sz="2400" i="1" dirty="0">
-              <a:solidFill>
-                <a:srgbClr val="FF0000"/>
-              </a:solidFill>
-            </a:endParaRPr>
           </a:p>
         </p:txBody>
       </p:sp>
@@ -7527,25 +7385,22 @@
           <a:p>
             <a:pPr algn="ctr"/>
             <a:r>
-              <a:rPr lang="en-US" sz="2400" i="1" dirty="0" smtClean="0">
+              <a:rPr lang="en-US" sz="2400" i="1" dirty="0">
                 <a:solidFill>
                   <a:srgbClr val="FF0000"/>
                 </a:solidFill>
               </a:rPr>
               <a:t>v</a:t>
             </a:r>
-            <a:endParaRPr lang="en-US" sz="2400" i="1" dirty="0">
-              <a:solidFill>
-                <a:srgbClr val="FF0000"/>
-              </a:solidFill>
-            </a:endParaRPr>
           </a:p>
         </p:txBody>
       </p:sp>
       <p:cxnSp>
         <p:nvCxnSpPr>
           <p:cNvPr id="94" name="Straight Arrow Connector 93"/>
-          <p:cNvCxnSpPr/>
+          <p:cNvCxnSpPr>
+            <a:cxnSpLocks/>
+          </p:cNvCxnSpPr>
           <p:nvPr/>
         </p:nvCxnSpPr>
         <p:spPr>
@@ -7581,7 +7436,9 @@
       <p:cxnSp>
         <p:nvCxnSpPr>
           <p:cNvPr id="96" name="Straight Arrow Connector 95"/>
-          <p:cNvCxnSpPr/>
+          <p:cNvCxnSpPr>
+            <a:cxnSpLocks/>
+          </p:cNvCxnSpPr>
           <p:nvPr/>
         </p:nvCxnSpPr>
         <p:spPr>
@@ -7617,7 +7474,9 @@
       <p:cxnSp>
         <p:nvCxnSpPr>
           <p:cNvPr id="98" name="Straight Arrow Connector 97"/>
-          <p:cNvCxnSpPr/>
+          <p:cNvCxnSpPr>
+            <a:cxnSpLocks/>
+          </p:cNvCxnSpPr>
           <p:nvPr/>
         </p:nvCxnSpPr>
         <p:spPr>
@@ -7659,7 +7518,7 @@
         <p:spPr>
           <a:xfrm>
             <a:off x="8506146" y="5100593"/>
-            <a:ext cx="2682692" cy="523220"/>
+            <a:ext cx="2252898" cy="523220"/>
           </a:xfrm>
           <a:prstGeom prst="rect">
             <a:avLst/>
@@ -7673,10 +7532,9 @@
           <a:lstStyle/>
           <a:p>
             <a:r>
-              <a:rPr lang="en-US" sz="2800" dirty="0" smtClean="0"/>
+              <a:rPr lang="en-US" sz="2800" dirty="0"/>
               <a:t>Straight Line</a:t>
             </a:r>
-            <a:endParaRPr lang="en-US" sz="2800" dirty="0"/>
           </a:p>
         </p:txBody>
       </p:sp>
@@ -7745,21 +7603,21 @@
           <a:lstStyle/>
           <a:p>
             <a:r>
-              <a:rPr lang="en-US" dirty="0" smtClean="0"/>
+              <a:rPr lang="en-US" dirty="0"/>
               <a:t>All of the following slides are from the AVL Trees </a:t>
             </a:r>
             <a:r>
-              <a:rPr lang="en-US" dirty="0" err="1" smtClean="0"/>
+              <a:rPr lang="en-US" dirty="0" err="1"/>
               <a:t>pptx</a:t>
             </a:r>
-            <a:endParaRPr lang="en-US" dirty="0" smtClean="0"/>
-          </a:p>
-          <a:p>
             <a:endParaRPr lang="en-US" dirty="0"/>
           </a:p>
           <a:p>
-            <a:r>
-              <a:rPr lang="en-US" dirty="0" smtClean="0"/>
+            <a:endParaRPr lang="en-US" dirty="0"/>
+          </a:p>
+          <a:p>
+            <a:r>
+              <a:rPr lang="en-US" dirty="0"/>
               <a:t>I just copied that and kept them here for now to use as templates to make creating RB-Trees more convenient</a:t>
             </a:r>
           </a:p>
@@ -7768,11 +7626,11 @@
           </a:p>
           <a:p>
             <a:r>
-              <a:rPr lang="en-US" dirty="0" smtClean="0"/>
+              <a:rPr lang="en-US" dirty="0"/>
               <a:t>Delete them when we have RB-Tree figures in this </a:t>
             </a:r>
             <a:r>
-              <a:rPr lang="en-US" dirty="0" err="1" smtClean="0"/>
+              <a:rPr lang="en-US" dirty="0" err="1"/>
               <a:t>pptx</a:t>
             </a:r>
             <a:endParaRPr lang="en-US" dirty="0"/>
@@ -7852,18 +7710,13 @@
           <a:p>
             <a:pPr algn="ctr"/>
             <a:r>
-              <a:rPr lang="en-US" sz="2400" dirty="0" smtClean="0">
+              <a:rPr lang="en-US" sz="2400" dirty="0">
                 <a:solidFill>
                   <a:schemeClr val="tx1"/>
                 </a:solidFill>
               </a:rPr>
               <a:t>8</a:t>
             </a:r>
-            <a:endParaRPr lang="en-US" sz="2400" dirty="0">
-              <a:solidFill>
-                <a:schemeClr val="tx1"/>
-              </a:solidFill>
-            </a:endParaRPr>
           </a:p>
         </p:txBody>
       </p:sp>
@@ -7910,18 +7763,13 @@
           <a:p>
             <a:pPr algn="ctr"/>
             <a:r>
-              <a:rPr lang="en-US" sz="2400" dirty="0" smtClean="0">
+              <a:rPr lang="en-US" sz="2400" dirty="0">
                 <a:solidFill>
                   <a:schemeClr val="tx1"/>
                 </a:solidFill>
               </a:rPr>
               <a:t>3</a:t>
             </a:r>
-            <a:endParaRPr lang="en-US" sz="2400" dirty="0">
-              <a:solidFill>
-                <a:schemeClr val="tx1"/>
-              </a:solidFill>
-            </a:endParaRPr>
           </a:p>
         </p:txBody>
       </p:sp>
@@ -8007,18 +7855,13 @@
           <a:p>
             <a:pPr algn="ctr"/>
             <a:r>
-              <a:rPr lang="en-US" sz="2400" dirty="0" smtClean="0">
+              <a:rPr lang="en-US" sz="2400" dirty="0">
                 <a:solidFill>
                   <a:srgbClr val="FF0000"/>
                 </a:solidFill>
               </a:rPr>
               <a:t>10</a:t>
             </a:r>
-            <a:endParaRPr lang="en-US" sz="2400" dirty="0">
-              <a:solidFill>
-                <a:srgbClr val="FF0000"/>
-              </a:solidFill>
-            </a:endParaRPr>
           </a:p>
         </p:txBody>
       </p:sp>
@@ -8104,18 +7947,13 @@
           <a:p>
             <a:pPr algn="ctr"/>
             <a:r>
-              <a:rPr lang="en-US" sz="2400" dirty="0" smtClean="0">
+              <a:rPr lang="en-US" sz="2400" dirty="0">
                 <a:solidFill>
                   <a:schemeClr val="tx1"/>
                 </a:solidFill>
               </a:rPr>
               <a:t>1</a:t>
             </a:r>
-            <a:endParaRPr lang="en-US" sz="2400" dirty="0">
-              <a:solidFill>
-                <a:schemeClr val="tx1"/>
-              </a:solidFill>
-            </a:endParaRPr>
           </a:p>
         </p:txBody>
       </p:sp>
@@ -8201,18 +8039,13 @@
           <a:p>
             <a:pPr algn="ctr"/>
             <a:r>
-              <a:rPr lang="en-US" sz="2400" dirty="0" smtClean="0">
+              <a:rPr lang="en-US" sz="2400" dirty="0">
                 <a:solidFill>
                   <a:schemeClr val="tx1"/>
                 </a:solidFill>
               </a:rPr>
               <a:t>6</a:t>
             </a:r>
-            <a:endParaRPr lang="en-US" sz="2400" dirty="0">
-              <a:solidFill>
-                <a:schemeClr val="tx1"/>
-              </a:solidFill>
-            </a:endParaRPr>
           </a:p>
         </p:txBody>
       </p:sp>
@@ -8298,18 +8131,13 @@
           <a:p>
             <a:pPr algn="ctr"/>
             <a:r>
-              <a:rPr lang="en-US" sz="2400" dirty="0" smtClean="0">
+              <a:rPr lang="en-US" sz="2400" dirty="0">
                 <a:solidFill>
                   <a:schemeClr val="tx1"/>
                 </a:solidFill>
               </a:rPr>
               <a:t>14</a:t>
             </a:r>
-            <a:endParaRPr lang="en-US" sz="2400" dirty="0">
-              <a:solidFill>
-                <a:schemeClr val="tx1"/>
-              </a:solidFill>
-            </a:endParaRPr>
           </a:p>
         </p:txBody>
       </p:sp>
@@ -8395,18 +8223,13 @@
           <a:p>
             <a:pPr algn="ctr"/>
             <a:r>
-              <a:rPr lang="en-US" sz="2400" dirty="0" smtClean="0">
+              <a:rPr lang="en-US" sz="2400" dirty="0">
                 <a:solidFill>
                   <a:schemeClr val="tx1"/>
                 </a:solidFill>
               </a:rPr>
               <a:t>13</a:t>
             </a:r>
-            <a:endParaRPr lang="en-US" sz="2400" dirty="0">
-              <a:solidFill>
-                <a:schemeClr val="tx1"/>
-              </a:solidFill>
-            </a:endParaRPr>
           </a:p>
         </p:txBody>
       </p:sp>
@@ -8492,18 +8315,13 @@
           <a:p>
             <a:pPr algn="ctr"/>
             <a:r>
-              <a:rPr lang="en-US" sz="2400" dirty="0" smtClean="0">
+              <a:rPr lang="en-US" sz="2400" dirty="0">
                 <a:solidFill>
                   <a:schemeClr val="tx1"/>
                 </a:solidFill>
               </a:rPr>
               <a:t>4</a:t>
             </a:r>
-            <a:endParaRPr lang="en-US" sz="2400" dirty="0">
-              <a:solidFill>
-                <a:schemeClr val="tx1"/>
-              </a:solidFill>
-            </a:endParaRPr>
           </a:p>
         </p:txBody>
       </p:sp>
@@ -8589,18 +8407,13 @@
           <a:p>
             <a:pPr algn="ctr"/>
             <a:r>
-              <a:rPr lang="en-US" sz="2400" dirty="0" smtClean="0">
+              <a:rPr lang="en-US" sz="2400" dirty="0">
                 <a:solidFill>
                   <a:schemeClr val="tx1"/>
                 </a:solidFill>
               </a:rPr>
               <a:t>7</a:t>
             </a:r>
-            <a:endParaRPr lang="en-US" sz="2400" dirty="0">
-              <a:solidFill>
-                <a:schemeClr val="tx1"/>
-              </a:solidFill>
-            </a:endParaRPr>
           </a:p>
         </p:txBody>
       </p:sp>
@@ -8666,18 +8479,13 @@
           <a:lstStyle/>
           <a:p>
             <a:r>
-              <a:rPr lang="en-US" dirty="0" smtClean="0">
+              <a:rPr lang="en-US" dirty="0">
                 <a:solidFill>
                   <a:srgbClr val="00B050"/>
                 </a:solidFill>
               </a:rPr>
               <a:t>0</a:t>
             </a:r>
-            <a:endParaRPr lang="en-US" dirty="0">
-              <a:solidFill>
-                <a:srgbClr val="00B050"/>
-              </a:solidFill>
-            </a:endParaRPr>
           </a:p>
         </p:txBody>
       </p:sp>
@@ -8704,18 +8512,13 @@
           <a:lstStyle/>
           <a:p>
             <a:r>
-              <a:rPr lang="en-US" dirty="0" smtClean="0">
+              <a:rPr lang="en-US" dirty="0">
                 <a:solidFill>
                   <a:srgbClr val="00B050"/>
                 </a:solidFill>
               </a:rPr>
               <a:t>0</a:t>
             </a:r>
-            <a:endParaRPr lang="en-US" dirty="0">
-              <a:solidFill>
-                <a:srgbClr val="00B050"/>
-              </a:solidFill>
-            </a:endParaRPr>
           </a:p>
         </p:txBody>
       </p:sp>
@@ -8742,18 +8545,13 @@
           <a:lstStyle/>
           <a:p>
             <a:r>
-              <a:rPr lang="en-US" dirty="0" smtClean="0">
+              <a:rPr lang="en-US" dirty="0">
                 <a:solidFill>
                   <a:srgbClr val="00B050"/>
                 </a:solidFill>
               </a:rPr>
               <a:t>0</a:t>
             </a:r>
-            <a:endParaRPr lang="en-US" dirty="0">
-              <a:solidFill>
-                <a:srgbClr val="00B050"/>
-              </a:solidFill>
-            </a:endParaRPr>
           </a:p>
         </p:txBody>
       </p:sp>
@@ -8780,18 +8578,13 @@
           <a:lstStyle/>
           <a:p>
             <a:r>
-              <a:rPr lang="en-US" dirty="0" smtClean="0">
+              <a:rPr lang="en-US" dirty="0">
                 <a:solidFill>
                   <a:srgbClr val="00B050"/>
                 </a:solidFill>
               </a:rPr>
               <a:t>-1</a:t>
             </a:r>
-            <a:endParaRPr lang="en-US" dirty="0">
-              <a:solidFill>
-                <a:srgbClr val="00B050"/>
-              </a:solidFill>
-            </a:endParaRPr>
           </a:p>
         </p:txBody>
       </p:sp>
@@ -8818,18 +8611,13 @@
           <a:lstStyle/>
           <a:p>
             <a:r>
-              <a:rPr lang="en-US" dirty="0" smtClean="0">
+              <a:rPr lang="en-US" dirty="0">
                 <a:solidFill>
                   <a:srgbClr val="00B050"/>
                 </a:solidFill>
               </a:rPr>
               <a:t>0</a:t>
             </a:r>
-            <a:endParaRPr lang="en-US" dirty="0">
-              <a:solidFill>
-                <a:srgbClr val="00B050"/>
-              </a:solidFill>
-            </a:endParaRPr>
           </a:p>
         </p:txBody>
       </p:sp>
@@ -8856,18 +8644,13 @@
           <a:lstStyle/>
           <a:p>
             <a:r>
-              <a:rPr lang="en-US" dirty="0" smtClean="0">
+              <a:rPr lang="en-US" dirty="0">
                 <a:solidFill>
                   <a:srgbClr val="00B050"/>
                 </a:solidFill>
               </a:rPr>
               <a:t>0</a:t>
             </a:r>
-            <a:endParaRPr lang="en-US" dirty="0">
-              <a:solidFill>
-                <a:srgbClr val="00B050"/>
-              </a:solidFill>
-            </a:endParaRPr>
           </a:p>
         </p:txBody>
       </p:sp>
@@ -8897,18 +8680,13 @@
           <a:lstStyle/>
           <a:p>
             <a:r>
-              <a:rPr lang="en-US" dirty="0" smtClean="0">
+              <a:rPr lang="en-US" dirty="0">
                 <a:solidFill>
                   <a:srgbClr val="FF0000"/>
                 </a:solidFill>
               </a:rPr>
               <a:t>2</a:t>
             </a:r>
-            <a:endParaRPr lang="en-US" dirty="0">
-              <a:solidFill>
-                <a:srgbClr val="FF0000"/>
-              </a:solidFill>
-            </a:endParaRPr>
           </a:p>
         </p:txBody>
       </p:sp>
@@ -8935,18 +8713,13 @@
           <a:lstStyle/>
           <a:p>
             <a:r>
-              <a:rPr lang="en-US" dirty="0" smtClean="0">
+              <a:rPr lang="en-US" dirty="0">
                 <a:solidFill>
                   <a:srgbClr val="00B050"/>
                 </a:solidFill>
               </a:rPr>
               <a:t>1</a:t>
             </a:r>
-            <a:endParaRPr lang="en-US" dirty="0">
-              <a:solidFill>
-                <a:srgbClr val="00B050"/>
-              </a:solidFill>
-            </a:endParaRPr>
           </a:p>
         </p:txBody>
       </p:sp>
@@ -8973,18 +8746,13 @@
           <a:lstStyle/>
           <a:p>
             <a:r>
-              <a:rPr lang="en-US" dirty="0" smtClean="0">
+              <a:rPr lang="en-US" dirty="0">
                 <a:solidFill>
                   <a:srgbClr val="00B050"/>
                 </a:solidFill>
               </a:rPr>
               <a:t>0</a:t>
             </a:r>
-            <a:endParaRPr lang="en-US" dirty="0">
-              <a:solidFill>
-                <a:srgbClr val="00B050"/>
-              </a:solidFill>
-            </a:endParaRPr>
           </a:p>
         </p:txBody>
       </p:sp>
@@ -9061,18 +8829,13 @@
           <a:p>
             <a:pPr algn="ctr"/>
             <a:r>
-              <a:rPr lang="en-US" sz="2400" dirty="0" smtClean="0">
+              <a:rPr lang="en-US" sz="2400" dirty="0">
                 <a:solidFill>
                   <a:schemeClr val="tx1"/>
                 </a:solidFill>
               </a:rPr>
               <a:t>42</a:t>
             </a:r>
-            <a:endParaRPr lang="en-US" sz="2400" dirty="0">
-              <a:solidFill>
-                <a:schemeClr val="tx1"/>
-              </a:solidFill>
-            </a:endParaRPr>
           </a:p>
         </p:txBody>
       </p:sp>
@@ -9099,18 +8862,13 @@
           <a:lstStyle/>
           <a:p>
             <a:r>
-              <a:rPr lang="en-US" sz="3200" b="1" dirty="0" smtClean="0">
+              <a:rPr lang="en-US" sz="3200" b="1" dirty="0">
                 <a:solidFill>
                   <a:srgbClr val="00B050"/>
                 </a:solidFill>
               </a:rPr>
               <a:t>A.</a:t>
             </a:r>
-            <a:endParaRPr lang="en-US" sz="3200" b="1" dirty="0">
-              <a:solidFill>
-                <a:srgbClr val="00B050"/>
-              </a:solidFill>
-            </a:endParaRPr>
           </a:p>
         </p:txBody>
       </p:sp>
@@ -9157,18 +8915,13 @@
           <a:p>
             <a:pPr algn="ctr"/>
             <a:r>
-              <a:rPr lang="en-US" sz="2400" dirty="0" smtClean="0">
+              <a:rPr lang="en-US" sz="2400" dirty="0">
                 <a:solidFill>
                   <a:schemeClr val="tx1"/>
                 </a:solidFill>
               </a:rPr>
               <a:t>32</a:t>
             </a:r>
-            <a:endParaRPr lang="en-US" sz="2400" dirty="0">
-              <a:solidFill>
-                <a:schemeClr val="tx1"/>
-              </a:solidFill>
-            </a:endParaRPr>
           </a:p>
         </p:txBody>
       </p:sp>
@@ -9254,18 +9007,13 @@
           <a:p>
             <a:pPr algn="ctr"/>
             <a:r>
-              <a:rPr lang="en-US" sz="2400" dirty="0" smtClean="0">
+              <a:rPr lang="en-US" sz="2400" dirty="0">
                 <a:solidFill>
                   <a:schemeClr val="tx1"/>
                 </a:solidFill>
               </a:rPr>
               <a:t>12</a:t>
             </a:r>
-            <a:endParaRPr lang="en-US" sz="2400" dirty="0">
-              <a:solidFill>
-                <a:schemeClr val="tx1"/>
-              </a:solidFill>
-            </a:endParaRPr>
           </a:p>
         </p:txBody>
       </p:sp>
@@ -9351,18 +9099,13 @@
           <a:p>
             <a:pPr algn="ctr"/>
             <a:r>
-              <a:rPr lang="en-US" sz="2400" dirty="0" smtClean="0">
+              <a:rPr lang="en-US" sz="2400" dirty="0">
                 <a:solidFill>
                   <a:schemeClr val="tx1"/>
                 </a:solidFill>
               </a:rPr>
               <a:t>42</a:t>
             </a:r>
-            <a:endParaRPr lang="en-US" sz="2400" dirty="0">
-              <a:solidFill>
-                <a:schemeClr val="tx1"/>
-              </a:solidFill>
-            </a:endParaRPr>
           </a:p>
         </p:txBody>
       </p:sp>
@@ -9389,18 +9132,13 @@
           <a:lstStyle/>
           <a:p>
             <a:r>
-              <a:rPr lang="en-US" sz="3200" b="1" dirty="0" smtClean="0">
+              <a:rPr lang="en-US" sz="3200" b="1" dirty="0">
                 <a:solidFill>
                   <a:srgbClr val="00B050"/>
                 </a:solidFill>
               </a:rPr>
               <a:t>B.</a:t>
             </a:r>
-            <a:endParaRPr lang="en-US" sz="3200" b="1" dirty="0">
-              <a:solidFill>
-                <a:srgbClr val="00B050"/>
-              </a:solidFill>
-            </a:endParaRPr>
           </a:p>
         </p:txBody>
       </p:sp>
@@ -9447,18 +9185,13 @@
           <a:p>
             <a:pPr algn="ctr"/>
             <a:r>
-              <a:rPr lang="en-US" sz="2400" dirty="0" smtClean="0">
+              <a:rPr lang="en-US" sz="2400" dirty="0">
                 <a:solidFill>
                   <a:schemeClr val="tx1"/>
                 </a:solidFill>
               </a:rPr>
               <a:t>12</a:t>
             </a:r>
-            <a:endParaRPr lang="en-US" sz="2400" dirty="0">
-              <a:solidFill>
-                <a:schemeClr val="tx1"/>
-              </a:solidFill>
-            </a:endParaRPr>
           </a:p>
         </p:txBody>
       </p:sp>
@@ -9544,18 +9277,13 @@
           <a:p>
             <a:pPr algn="ctr"/>
             <a:r>
-              <a:rPr lang="en-US" sz="2400" dirty="0" smtClean="0">
+              <a:rPr lang="en-US" sz="2400" dirty="0">
                 <a:solidFill>
                   <a:schemeClr val="tx1"/>
                 </a:solidFill>
               </a:rPr>
               <a:t>42</a:t>
             </a:r>
-            <a:endParaRPr lang="en-US" sz="2400" dirty="0">
-              <a:solidFill>
-                <a:schemeClr val="tx1"/>
-              </a:solidFill>
-            </a:endParaRPr>
           </a:p>
         </p:txBody>
       </p:sp>
@@ -9582,18 +9310,13 @@
           <a:lstStyle/>
           <a:p>
             <a:r>
-              <a:rPr lang="en-US" sz="3200" b="1" dirty="0" smtClean="0">
+              <a:rPr lang="en-US" sz="3200" b="1" dirty="0">
                 <a:solidFill>
                   <a:srgbClr val="00B050"/>
                 </a:solidFill>
               </a:rPr>
               <a:t>C.</a:t>
             </a:r>
-            <a:endParaRPr lang="en-US" sz="3200" b="1" dirty="0">
-              <a:solidFill>
-                <a:srgbClr val="00B050"/>
-              </a:solidFill>
-            </a:endParaRPr>
           </a:p>
         </p:txBody>
       </p:sp>
@@ -9640,18 +9363,13 @@
           <a:p>
             <a:pPr algn="ctr"/>
             <a:r>
-              <a:rPr lang="en-US" sz="2400" dirty="0" smtClean="0">
+              <a:rPr lang="en-US" sz="2400" dirty="0">
                 <a:solidFill>
                   <a:schemeClr val="tx1"/>
                 </a:solidFill>
               </a:rPr>
               <a:t>12</a:t>
             </a:r>
-            <a:endParaRPr lang="en-US" sz="2400" dirty="0">
-              <a:solidFill>
-                <a:schemeClr val="tx1"/>
-              </a:solidFill>
-            </a:endParaRPr>
           </a:p>
         </p:txBody>
       </p:sp>
@@ -9737,18 +9455,13 @@
           <a:p>
             <a:pPr algn="ctr"/>
             <a:r>
-              <a:rPr lang="en-US" sz="2400" dirty="0" smtClean="0">
+              <a:rPr lang="en-US" sz="2400" dirty="0">
                 <a:solidFill>
                   <a:schemeClr val="tx1"/>
                 </a:solidFill>
               </a:rPr>
               <a:t>65</a:t>
             </a:r>
-            <a:endParaRPr lang="en-US" sz="2400" dirty="0">
-              <a:solidFill>
-                <a:schemeClr val="tx1"/>
-              </a:solidFill>
-            </a:endParaRPr>
           </a:p>
         </p:txBody>
       </p:sp>
@@ -9834,18 +9547,13 @@
           <a:p>
             <a:pPr algn="ctr"/>
             <a:r>
-              <a:rPr lang="en-US" sz="2400" dirty="0" smtClean="0">
+              <a:rPr lang="en-US" sz="2400" dirty="0">
                 <a:solidFill>
                   <a:schemeClr val="tx1"/>
                 </a:solidFill>
               </a:rPr>
               <a:t>30</a:t>
             </a:r>
-            <a:endParaRPr lang="en-US" sz="2400" dirty="0">
-              <a:solidFill>
-                <a:schemeClr val="tx1"/>
-              </a:solidFill>
-            </a:endParaRPr>
           </a:p>
         </p:txBody>
       </p:sp>
@@ -9931,18 +9639,13 @@
           <a:p>
             <a:pPr algn="ctr"/>
             <a:r>
-              <a:rPr lang="en-US" sz="2400" dirty="0" smtClean="0">
+              <a:rPr lang="en-US" sz="2400" dirty="0">
                 <a:solidFill>
                   <a:schemeClr val="tx1"/>
                 </a:solidFill>
               </a:rPr>
               <a:t>50</a:t>
             </a:r>
-            <a:endParaRPr lang="en-US" sz="2400" dirty="0">
-              <a:solidFill>
-                <a:schemeClr val="tx1"/>
-              </a:solidFill>
-            </a:endParaRPr>
           </a:p>
         </p:txBody>
       </p:sp>
@@ -10028,18 +9731,13 @@
           <a:p>
             <a:pPr algn="ctr"/>
             <a:r>
-              <a:rPr lang="en-US" sz="2400" dirty="0" smtClean="0">
+              <a:rPr lang="en-US" sz="2400" dirty="0">
                 <a:solidFill>
                   <a:schemeClr val="tx1"/>
                 </a:solidFill>
               </a:rPr>
               <a:t>42</a:t>
             </a:r>
-            <a:endParaRPr lang="en-US" sz="2400" dirty="0">
-              <a:solidFill>
-                <a:schemeClr val="tx1"/>
-              </a:solidFill>
-            </a:endParaRPr>
           </a:p>
         </p:txBody>
       </p:sp>
@@ -10066,18 +9764,13 @@
           <a:lstStyle/>
           <a:p>
             <a:r>
-              <a:rPr lang="en-US" sz="3200" b="1" dirty="0" smtClean="0">
+              <a:rPr lang="en-US" sz="3200" b="1" dirty="0">
                 <a:solidFill>
                   <a:srgbClr val="00B050"/>
                 </a:solidFill>
               </a:rPr>
               <a:t>D.</a:t>
             </a:r>
-            <a:endParaRPr lang="en-US" sz="3200" b="1" dirty="0">
-              <a:solidFill>
-                <a:srgbClr val="00B050"/>
-              </a:solidFill>
-            </a:endParaRPr>
           </a:p>
         </p:txBody>
       </p:sp>
@@ -10124,18 +9817,13 @@
           <a:p>
             <a:pPr algn="ctr"/>
             <a:r>
-              <a:rPr lang="en-US" sz="2400" dirty="0" smtClean="0">
+              <a:rPr lang="en-US" sz="2400" dirty="0">
                 <a:solidFill>
                   <a:schemeClr val="tx1"/>
                 </a:solidFill>
               </a:rPr>
               <a:t>32</a:t>
             </a:r>
-            <a:endParaRPr lang="en-US" sz="2400" dirty="0">
-              <a:solidFill>
-                <a:schemeClr val="tx1"/>
-              </a:solidFill>
-            </a:endParaRPr>
           </a:p>
         </p:txBody>
       </p:sp>
@@ -10221,18 +9909,13 @@
           <a:p>
             <a:pPr algn="ctr"/>
             <a:r>
-              <a:rPr lang="en-US" sz="2400" dirty="0" smtClean="0">
+              <a:rPr lang="en-US" sz="2400" dirty="0">
                 <a:solidFill>
                   <a:schemeClr val="tx1"/>
                 </a:solidFill>
               </a:rPr>
               <a:t>65</a:t>
             </a:r>
-            <a:endParaRPr lang="en-US" sz="2400" dirty="0">
-              <a:solidFill>
-                <a:schemeClr val="tx1"/>
-              </a:solidFill>
-            </a:endParaRPr>
           </a:p>
         </p:txBody>
       </p:sp>
@@ -10318,18 +10001,13 @@
           <a:p>
             <a:pPr algn="ctr"/>
             <a:r>
-              <a:rPr lang="en-US" sz="2400" dirty="0" smtClean="0">
+              <a:rPr lang="en-US" sz="2400" dirty="0">
                 <a:solidFill>
                   <a:schemeClr val="tx1"/>
                 </a:solidFill>
               </a:rPr>
               <a:t>12</a:t>
             </a:r>
-            <a:endParaRPr lang="en-US" sz="2400" dirty="0">
-              <a:solidFill>
-                <a:schemeClr val="tx1"/>
-              </a:solidFill>
-            </a:endParaRPr>
           </a:p>
         </p:txBody>
       </p:sp>
@@ -10415,18 +10093,13 @@
           <a:p>
             <a:pPr algn="ctr"/>
             <a:r>
-              <a:rPr lang="en-US" sz="2400" dirty="0" smtClean="0">
+              <a:rPr lang="en-US" sz="2400" dirty="0">
                 <a:solidFill>
                   <a:schemeClr val="tx1"/>
                 </a:solidFill>
               </a:rPr>
               <a:t>40</a:t>
             </a:r>
-            <a:endParaRPr lang="en-US" sz="2400" dirty="0">
-              <a:solidFill>
-                <a:schemeClr val="tx1"/>
-              </a:solidFill>
-            </a:endParaRPr>
           </a:p>
         </p:txBody>
       </p:sp>
@@ -10542,18 +10215,13 @@
           <a:p>
             <a:pPr algn="ctr"/>
             <a:r>
-              <a:rPr lang="en-US" sz="2400" dirty="0" smtClean="0">
+              <a:rPr lang="en-US" sz="2400" dirty="0">
                 <a:solidFill>
                   <a:schemeClr val="tx1"/>
                 </a:solidFill>
               </a:rPr>
               <a:t>C</a:t>
             </a:r>
-            <a:endParaRPr lang="en-US" sz="2400" dirty="0">
-              <a:solidFill>
-                <a:schemeClr val="tx1"/>
-              </a:solidFill>
-            </a:endParaRPr>
           </a:p>
         </p:txBody>
       </p:sp>
@@ -10600,18 +10268,13 @@
           <a:p>
             <a:pPr algn="ctr"/>
             <a:r>
-              <a:rPr lang="en-US" sz="2400" dirty="0" smtClean="0">
+              <a:rPr lang="en-US" sz="2400" dirty="0">
                 <a:solidFill>
                   <a:schemeClr val="tx1"/>
                 </a:solidFill>
               </a:rPr>
               <a:t>B</a:t>
             </a:r>
-            <a:endParaRPr lang="en-US" sz="2400" dirty="0">
-              <a:solidFill>
-                <a:schemeClr val="tx1"/>
-              </a:solidFill>
-            </a:endParaRPr>
           </a:p>
         </p:txBody>
       </p:sp>
@@ -10677,18 +10340,13 @@
           <a:lstStyle/>
           <a:p>
             <a:r>
-              <a:rPr lang="en-US" dirty="0" smtClean="0">
+              <a:rPr lang="en-US" dirty="0">
                 <a:solidFill>
                   <a:srgbClr val="00B050"/>
                 </a:solidFill>
               </a:rPr>
               <a:t>-1</a:t>
             </a:r>
-            <a:endParaRPr lang="en-US" dirty="0">
-              <a:solidFill>
-                <a:srgbClr val="00B050"/>
-              </a:solidFill>
-            </a:endParaRPr>
           </a:p>
         </p:txBody>
       </p:sp>
@@ -10715,18 +10373,13 @@
           <a:lstStyle/>
           <a:p>
             <a:r>
-              <a:rPr lang="en-US" dirty="0" smtClean="0">
+              <a:rPr lang="en-US" dirty="0">
                 <a:solidFill>
                   <a:srgbClr val="00B050"/>
                 </a:solidFill>
               </a:rPr>
               <a:t>0</a:t>
             </a:r>
-            <a:endParaRPr lang="en-US" dirty="0">
-              <a:solidFill>
-                <a:srgbClr val="00B050"/>
-              </a:solidFill>
-            </a:endParaRPr>
           </a:p>
         </p:txBody>
       </p:sp>
@@ -10855,18 +10508,13 @@
           <a:p>
             <a:pPr algn="ctr"/>
             <a:r>
-              <a:rPr lang="en-US" sz="2400" dirty="0" smtClean="0">
+              <a:rPr lang="en-US" sz="2400" dirty="0">
                 <a:solidFill>
                   <a:srgbClr val="FF0000"/>
                 </a:solidFill>
               </a:rPr>
               <a:t>C</a:t>
             </a:r>
-            <a:endParaRPr lang="en-US" sz="2400" dirty="0">
-              <a:solidFill>
-                <a:srgbClr val="FF0000"/>
-              </a:solidFill>
-            </a:endParaRPr>
           </a:p>
         </p:txBody>
       </p:sp>
@@ -10913,18 +10561,13 @@
           <a:p>
             <a:pPr algn="ctr"/>
             <a:r>
-              <a:rPr lang="en-US" sz="2400" dirty="0" smtClean="0">
+              <a:rPr lang="en-US" sz="2400" dirty="0">
                 <a:solidFill>
                   <a:schemeClr val="tx1"/>
                 </a:solidFill>
               </a:rPr>
               <a:t>B</a:t>
             </a:r>
-            <a:endParaRPr lang="en-US" sz="2400" dirty="0">
-              <a:solidFill>
-                <a:schemeClr val="tx1"/>
-              </a:solidFill>
-            </a:endParaRPr>
           </a:p>
         </p:txBody>
       </p:sp>
@@ -10990,18 +10633,13 @@
           <a:lstStyle/>
           <a:p>
             <a:r>
-              <a:rPr lang="en-US" dirty="0" smtClean="0">
+              <a:rPr lang="en-US" dirty="0">
                 <a:solidFill>
                   <a:srgbClr val="FF0000"/>
                 </a:solidFill>
               </a:rPr>
               <a:t>-2</a:t>
             </a:r>
-            <a:endParaRPr lang="en-US" dirty="0">
-              <a:solidFill>
-                <a:srgbClr val="FF0000"/>
-              </a:solidFill>
-            </a:endParaRPr>
           </a:p>
         </p:txBody>
       </p:sp>
@@ -11028,18 +10666,13 @@
           <a:lstStyle/>
           <a:p>
             <a:r>
-              <a:rPr lang="en-US" dirty="0" smtClean="0">
+              <a:rPr lang="en-US" dirty="0">
                 <a:solidFill>
                   <a:srgbClr val="00B050"/>
                 </a:solidFill>
               </a:rPr>
               <a:t>-1</a:t>
             </a:r>
-            <a:endParaRPr lang="en-US" dirty="0">
-              <a:solidFill>
-                <a:srgbClr val="00B050"/>
-              </a:solidFill>
-            </a:endParaRPr>
           </a:p>
         </p:txBody>
       </p:sp>
@@ -11086,18 +10719,13 @@
           <a:p>
             <a:pPr algn="ctr"/>
             <a:r>
-              <a:rPr lang="en-US" sz="2400" dirty="0" smtClean="0">
+              <a:rPr lang="en-US" sz="2400" dirty="0">
                 <a:solidFill>
                   <a:srgbClr val="0070C0"/>
                 </a:solidFill>
               </a:rPr>
               <a:t>A</a:t>
             </a:r>
-            <a:endParaRPr lang="en-US" sz="2400" dirty="0">
-              <a:solidFill>
-                <a:srgbClr val="0070C0"/>
-              </a:solidFill>
-            </a:endParaRPr>
           </a:p>
         </p:txBody>
       </p:sp>
@@ -11163,18 +10791,13 @@
           <a:lstStyle/>
           <a:p>
             <a:r>
-              <a:rPr lang="en-US" dirty="0" smtClean="0">
+              <a:rPr lang="en-US" dirty="0">
                 <a:solidFill>
                   <a:srgbClr val="00B050"/>
                 </a:solidFill>
               </a:rPr>
               <a:t>0</a:t>
             </a:r>
-            <a:endParaRPr lang="en-US" dirty="0">
-              <a:solidFill>
-                <a:srgbClr val="00B050"/>
-              </a:solidFill>
-            </a:endParaRPr>
           </a:p>
         </p:txBody>
       </p:sp>
@@ -11257,18 +10880,13 @@
           <a:p>
             <a:pPr algn="ctr"/>
             <a:r>
-              <a:rPr lang="en-US" sz="2400" dirty="0" smtClean="0">
+              <a:rPr lang="en-US" sz="2400" dirty="0">
                 <a:solidFill>
                   <a:schemeClr val="tx1"/>
                 </a:solidFill>
               </a:rPr>
               <a:t>B</a:t>
             </a:r>
-            <a:endParaRPr lang="en-US" sz="2400" dirty="0">
-              <a:solidFill>
-                <a:schemeClr val="tx1"/>
-              </a:solidFill>
-            </a:endParaRPr>
           </a:p>
         </p:txBody>
       </p:sp>
@@ -11315,18 +10933,13 @@
           <a:p>
             <a:pPr algn="ctr"/>
             <a:r>
-              <a:rPr lang="en-US" sz="2400" dirty="0" smtClean="0">
+              <a:rPr lang="en-US" sz="2400" dirty="0">
                 <a:solidFill>
                   <a:schemeClr val="tx1"/>
                 </a:solidFill>
               </a:rPr>
               <a:t>A</a:t>
             </a:r>
-            <a:endParaRPr lang="en-US" sz="2400" dirty="0">
-              <a:solidFill>
-                <a:schemeClr val="tx1"/>
-              </a:solidFill>
-            </a:endParaRPr>
           </a:p>
         </p:txBody>
       </p:sp>
@@ -11389,18 +11002,13 @@
           <a:lstStyle/>
           <a:p>
             <a:r>
-              <a:rPr lang="en-US" dirty="0" smtClean="0">
+              <a:rPr lang="en-US" dirty="0">
                 <a:solidFill>
                   <a:srgbClr val="00B050"/>
                 </a:solidFill>
               </a:rPr>
               <a:t>0</a:t>
             </a:r>
-            <a:endParaRPr lang="en-US" dirty="0">
-              <a:solidFill>
-                <a:srgbClr val="00B050"/>
-              </a:solidFill>
-            </a:endParaRPr>
           </a:p>
         </p:txBody>
       </p:sp>
@@ -11427,18 +11035,13 @@
           <a:lstStyle/>
           <a:p>
             <a:r>
-              <a:rPr lang="en-US" dirty="0" smtClean="0">
+              <a:rPr lang="en-US" dirty="0">
                 <a:solidFill>
                   <a:srgbClr val="00B050"/>
                 </a:solidFill>
               </a:rPr>
               <a:t>0</a:t>
             </a:r>
-            <a:endParaRPr lang="en-US" dirty="0">
-              <a:solidFill>
-                <a:srgbClr val="00B050"/>
-              </a:solidFill>
-            </a:endParaRPr>
           </a:p>
         </p:txBody>
       </p:sp>
@@ -11485,18 +11088,13 @@
           <a:p>
             <a:pPr algn="ctr"/>
             <a:r>
-              <a:rPr lang="en-US" sz="2400" dirty="0" smtClean="0">
+              <a:rPr lang="en-US" sz="2400" dirty="0">
                 <a:solidFill>
                   <a:schemeClr val="tx1"/>
                 </a:solidFill>
               </a:rPr>
               <a:t>C</a:t>
             </a:r>
-            <a:endParaRPr lang="en-US" sz="2400" dirty="0">
-              <a:solidFill>
-                <a:schemeClr val="tx1"/>
-              </a:solidFill>
-            </a:endParaRPr>
           </a:p>
         </p:txBody>
       </p:sp>
@@ -11562,18 +11160,13 @@
           <a:lstStyle/>
           <a:p>
             <a:r>
-              <a:rPr lang="en-US" dirty="0" smtClean="0">
+              <a:rPr lang="en-US" dirty="0">
                 <a:solidFill>
                   <a:srgbClr val="00B050"/>
                 </a:solidFill>
               </a:rPr>
               <a:t>0</a:t>
             </a:r>
-            <a:endParaRPr lang="en-US" dirty="0">
-              <a:solidFill>
-                <a:srgbClr val="00B050"/>
-              </a:solidFill>
-            </a:endParaRPr>
           </a:p>
         </p:txBody>
       </p:sp>
@@ -11650,18 +11243,13 @@
           <a:p>
             <a:pPr algn="ctr"/>
             <a:r>
-              <a:rPr lang="en-US" sz="2400" dirty="0" smtClean="0">
+              <a:rPr lang="en-US" sz="2400" dirty="0">
                 <a:solidFill>
                   <a:schemeClr val="tx1"/>
                 </a:solidFill>
               </a:rPr>
               <a:t>C</a:t>
             </a:r>
-            <a:endParaRPr lang="en-US" sz="2400" dirty="0">
-              <a:solidFill>
-                <a:schemeClr val="tx1"/>
-              </a:solidFill>
-            </a:endParaRPr>
           </a:p>
         </p:txBody>
       </p:sp>
@@ -11708,18 +11296,13 @@
           <a:p>
             <a:pPr algn="ctr"/>
             <a:r>
-              <a:rPr lang="en-US" sz="2400" dirty="0" smtClean="0">
+              <a:rPr lang="en-US" sz="2400" dirty="0">
                 <a:solidFill>
                   <a:schemeClr val="tx1"/>
                 </a:solidFill>
               </a:rPr>
               <a:t>B</a:t>
             </a:r>
-            <a:endParaRPr lang="en-US" sz="2400" dirty="0">
-              <a:solidFill>
-                <a:schemeClr val="tx1"/>
-              </a:solidFill>
-            </a:endParaRPr>
           </a:p>
         </p:txBody>
       </p:sp>
@@ -11785,18 +11368,13 @@
           <a:lstStyle/>
           <a:p>
             <a:r>
-              <a:rPr lang="en-US" dirty="0" smtClean="0">
+              <a:rPr lang="en-US" dirty="0">
                 <a:solidFill>
                   <a:srgbClr val="00B050"/>
                 </a:solidFill>
               </a:rPr>
               <a:t>-1</a:t>
             </a:r>
-            <a:endParaRPr lang="en-US" dirty="0">
-              <a:solidFill>
-                <a:srgbClr val="00B050"/>
-              </a:solidFill>
-            </a:endParaRPr>
           </a:p>
         </p:txBody>
       </p:sp>
@@ -11823,18 +11401,13 @@
           <a:lstStyle/>
           <a:p>
             <a:r>
-              <a:rPr lang="en-US" dirty="0" smtClean="0">
+              <a:rPr lang="en-US" dirty="0">
                 <a:solidFill>
                   <a:srgbClr val="00B050"/>
                 </a:solidFill>
               </a:rPr>
               <a:t>-1</a:t>
             </a:r>
-            <a:endParaRPr lang="en-US" dirty="0">
-              <a:solidFill>
-                <a:srgbClr val="00B050"/>
-              </a:solidFill>
-            </a:endParaRPr>
           </a:p>
         </p:txBody>
       </p:sp>
@@ -11963,18 +11536,13 @@
           <a:p>
             <a:pPr algn="ctr"/>
             <a:r>
-              <a:rPr lang="en-US" sz="2400" dirty="0" smtClean="0">
+              <a:rPr lang="en-US" sz="2400" dirty="0">
                 <a:solidFill>
                   <a:srgbClr val="FF0000"/>
                 </a:solidFill>
               </a:rPr>
               <a:t>C</a:t>
             </a:r>
-            <a:endParaRPr lang="en-US" sz="2400" dirty="0">
-              <a:solidFill>
-                <a:srgbClr val="FF0000"/>
-              </a:solidFill>
-            </a:endParaRPr>
           </a:p>
         </p:txBody>
       </p:sp>
@@ -12021,18 +11589,13 @@
           <a:p>
             <a:pPr algn="ctr"/>
             <a:r>
-              <a:rPr lang="en-US" sz="2400" dirty="0" smtClean="0">
+              <a:rPr lang="en-US" sz="2400" dirty="0">
                 <a:solidFill>
                   <a:schemeClr val="tx1"/>
                 </a:solidFill>
               </a:rPr>
               <a:t>B</a:t>
             </a:r>
-            <a:endParaRPr lang="en-US" sz="2400" dirty="0">
-              <a:solidFill>
-                <a:schemeClr val="tx1"/>
-              </a:solidFill>
-            </a:endParaRPr>
           </a:p>
         </p:txBody>
       </p:sp>
@@ -12098,18 +11661,13 @@
           <a:lstStyle/>
           <a:p>
             <a:r>
-              <a:rPr lang="en-US" dirty="0" smtClean="0">
+              <a:rPr lang="en-US" dirty="0">
                 <a:solidFill>
                   <a:srgbClr val="FF0000"/>
                 </a:solidFill>
               </a:rPr>
               <a:t>-2</a:t>
             </a:r>
-            <a:endParaRPr lang="en-US" dirty="0">
-              <a:solidFill>
-                <a:srgbClr val="FF0000"/>
-              </a:solidFill>
-            </a:endParaRPr>
           </a:p>
         </p:txBody>
       </p:sp>
@@ -12136,18 +11694,13 @@
           <a:lstStyle/>
           <a:p>
             <a:r>
-              <a:rPr lang="en-US" dirty="0" smtClean="0">
+              <a:rPr lang="en-US" dirty="0">
                 <a:solidFill>
                   <a:srgbClr val="00B050"/>
                 </a:solidFill>
               </a:rPr>
               <a:t>-1</a:t>
             </a:r>
-            <a:endParaRPr lang="en-US" dirty="0">
-              <a:solidFill>
-                <a:srgbClr val="00B050"/>
-              </a:solidFill>
-            </a:endParaRPr>
           </a:p>
         </p:txBody>
       </p:sp>
@@ -12194,18 +11747,13 @@
           <a:p>
             <a:pPr algn="ctr"/>
             <a:r>
-              <a:rPr lang="en-US" sz="2400" dirty="0" smtClean="0">
+              <a:rPr lang="en-US" sz="2400" dirty="0">
                 <a:solidFill>
                   <a:srgbClr val="0070C0"/>
                 </a:solidFill>
               </a:rPr>
               <a:t>A</a:t>
             </a:r>
-            <a:endParaRPr lang="en-US" sz="2400" dirty="0">
-              <a:solidFill>
-                <a:srgbClr val="0070C0"/>
-              </a:solidFill>
-            </a:endParaRPr>
           </a:p>
         </p:txBody>
       </p:sp>
@@ -12271,18 +11819,13 @@
           <a:lstStyle/>
           <a:p>
             <a:r>
-              <a:rPr lang="en-US" dirty="0" smtClean="0">
+              <a:rPr lang="en-US" dirty="0">
                 <a:solidFill>
                   <a:srgbClr val="00B050"/>
                 </a:solidFill>
               </a:rPr>
               <a:t>0</a:t>
             </a:r>
-            <a:endParaRPr lang="en-US" dirty="0">
-              <a:solidFill>
-                <a:srgbClr val="00B050"/>
-              </a:solidFill>
-            </a:endParaRPr>
           </a:p>
         </p:txBody>
       </p:sp>
@@ -12365,18 +11908,13 @@
           <a:p>
             <a:pPr algn="ctr"/>
             <a:r>
-              <a:rPr lang="en-US" sz="2400" dirty="0" smtClean="0">
+              <a:rPr lang="en-US" sz="2400" dirty="0">
                 <a:solidFill>
                   <a:schemeClr val="tx1"/>
                 </a:solidFill>
               </a:rPr>
               <a:t>B</a:t>
             </a:r>
-            <a:endParaRPr lang="en-US" sz="2400" dirty="0">
-              <a:solidFill>
-                <a:schemeClr val="tx1"/>
-              </a:solidFill>
-            </a:endParaRPr>
           </a:p>
         </p:txBody>
       </p:sp>
@@ -12423,18 +11961,13 @@
           <a:p>
             <a:pPr algn="ctr"/>
             <a:r>
-              <a:rPr lang="en-US" sz="2400" dirty="0" smtClean="0">
+              <a:rPr lang="en-US" sz="2400" dirty="0">
                 <a:solidFill>
                   <a:schemeClr val="tx1"/>
                 </a:solidFill>
               </a:rPr>
               <a:t>A</a:t>
             </a:r>
-            <a:endParaRPr lang="en-US" sz="2400" dirty="0">
-              <a:solidFill>
-                <a:schemeClr val="tx1"/>
-              </a:solidFill>
-            </a:endParaRPr>
           </a:p>
         </p:txBody>
       </p:sp>
@@ -12497,18 +12030,13 @@
           <a:lstStyle/>
           <a:p>
             <a:r>
-              <a:rPr lang="en-US" dirty="0" smtClean="0">
+              <a:rPr lang="en-US" dirty="0">
                 <a:solidFill>
                   <a:srgbClr val="00B050"/>
                 </a:solidFill>
               </a:rPr>
               <a:t>0</a:t>
             </a:r>
-            <a:endParaRPr lang="en-US" dirty="0">
-              <a:solidFill>
-                <a:srgbClr val="00B050"/>
-              </a:solidFill>
-            </a:endParaRPr>
           </a:p>
         </p:txBody>
       </p:sp>
@@ -12535,18 +12063,13 @@
           <a:lstStyle/>
           <a:p>
             <a:r>
-              <a:rPr lang="en-US" dirty="0" smtClean="0">
+              <a:rPr lang="en-US" dirty="0">
                 <a:solidFill>
                   <a:srgbClr val="00B050"/>
                 </a:solidFill>
               </a:rPr>
               <a:t>0</a:t>
             </a:r>
-            <a:endParaRPr lang="en-US" dirty="0">
-              <a:solidFill>
-                <a:srgbClr val="00B050"/>
-              </a:solidFill>
-            </a:endParaRPr>
           </a:p>
         </p:txBody>
       </p:sp>
@@ -12593,18 +12116,13 @@
           <a:p>
             <a:pPr algn="ctr"/>
             <a:r>
-              <a:rPr lang="en-US" sz="2400" dirty="0" smtClean="0">
+              <a:rPr lang="en-US" sz="2400" dirty="0">
                 <a:solidFill>
                   <a:schemeClr val="tx1"/>
                 </a:solidFill>
               </a:rPr>
               <a:t>C</a:t>
             </a:r>
-            <a:endParaRPr lang="en-US" sz="2400" dirty="0">
-              <a:solidFill>
-                <a:schemeClr val="tx1"/>
-              </a:solidFill>
-            </a:endParaRPr>
           </a:p>
         </p:txBody>
       </p:sp>
@@ -12670,18 +12188,13 @@
           <a:lstStyle/>
           <a:p>
             <a:r>
-              <a:rPr lang="en-US" dirty="0" smtClean="0">
+              <a:rPr lang="en-US" dirty="0">
                 <a:solidFill>
                   <a:srgbClr val="00B050"/>
                 </a:solidFill>
               </a:rPr>
               <a:t>0</a:t>
             </a:r>
-            <a:endParaRPr lang="en-US" dirty="0">
-              <a:solidFill>
-                <a:srgbClr val="00B050"/>
-              </a:solidFill>
-            </a:endParaRPr>
           </a:p>
         </p:txBody>
       </p:sp>
@@ -12728,18 +12241,13 @@
           <a:p>
             <a:pPr algn="ctr"/>
             <a:r>
-              <a:rPr lang="en-US" sz="2400" dirty="0" smtClean="0">
+              <a:rPr lang="en-US" sz="2400" dirty="0">
                 <a:solidFill>
                   <a:schemeClr val="tx1"/>
                 </a:solidFill>
               </a:rPr>
               <a:t>D</a:t>
             </a:r>
-            <a:endParaRPr lang="en-US" sz="2400" dirty="0">
-              <a:solidFill>
-                <a:schemeClr val="tx1"/>
-              </a:solidFill>
-            </a:endParaRPr>
           </a:p>
         </p:txBody>
       </p:sp>
@@ -12804,18 +12312,13 @@
           <a:lstStyle/>
           <a:p>
             <a:r>
-              <a:rPr lang="en-US" dirty="0" smtClean="0">
+              <a:rPr lang="en-US" dirty="0">
                 <a:solidFill>
                   <a:srgbClr val="00B050"/>
                 </a:solidFill>
               </a:rPr>
               <a:t>0</a:t>
             </a:r>
-            <a:endParaRPr lang="en-US" dirty="0">
-              <a:solidFill>
-                <a:srgbClr val="00B050"/>
-              </a:solidFill>
-            </a:endParaRPr>
           </a:p>
         </p:txBody>
       </p:sp>
@@ -12862,18 +12365,13 @@
           <a:p>
             <a:pPr algn="ctr"/>
             <a:r>
-              <a:rPr lang="en-US" sz="2400" dirty="0" smtClean="0">
+              <a:rPr lang="en-US" sz="2400" dirty="0">
                 <a:solidFill>
                   <a:schemeClr val="tx1"/>
                 </a:solidFill>
               </a:rPr>
               <a:t>A</a:t>
             </a:r>
-            <a:endParaRPr lang="en-US" sz="2400" dirty="0">
-              <a:solidFill>
-                <a:schemeClr val="tx1"/>
-              </a:solidFill>
-            </a:endParaRPr>
           </a:p>
         </p:txBody>
       </p:sp>
@@ -12938,18 +12436,13 @@
           <a:lstStyle/>
           <a:p>
             <a:r>
-              <a:rPr lang="en-US" dirty="0" smtClean="0">
+              <a:rPr lang="en-US" dirty="0">
                 <a:solidFill>
                   <a:srgbClr val="00B050"/>
                 </a:solidFill>
               </a:rPr>
               <a:t>0</a:t>
             </a:r>
-            <a:endParaRPr lang="en-US" dirty="0">
-              <a:solidFill>
-                <a:srgbClr val="00B050"/>
-              </a:solidFill>
-            </a:endParaRPr>
           </a:p>
         </p:txBody>
       </p:sp>
@@ -13026,18 +12519,13 @@
           <a:p>
             <a:pPr algn="ctr"/>
             <a:r>
-              <a:rPr lang="en-US" sz="2400" dirty="0" smtClean="0">
+              <a:rPr lang="en-US" sz="2400" dirty="0">
                 <a:solidFill>
                   <a:schemeClr val="tx1"/>
                 </a:solidFill>
               </a:rPr>
               <a:t>3</a:t>
             </a:r>
-            <a:endParaRPr lang="en-US" sz="2400" dirty="0">
-              <a:solidFill>
-                <a:schemeClr val="tx1"/>
-              </a:solidFill>
-            </a:endParaRPr>
           </a:p>
         </p:txBody>
       </p:sp>
@@ -13084,18 +12572,13 @@
           <a:p>
             <a:pPr algn="ctr"/>
             <a:r>
-              <a:rPr lang="en-US" sz="2400" dirty="0" smtClean="0">
+              <a:rPr lang="en-US" sz="2400" dirty="0">
                 <a:solidFill>
                   <a:schemeClr val="tx1"/>
                 </a:solidFill>
               </a:rPr>
               <a:t>1</a:t>
             </a:r>
-            <a:endParaRPr lang="en-US" sz="2400" dirty="0">
-              <a:solidFill>
-                <a:schemeClr val="tx1"/>
-              </a:solidFill>
-            </a:endParaRPr>
           </a:p>
         </p:txBody>
       </p:sp>
@@ -13211,18 +12694,13 @@
           <a:p>
             <a:pPr algn="ctr"/>
             <a:r>
-              <a:rPr lang="en-US" sz="2400" dirty="0" smtClean="0">
+              <a:rPr lang="en-US" sz="2400" dirty="0">
                 <a:solidFill>
                   <a:schemeClr val="tx1"/>
                 </a:solidFill>
               </a:rPr>
               <a:t>3</a:t>
             </a:r>
-            <a:endParaRPr lang="en-US" sz="2400" dirty="0">
-              <a:solidFill>
-                <a:schemeClr val="tx1"/>
-              </a:solidFill>
-            </a:endParaRPr>
           </a:p>
         </p:txBody>
       </p:sp>
@@ -13269,18 +12747,13 @@
           <a:p>
             <a:pPr algn="ctr"/>
             <a:r>
-              <a:rPr lang="en-US" sz="2400" dirty="0" smtClean="0">
+              <a:rPr lang="en-US" sz="2400" dirty="0">
                 <a:solidFill>
                   <a:schemeClr val="tx1"/>
                 </a:solidFill>
               </a:rPr>
               <a:t>1</a:t>
             </a:r>
-            <a:endParaRPr lang="en-US" sz="2400" dirty="0">
-              <a:solidFill>
-                <a:schemeClr val="tx1"/>
-              </a:solidFill>
-            </a:endParaRPr>
           </a:p>
         </p:txBody>
       </p:sp>
@@ -13366,18 +12839,13 @@
           <a:p>
             <a:pPr algn="ctr"/>
             <a:r>
-              <a:rPr lang="en-US" sz="2400" dirty="0" smtClean="0">
+              <a:rPr lang="en-US" sz="2400" dirty="0">
                 <a:solidFill>
                   <a:schemeClr val="tx1"/>
                 </a:solidFill>
               </a:rPr>
               <a:t>2</a:t>
             </a:r>
-            <a:endParaRPr lang="en-US" sz="2400" dirty="0">
-              <a:solidFill>
-                <a:schemeClr val="tx1"/>
-              </a:solidFill>
-            </a:endParaRPr>
           </a:p>
         </p:txBody>
       </p:sp>
@@ -13443,18 +12911,13 @@
           <a:lstStyle/>
           <a:p>
             <a:r>
-              <a:rPr lang="en-US" dirty="0" smtClean="0">
+              <a:rPr lang="en-US" dirty="0">
                 <a:solidFill>
                   <a:srgbClr val="00B050"/>
                 </a:solidFill>
               </a:rPr>
               <a:t>0</a:t>
             </a:r>
-            <a:endParaRPr lang="en-US" dirty="0">
-              <a:solidFill>
-                <a:srgbClr val="00B050"/>
-              </a:solidFill>
-            </a:endParaRPr>
           </a:p>
         </p:txBody>
       </p:sp>
@@ -13481,18 +12944,13 @@
           <a:lstStyle/>
           <a:p>
             <a:r>
-              <a:rPr lang="en-US" dirty="0" smtClean="0">
+              <a:rPr lang="en-US" dirty="0">
                 <a:solidFill>
                   <a:srgbClr val="00B050"/>
                 </a:solidFill>
               </a:rPr>
               <a:t>1</a:t>
             </a:r>
-            <a:endParaRPr lang="en-US" dirty="0">
-              <a:solidFill>
-                <a:srgbClr val="00B050"/>
-              </a:solidFill>
-            </a:endParaRPr>
           </a:p>
         </p:txBody>
       </p:sp>
@@ -13519,18 +12977,13 @@
           <a:lstStyle/>
           <a:p>
             <a:r>
-              <a:rPr lang="en-US" dirty="0" smtClean="0">
+              <a:rPr lang="en-US" dirty="0">
                 <a:solidFill>
                   <a:srgbClr val="FF0000"/>
                 </a:solidFill>
               </a:rPr>
               <a:t>-2</a:t>
             </a:r>
-            <a:endParaRPr lang="en-US" dirty="0">
-              <a:solidFill>
-                <a:srgbClr val="FF0000"/>
-              </a:solidFill>
-            </a:endParaRPr>
           </a:p>
         </p:txBody>
       </p:sp>
@@ -13614,18 +13067,13 @@
           <a:p>
             <a:pPr algn="ctr"/>
             <a:r>
-              <a:rPr lang="en-US" sz="2400" dirty="0" smtClean="0">
+              <a:rPr lang="en-US" sz="2400" dirty="0">
                 <a:solidFill>
                   <a:schemeClr val="tx1"/>
                 </a:solidFill>
               </a:rPr>
               <a:t>1</a:t>
             </a:r>
-            <a:endParaRPr lang="en-US" sz="2400" dirty="0">
-              <a:solidFill>
-                <a:schemeClr val="tx1"/>
-              </a:solidFill>
-            </a:endParaRPr>
           </a:p>
         </p:txBody>
       </p:sp>
@@ -13672,18 +13120,13 @@
           <a:p>
             <a:pPr algn="ctr"/>
             <a:r>
-              <a:rPr lang="en-US" sz="2400" dirty="0" smtClean="0">
+              <a:rPr lang="en-US" sz="2400" dirty="0">
                 <a:solidFill>
                   <a:schemeClr val="tx1"/>
                 </a:solidFill>
               </a:rPr>
               <a:t>3</a:t>
             </a:r>
-            <a:endParaRPr lang="en-US" sz="2400" dirty="0">
-              <a:solidFill>
-                <a:schemeClr val="tx1"/>
-              </a:solidFill>
-            </a:endParaRPr>
           </a:p>
         </p:txBody>
       </p:sp>
@@ -13769,18 +13212,13 @@
           <a:p>
             <a:pPr algn="ctr"/>
             <a:r>
-              <a:rPr lang="en-US" sz="2400" dirty="0" smtClean="0">
+              <a:rPr lang="en-US" sz="2400" dirty="0">
                 <a:solidFill>
                   <a:schemeClr val="tx1"/>
                 </a:solidFill>
               </a:rPr>
               <a:t>2</a:t>
             </a:r>
-            <a:endParaRPr lang="en-US" sz="2400" dirty="0">
-              <a:solidFill>
-                <a:schemeClr val="tx1"/>
-              </a:solidFill>
-            </a:endParaRPr>
           </a:p>
         </p:txBody>
       </p:sp>
@@ -13846,18 +13284,13 @@
           <a:lstStyle/>
           <a:p>
             <a:r>
-              <a:rPr lang="en-US" dirty="0" smtClean="0">
+              <a:rPr lang="en-US" dirty="0">
                 <a:solidFill>
                   <a:srgbClr val="00B050"/>
                 </a:solidFill>
               </a:rPr>
               <a:t>0</a:t>
             </a:r>
-            <a:endParaRPr lang="en-US" dirty="0">
-              <a:solidFill>
-                <a:srgbClr val="00B050"/>
-              </a:solidFill>
-            </a:endParaRPr>
           </a:p>
         </p:txBody>
       </p:sp>
@@ -13884,18 +13317,13 @@
           <a:lstStyle/>
           <a:p>
             <a:r>
-              <a:rPr lang="en-US" dirty="0" smtClean="0">
+              <a:rPr lang="en-US" dirty="0">
                 <a:solidFill>
                   <a:srgbClr val="00B050"/>
                 </a:solidFill>
               </a:rPr>
               <a:t>-1</a:t>
             </a:r>
-            <a:endParaRPr lang="en-US" dirty="0">
-              <a:solidFill>
-                <a:srgbClr val="00B050"/>
-              </a:solidFill>
-            </a:endParaRPr>
           </a:p>
         </p:txBody>
       </p:sp>
@@ -13922,18 +13350,13 @@
           <a:lstStyle/>
           <a:p>
             <a:r>
-              <a:rPr lang="en-US" dirty="0" smtClean="0">
+              <a:rPr lang="en-US" dirty="0">
                 <a:solidFill>
                   <a:srgbClr val="FF0000"/>
                 </a:solidFill>
               </a:rPr>
               <a:t>2</a:t>
             </a:r>
-            <a:endParaRPr lang="en-US" dirty="0">
-              <a:solidFill>
-                <a:srgbClr val="FF0000"/>
-              </a:solidFill>
-            </a:endParaRPr>
           </a:p>
         </p:txBody>
       </p:sp>
@@ -14010,18 +13433,13 @@
           <a:p>
             <a:pPr algn="ctr"/>
             <a:r>
-              <a:rPr lang="en-US" sz="2400" dirty="0" smtClean="0">
+              <a:rPr lang="en-US" sz="2400" dirty="0">
                 <a:solidFill>
                   <a:schemeClr val="tx1"/>
                 </a:solidFill>
               </a:rPr>
               <a:t>30</a:t>
             </a:r>
-            <a:endParaRPr lang="en-US" sz="2400" dirty="0">
-              <a:solidFill>
-                <a:schemeClr val="tx1"/>
-              </a:solidFill>
-            </a:endParaRPr>
           </a:p>
         </p:txBody>
       </p:sp>
@@ -14068,18 +13486,13 @@
           <a:p>
             <a:pPr algn="ctr"/>
             <a:r>
-              <a:rPr lang="en-US" sz="2400" dirty="0" smtClean="0">
+              <a:rPr lang="en-US" sz="2400" dirty="0">
                 <a:solidFill>
                   <a:schemeClr val="tx1"/>
                 </a:solidFill>
               </a:rPr>
               <a:t>15</a:t>
             </a:r>
-            <a:endParaRPr lang="en-US" sz="2400" dirty="0">
-              <a:solidFill>
-                <a:schemeClr val="tx1"/>
-              </a:solidFill>
-            </a:endParaRPr>
           </a:p>
         </p:txBody>
       </p:sp>
@@ -14204,18 +13617,13 @@
           <a:p>
             <a:pPr algn="ctr"/>
             <a:r>
-              <a:rPr lang="en-US" sz="2400" dirty="0" smtClean="0">
+              <a:rPr lang="en-US" sz="2400" dirty="0">
                 <a:solidFill>
                   <a:schemeClr val="tx1"/>
                 </a:solidFill>
               </a:rPr>
               <a:t>10</a:t>
             </a:r>
-            <a:endParaRPr lang="en-US" sz="2400" dirty="0">
-              <a:solidFill>
-                <a:schemeClr val="tx1"/>
-              </a:solidFill>
-            </a:endParaRPr>
           </a:p>
         </p:txBody>
       </p:sp>
@@ -14301,18 +13709,13 @@
           <a:p>
             <a:pPr algn="ctr"/>
             <a:r>
-              <a:rPr lang="en-US" sz="2400" dirty="0" smtClean="0">
+              <a:rPr lang="en-US" sz="2400" dirty="0">
                 <a:solidFill>
                   <a:schemeClr val="tx1"/>
                 </a:solidFill>
               </a:rPr>
               <a:t>20</a:t>
             </a:r>
-            <a:endParaRPr lang="en-US" sz="2400" dirty="0">
-              <a:solidFill>
-                <a:schemeClr val="tx1"/>
-              </a:solidFill>
-            </a:endParaRPr>
           </a:p>
         </p:txBody>
       </p:sp>
@@ -14398,18 +13801,13 @@
           <a:p>
             <a:pPr algn="ctr"/>
             <a:r>
-              <a:rPr lang="en-US" sz="2400" dirty="0" smtClean="0">
+              <a:rPr lang="en-US" sz="2400" dirty="0">
                 <a:solidFill>
                   <a:schemeClr val="tx1"/>
                 </a:solidFill>
               </a:rPr>
               <a:t>70</a:t>
             </a:r>
-            <a:endParaRPr lang="en-US" sz="2400" dirty="0">
-              <a:solidFill>
-                <a:schemeClr val="tx1"/>
-              </a:solidFill>
-            </a:endParaRPr>
           </a:p>
         </p:txBody>
       </p:sp>
@@ -14456,18 +13854,13 @@
           <a:p>
             <a:pPr algn="ctr"/>
             <a:r>
-              <a:rPr lang="en-US" sz="2400" dirty="0" smtClean="0">
+              <a:rPr lang="en-US" sz="2400" dirty="0">
                 <a:solidFill>
                   <a:srgbClr val="FF0000"/>
                 </a:solidFill>
               </a:rPr>
               <a:t>60</a:t>
             </a:r>
-            <a:endParaRPr lang="en-US" sz="2400" dirty="0">
-              <a:solidFill>
-                <a:srgbClr val="FF0000"/>
-              </a:solidFill>
-            </a:endParaRPr>
           </a:p>
         </p:txBody>
       </p:sp>
@@ -14553,18 +13946,13 @@
           <a:p>
             <a:pPr algn="ctr"/>
             <a:r>
-              <a:rPr lang="en-US" sz="2400" dirty="0" smtClean="0">
+              <a:rPr lang="en-US" sz="2400" dirty="0">
                 <a:solidFill>
                   <a:schemeClr val="tx1"/>
                 </a:solidFill>
               </a:rPr>
               <a:t>85</a:t>
             </a:r>
-            <a:endParaRPr lang="en-US" sz="2400" dirty="0">
-              <a:solidFill>
-                <a:schemeClr val="tx1"/>
-              </a:solidFill>
-            </a:endParaRPr>
           </a:p>
         </p:txBody>
       </p:sp>
@@ -14650,18 +14038,13 @@
           <a:p>
             <a:pPr algn="ctr"/>
             <a:r>
-              <a:rPr lang="en-US" sz="2400" dirty="0" smtClean="0">
+              <a:rPr lang="en-US" sz="2400" dirty="0">
                 <a:solidFill>
                   <a:schemeClr val="tx1"/>
                 </a:solidFill>
               </a:rPr>
               <a:t>65</a:t>
             </a:r>
-            <a:endParaRPr lang="en-US" sz="2400" dirty="0">
-              <a:solidFill>
-                <a:schemeClr val="tx1"/>
-              </a:solidFill>
-            </a:endParaRPr>
           </a:p>
         </p:txBody>
       </p:sp>
@@ -14747,18 +14130,13 @@
           <a:p>
             <a:pPr algn="ctr"/>
             <a:r>
-              <a:rPr lang="en-US" sz="2400" dirty="0" smtClean="0">
+              <a:rPr lang="en-US" sz="2400" dirty="0">
                 <a:solidFill>
                   <a:schemeClr val="tx1"/>
                 </a:solidFill>
               </a:rPr>
               <a:t>50</a:t>
             </a:r>
-            <a:endParaRPr lang="en-US" sz="2400" dirty="0">
-              <a:solidFill>
-                <a:schemeClr val="tx1"/>
-              </a:solidFill>
-            </a:endParaRPr>
           </a:p>
         </p:txBody>
       </p:sp>
@@ -14844,18 +14222,13 @@
           <a:p>
             <a:pPr algn="ctr"/>
             <a:r>
-              <a:rPr lang="en-US" sz="2400" dirty="0" smtClean="0">
+              <a:rPr lang="en-US" sz="2400" dirty="0">
                 <a:solidFill>
                   <a:srgbClr val="FF0000"/>
                 </a:solidFill>
               </a:rPr>
               <a:t>90</a:t>
             </a:r>
-            <a:endParaRPr lang="en-US" sz="2400" dirty="0">
-              <a:solidFill>
-                <a:srgbClr val="FF0000"/>
-              </a:solidFill>
-            </a:endParaRPr>
           </a:p>
         </p:txBody>
       </p:sp>
@@ -14941,18 +14314,13 @@
           <a:p>
             <a:pPr algn="ctr"/>
             <a:r>
-              <a:rPr lang="en-US" sz="2400" dirty="0" smtClean="0">
+              <a:rPr lang="en-US" sz="2400" dirty="0">
                 <a:solidFill>
                   <a:srgbClr val="FF0000"/>
                 </a:solidFill>
               </a:rPr>
               <a:t>80</a:t>
             </a:r>
-            <a:endParaRPr lang="en-US" sz="2400" dirty="0">
-              <a:solidFill>
-                <a:srgbClr val="FF0000"/>
-              </a:solidFill>
-            </a:endParaRPr>
           </a:p>
         </p:txBody>
       </p:sp>
@@ -15038,18 +14406,13 @@
           <a:p>
             <a:pPr algn="ctr"/>
             <a:r>
-              <a:rPr lang="en-US" sz="2400" dirty="0" smtClean="0">
+              <a:rPr lang="en-US" sz="2400" dirty="0">
                 <a:solidFill>
                   <a:srgbClr val="FF0000"/>
                 </a:solidFill>
               </a:rPr>
               <a:t>55</a:t>
             </a:r>
-            <a:endParaRPr lang="en-US" sz="2400" dirty="0">
-              <a:solidFill>
-                <a:srgbClr val="FF0000"/>
-              </a:solidFill>
-            </a:endParaRPr>
           </a:p>
         </p:txBody>
       </p:sp>
@@ -15135,18 +14498,13 @@
           <a:p>
             <a:pPr algn="ctr"/>
             <a:r>
-              <a:rPr lang="en-US" sz="2400" dirty="0" smtClean="0">
+              <a:rPr lang="en-US" sz="2400" dirty="0">
                 <a:solidFill>
                   <a:srgbClr val="FF0000"/>
                 </a:solidFill>
               </a:rPr>
               <a:t>40</a:t>
             </a:r>
-            <a:endParaRPr lang="en-US" sz="2400" dirty="0">
-              <a:solidFill>
-                <a:srgbClr val="FF0000"/>
-              </a:solidFill>
-            </a:endParaRPr>
           </a:p>
         </p:txBody>
       </p:sp>
@@ -15232,18 +14590,13 @@
           <a:p>
             <a:pPr algn="ctr"/>
             <a:r>
-              <a:rPr lang="en-US" sz="2400" dirty="0" smtClean="0">
+              <a:rPr lang="en-US" sz="2400" dirty="0">
                 <a:solidFill>
                   <a:srgbClr val="FF0000"/>
                 </a:solidFill>
               </a:rPr>
               <a:t>5</a:t>
             </a:r>
-            <a:endParaRPr lang="en-US" sz="2400" dirty="0">
-              <a:solidFill>
-                <a:srgbClr val="FF0000"/>
-              </a:solidFill>
-            </a:endParaRPr>
           </a:p>
         </p:txBody>
       </p:sp>
@@ -15359,18 +14712,13 @@
           <a:p>
             <a:pPr algn="ctr"/>
             <a:r>
-              <a:rPr lang="en-US" sz="2400" dirty="0" smtClean="0">
+              <a:rPr lang="en-US" sz="2400" dirty="0">
                 <a:solidFill>
                   <a:schemeClr val="tx1"/>
                 </a:solidFill>
               </a:rPr>
               <a:t>3</a:t>
             </a:r>
-            <a:endParaRPr lang="en-US" sz="2400" dirty="0">
-              <a:solidFill>
-                <a:schemeClr val="tx1"/>
-              </a:solidFill>
-            </a:endParaRPr>
           </a:p>
         </p:txBody>
       </p:sp>
@@ -15417,18 +14765,13 @@
           <a:p>
             <a:pPr algn="ctr"/>
             <a:r>
-              <a:rPr lang="en-US" sz="2400" dirty="0" smtClean="0">
+              <a:rPr lang="en-US" sz="2400" dirty="0">
                 <a:solidFill>
                   <a:schemeClr val="tx1"/>
                 </a:solidFill>
               </a:rPr>
               <a:t>1</a:t>
             </a:r>
-            <a:endParaRPr lang="en-US" sz="2400" dirty="0">
-              <a:solidFill>
-                <a:schemeClr val="tx1"/>
-              </a:solidFill>
-            </a:endParaRPr>
           </a:p>
         </p:txBody>
       </p:sp>
@@ -15514,18 +14857,13 @@
           <a:p>
             <a:pPr algn="ctr"/>
             <a:r>
-              <a:rPr lang="en-US" sz="2400" dirty="0" smtClean="0">
+              <a:rPr lang="en-US" sz="2400" dirty="0">
                 <a:solidFill>
                   <a:schemeClr val="tx1"/>
                 </a:solidFill>
               </a:rPr>
               <a:t>2</a:t>
             </a:r>
-            <a:endParaRPr lang="en-US" sz="2400" dirty="0">
-              <a:solidFill>
-                <a:schemeClr val="tx1"/>
-              </a:solidFill>
-            </a:endParaRPr>
           </a:p>
         </p:txBody>
       </p:sp>
@@ -15591,18 +14929,13 @@
           <a:lstStyle/>
           <a:p>
             <a:r>
-              <a:rPr lang="en-US" dirty="0" smtClean="0">
+              <a:rPr lang="en-US" dirty="0">
                 <a:solidFill>
                   <a:srgbClr val="00B050"/>
                 </a:solidFill>
               </a:rPr>
               <a:t>0</a:t>
             </a:r>
-            <a:endParaRPr lang="en-US" dirty="0">
-              <a:solidFill>
-                <a:srgbClr val="00B050"/>
-              </a:solidFill>
-            </a:endParaRPr>
           </a:p>
         </p:txBody>
       </p:sp>
@@ -15629,18 +14962,13 @@
           <a:lstStyle/>
           <a:p>
             <a:r>
-              <a:rPr lang="en-US" dirty="0" smtClean="0">
+              <a:rPr lang="en-US" dirty="0">
                 <a:solidFill>
                   <a:srgbClr val="00B050"/>
                 </a:solidFill>
               </a:rPr>
               <a:t>1</a:t>
             </a:r>
-            <a:endParaRPr lang="en-US" dirty="0">
-              <a:solidFill>
-                <a:srgbClr val="00B050"/>
-              </a:solidFill>
-            </a:endParaRPr>
           </a:p>
         </p:txBody>
       </p:sp>
@@ -15667,18 +14995,13 @@
           <a:lstStyle/>
           <a:p>
             <a:r>
-              <a:rPr lang="en-US" dirty="0" smtClean="0">
+              <a:rPr lang="en-US" dirty="0">
                 <a:solidFill>
                   <a:srgbClr val="FF0000"/>
                 </a:solidFill>
               </a:rPr>
               <a:t>-2</a:t>
             </a:r>
-            <a:endParaRPr lang="en-US" dirty="0">
-              <a:solidFill>
-                <a:srgbClr val="FF0000"/>
-              </a:solidFill>
-            </a:endParaRPr>
           </a:p>
         </p:txBody>
       </p:sp>
@@ -15761,18 +15084,13 @@
           <a:p>
             <a:pPr algn="ctr"/>
             <a:r>
-              <a:rPr lang="en-US" sz="2400" dirty="0" smtClean="0">
+              <a:rPr lang="en-US" sz="2400" dirty="0">
                 <a:solidFill>
                   <a:schemeClr val="tx1"/>
                 </a:solidFill>
               </a:rPr>
               <a:t>3</a:t>
             </a:r>
-            <a:endParaRPr lang="en-US" sz="2400" dirty="0">
-              <a:solidFill>
-                <a:schemeClr val="tx1"/>
-              </a:solidFill>
-            </a:endParaRPr>
           </a:p>
         </p:txBody>
       </p:sp>
@@ -15819,18 +15137,13 @@
           <a:p>
             <a:pPr algn="ctr"/>
             <a:r>
-              <a:rPr lang="en-US" sz="2400" dirty="0" smtClean="0">
+              <a:rPr lang="en-US" sz="2400" dirty="0">
                 <a:solidFill>
                   <a:schemeClr val="tx1"/>
                 </a:solidFill>
               </a:rPr>
               <a:t>1</a:t>
             </a:r>
-            <a:endParaRPr lang="en-US" sz="2400" dirty="0">
-              <a:solidFill>
-                <a:schemeClr val="tx1"/>
-              </a:solidFill>
-            </a:endParaRPr>
           </a:p>
         </p:txBody>
       </p:sp>
@@ -15998,18 +15311,13 @@
           <a:p>
             <a:pPr algn="ctr"/>
             <a:r>
-              <a:rPr lang="en-US" sz="2400" dirty="0" smtClean="0">
+              <a:rPr lang="en-US" sz="2400" dirty="0">
                 <a:solidFill>
                   <a:schemeClr val="tx1"/>
                 </a:solidFill>
               </a:rPr>
               <a:t>3</a:t>
             </a:r>
-            <a:endParaRPr lang="en-US" sz="2400" dirty="0">
-              <a:solidFill>
-                <a:schemeClr val="tx1"/>
-              </a:solidFill>
-            </a:endParaRPr>
           </a:p>
         </p:txBody>
       </p:sp>
@@ -16056,18 +15364,13 @@
           <a:p>
             <a:pPr algn="ctr"/>
             <a:r>
-              <a:rPr lang="en-US" sz="2400" dirty="0" smtClean="0">
+              <a:rPr lang="en-US" sz="2400" dirty="0">
                 <a:solidFill>
                   <a:schemeClr val="tx1"/>
                 </a:solidFill>
               </a:rPr>
               <a:t>2</a:t>
             </a:r>
-            <a:endParaRPr lang="en-US" sz="2400" dirty="0">
-              <a:solidFill>
-                <a:schemeClr val="tx1"/>
-              </a:solidFill>
-            </a:endParaRPr>
           </a:p>
         </p:txBody>
       </p:sp>
@@ -16150,18 +15453,13 @@
           <a:p>
             <a:pPr algn="ctr"/>
             <a:r>
-              <a:rPr lang="en-US" sz="2400" dirty="0" smtClean="0">
+              <a:rPr lang="en-US" sz="2400" dirty="0">
                 <a:solidFill>
                   <a:schemeClr val="tx1"/>
                 </a:solidFill>
               </a:rPr>
               <a:t>1</a:t>
             </a:r>
-            <a:endParaRPr lang="en-US" sz="2400" dirty="0">
-              <a:solidFill>
-                <a:schemeClr val="tx1"/>
-              </a:solidFill>
-            </a:endParaRPr>
           </a:p>
         </p:txBody>
       </p:sp>
@@ -16227,12 +15525,45 @@
           <a:lstStyle/>
           <a:p>
             <a:r>
-              <a:rPr lang="en-US" dirty="0" smtClean="0">
+              <a:rPr lang="en-US" dirty="0">
                 <a:solidFill>
                   <a:srgbClr val="00B050"/>
                 </a:solidFill>
               </a:rPr>
               <a:t>0</a:t>
+            </a:r>
+          </a:p>
+        </p:txBody>
+      </p:sp>
+      <p:sp>
+        <p:nvSpPr>
+          <p:cNvPr id="35" name="TextBox 34"/>
+          <p:cNvSpPr txBox="1"/>
+          <p:nvPr/>
+        </p:nvSpPr>
+        <p:spPr>
+          <a:xfrm>
+            <a:off x="6352041" y="3585876"/>
+            <a:ext cx="372218" cy="369332"/>
+          </a:xfrm>
+          <a:prstGeom prst="rect">
+            <a:avLst/>
+          </a:prstGeom>
+          <a:noFill/>
+        </p:spPr>
+        <p:txBody>
+          <a:bodyPr wrap="none" rtlCol="0">
+            <a:spAutoFit/>
+          </a:bodyPr>
+          <a:lstStyle/>
+          <a:p>
+            <a:r>
+              <a:rPr lang="en-US">
+                <a:solidFill>
+                  <a:srgbClr val="00B050"/>
+                </a:solidFill>
+              </a:rPr>
+              <a:t>-1</a:t>
             </a:r>
             <a:endParaRPr lang="en-US" dirty="0">
               <a:solidFill>
@@ -16244,13 +15575,13 @@
       </p:sp>
       <p:sp>
         <p:nvSpPr>
-          <p:cNvPr id="35" name="TextBox 34"/>
+          <p:cNvPr id="36" name="TextBox 35"/>
           <p:cNvSpPr txBox="1"/>
           <p:nvPr/>
         </p:nvSpPr>
         <p:spPr>
           <a:xfrm>
-            <a:off x="6352041" y="3585876"/>
+            <a:off x="7094598" y="2565014"/>
             <a:ext cx="372218" cy="369332"/>
           </a:xfrm>
           <a:prstGeom prst="rect">
@@ -16265,56 +15596,13 @@
           <a:lstStyle/>
           <a:p>
             <a:r>
-              <a:rPr lang="en-US" smtClean="0">
-                <a:solidFill>
-                  <a:srgbClr val="00B050"/>
-                </a:solidFill>
-              </a:rPr>
-              <a:t>-1</a:t>
-            </a:r>
-            <a:endParaRPr lang="en-US" dirty="0">
-              <a:solidFill>
-                <a:srgbClr val="00B050"/>
-              </a:solidFill>
-            </a:endParaRPr>
-          </a:p>
-        </p:txBody>
-      </p:sp>
-      <p:sp>
-        <p:nvSpPr>
-          <p:cNvPr id="36" name="TextBox 35"/>
-          <p:cNvSpPr txBox="1"/>
-          <p:nvPr/>
-        </p:nvSpPr>
-        <p:spPr>
-          <a:xfrm>
-            <a:off x="7094598" y="2565014"/>
-            <a:ext cx="372218" cy="369332"/>
-          </a:xfrm>
-          <a:prstGeom prst="rect">
-            <a:avLst/>
-          </a:prstGeom>
-          <a:noFill/>
-        </p:spPr>
-        <p:txBody>
-          <a:bodyPr wrap="none" rtlCol="0">
-            <a:spAutoFit/>
-          </a:bodyPr>
-          <a:lstStyle/>
-          <a:p>
-            <a:r>
-              <a:rPr lang="en-US" dirty="0" smtClean="0">
+              <a:rPr lang="en-US" dirty="0">
                 <a:solidFill>
                   <a:srgbClr val="FF0000"/>
                 </a:solidFill>
               </a:rPr>
               <a:t>-2</a:t>
             </a:r>
-            <a:endParaRPr lang="en-US" dirty="0">
-              <a:solidFill>
-                <a:srgbClr val="FF0000"/>
-              </a:solidFill>
-            </a:endParaRPr>
           </a:p>
         </p:txBody>
       </p:sp>
@@ -16423,18 +15711,13 @@
           <a:lstStyle/>
           <a:p>
             <a:r>
-              <a:rPr lang="en-US" dirty="0" smtClean="0">
+              <a:rPr lang="en-US" dirty="0">
                 <a:solidFill>
                   <a:srgbClr val="00B050"/>
                 </a:solidFill>
               </a:rPr>
               <a:t>0</a:t>
             </a:r>
-            <a:endParaRPr lang="en-US" dirty="0">
-              <a:solidFill>
-                <a:srgbClr val="00B050"/>
-              </a:solidFill>
-            </a:endParaRPr>
           </a:p>
         </p:txBody>
       </p:sp>
@@ -16461,18 +15744,13 @@
           <a:lstStyle/>
           <a:p>
             <a:r>
-              <a:rPr lang="en-US" dirty="0" smtClean="0">
+              <a:rPr lang="en-US" dirty="0">
                 <a:solidFill>
                   <a:srgbClr val="00B050"/>
                 </a:solidFill>
               </a:rPr>
               <a:t>-1</a:t>
             </a:r>
-            <a:endParaRPr lang="en-US" dirty="0">
-              <a:solidFill>
-                <a:srgbClr val="00B050"/>
-              </a:solidFill>
-            </a:endParaRPr>
           </a:p>
         </p:txBody>
       </p:sp>
@@ -16519,18 +15797,13 @@
           <a:p>
             <a:pPr algn="ctr"/>
             <a:r>
-              <a:rPr lang="en-US" sz="2400" dirty="0" smtClean="0">
+              <a:rPr lang="en-US" sz="2400" dirty="0">
                 <a:solidFill>
                   <a:schemeClr val="tx1"/>
                 </a:solidFill>
               </a:rPr>
               <a:t>2</a:t>
             </a:r>
-            <a:endParaRPr lang="en-US" sz="2400" dirty="0">
-              <a:solidFill>
-                <a:schemeClr val="tx1"/>
-              </a:solidFill>
-            </a:endParaRPr>
           </a:p>
         </p:txBody>
       </p:sp>
@@ -16577,18 +15850,13 @@
           <a:p>
             <a:pPr algn="ctr"/>
             <a:r>
-              <a:rPr lang="en-US" sz="2400" dirty="0" smtClean="0">
+              <a:rPr lang="en-US" sz="2400" dirty="0">
                 <a:solidFill>
                   <a:schemeClr val="tx1"/>
                 </a:solidFill>
               </a:rPr>
               <a:t>1</a:t>
             </a:r>
-            <a:endParaRPr lang="en-US" sz="2400" dirty="0">
-              <a:solidFill>
-                <a:schemeClr val="tx1"/>
-              </a:solidFill>
-            </a:endParaRPr>
           </a:p>
         </p:txBody>
       </p:sp>
@@ -16651,18 +15919,13 @@
           <a:lstStyle/>
           <a:p>
             <a:r>
-              <a:rPr lang="en-US" dirty="0" smtClean="0">
+              <a:rPr lang="en-US" dirty="0">
                 <a:solidFill>
                   <a:srgbClr val="00B050"/>
                 </a:solidFill>
               </a:rPr>
               <a:t>0</a:t>
             </a:r>
-            <a:endParaRPr lang="en-US" dirty="0">
-              <a:solidFill>
-                <a:srgbClr val="00B050"/>
-              </a:solidFill>
-            </a:endParaRPr>
           </a:p>
         </p:txBody>
       </p:sp>
@@ -16689,18 +15952,13 @@
           <a:lstStyle/>
           <a:p>
             <a:r>
-              <a:rPr lang="en-US" dirty="0" smtClean="0">
+              <a:rPr lang="en-US" dirty="0">
                 <a:solidFill>
                   <a:srgbClr val="00B050"/>
                 </a:solidFill>
               </a:rPr>
               <a:t>0</a:t>
             </a:r>
-            <a:endParaRPr lang="en-US" dirty="0">
-              <a:solidFill>
-                <a:srgbClr val="00B050"/>
-              </a:solidFill>
-            </a:endParaRPr>
           </a:p>
         </p:txBody>
       </p:sp>
@@ -16747,18 +16005,13 @@
           <a:p>
             <a:pPr algn="ctr"/>
             <a:r>
-              <a:rPr lang="en-US" sz="2400" dirty="0" smtClean="0">
+              <a:rPr lang="en-US" sz="2400" dirty="0">
                 <a:solidFill>
                   <a:schemeClr val="tx1"/>
                 </a:solidFill>
               </a:rPr>
               <a:t>3</a:t>
             </a:r>
-            <a:endParaRPr lang="en-US" sz="2400" dirty="0">
-              <a:solidFill>
-                <a:schemeClr val="tx1"/>
-              </a:solidFill>
-            </a:endParaRPr>
           </a:p>
         </p:txBody>
       </p:sp>
@@ -16821,18 +16074,13 @@
           <a:lstStyle/>
           <a:p>
             <a:r>
-              <a:rPr lang="en-US" dirty="0" smtClean="0">
+              <a:rPr lang="en-US" dirty="0">
                 <a:solidFill>
                   <a:srgbClr val="00B050"/>
                 </a:solidFill>
               </a:rPr>
               <a:t>0</a:t>
             </a:r>
-            <a:endParaRPr lang="en-US" dirty="0">
-              <a:solidFill>
-                <a:srgbClr val="00B050"/>
-              </a:solidFill>
-            </a:endParaRPr>
           </a:p>
         </p:txBody>
       </p:sp>
@@ -16909,18 +16157,13 @@
           <a:p>
             <a:pPr algn="ctr"/>
             <a:r>
-              <a:rPr lang="en-US" sz="2400" dirty="0" smtClean="0">
+              <a:rPr lang="en-US" sz="2400" dirty="0">
                 <a:solidFill>
                   <a:schemeClr val="tx1"/>
                 </a:solidFill>
               </a:rPr>
               <a:t>5</a:t>
             </a:r>
-            <a:endParaRPr lang="en-US" sz="2400" dirty="0">
-              <a:solidFill>
-                <a:schemeClr val="tx1"/>
-              </a:solidFill>
-            </a:endParaRPr>
           </a:p>
         </p:txBody>
       </p:sp>
@@ -16967,18 +16210,13 @@
           <a:p>
             <a:pPr algn="ctr"/>
             <a:r>
-              <a:rPr lang="en-US" sz="2400" dirty="0" smtClean="0">
+              <a:rPr lang="en-US" sz="2400" dirty="0">
                 <a:solidFill>
                   <a:schemeClr val="tx1"/>
                 </a:solidFill>
               </a:rPr>
               <a:t>1</a:t>
             </a:r>
-            <a:endParaRPr lang="en-US" sz="2400" dirty="0">
-              <a:solidFill>
-                <a:schemeClr val="tx1"/>
-              </a:solidFill>
-            </a:endParaRPr>
           </a:p>
         </p:txBody>
       </p:sp>
@@ -17103,18 +16341,13 @@
           <a:p>
             <a:pPr algn="ctr"/>
             <a:r>
-              <a:rPr lang="en-US" sz="2400" dirty="0" smtClean="0">
+              <a:rPr lang="en-US" sz="2400" dirty="0">
                 <a:solidFill>
                   <a:schemeClr val="tx1"/>
                 </a:solidFill>
               </a:rPr>
               <a:t>10</a:t>
             </a:r>
-            <a:endParaRPr lang="en-US" sz="2400" dirty="0">
-              <a:solidFill>
-                <a:schemeClr val="tx1"/>
-              </a:solidFill>
-            </a:endParaRPr>
           </a:p>
         </p:txBody>
       </p:sp>
@@ -17161,18 +16394,13 @@
           <a:p>
             <a:pPr algn="ctr"/>
             <a:r>
-              <a:rPr lang="en-US" sz="2400" dirty="0" smtClean="0">
+              <a:rPr lang="en-US" sz="2400" dirty="0">
                 <a:solidFill>
                   <a:schemeClr val="tx1"/>
                 </a:solidFill>
               </a:rPr>
               <a:t>7</a:t>
             </a:r>
-            <a:endParaRPr lang="en-US" sz="2400" dirty="0">
-              <a:solidFill>
-                <a:schemeClr val="tx1"/>
-              </a:solidFill>
-            </a:endParaRPr>
           </a:p>
         </p:txBody>
       </p:sp>
@@ -17258,18 +16486,13 @@
           <a:p>
             <a:pPr algn="ctr"/>
             <a:r>
-              <a:rPr lang="en-US" sz="2400" dirty="0" smtClean="0">
+              <a:rPr lang="en-US" sz="2400" dirty="0">
                 <a:solidFill>
                   <a:schemeClr val="tx1"/>
                 </a:solidFill>
               </a:rPr>
               <a:t>15</a:t>
             </a:r>
-            <a:endParaRPr lang="en-US" sz="2400" dirty="0">
-              <a:solidFill>
-                <a:schemeClr val="tx1"/>
-              </a:solidFill>
-            </a:endParaRPr>
           </a:p>
         </p:txBody>
       </p:sp>
@@ -17335,7 +16558,73 @@
           <a:lstStyle/>
           <a:p>
             <a:r>
-              <a:rPr lang="en-US" dirty="0" smtClean="0">
+              <a:rPr lang="en-US" dirty="0">
+                <a:solidFill>
+                  <a:srgbClr val="00B050"/>
+                </a:solidFill>
+              </a:rPr>
+              <a:t>0</a:t>
+            </a:r>
+          </a:p>
+        </p:txBody>
+      </p:sp>
+      <p:sp>
+        <p:nvSpPr>
+          <p:cNvPr id="29" name="TextBox 28"/>
+          <p:cNvSpPr txBox="1"/>
+          <p:nvPr/>
+        </p:nvSpPr>
+        <p:spPr>
+          <a:xfrm>
+            <a:off x="5804638" y="2177386"/>
+            <a:ext cx="301686" cy="369332"/>
+          </a:xfrm>
+          <a:prstGeom prst="rect">
+            <a:avLst/>
+          </a:prstGeom>
+          <a:noFill/>
+        </p:spPr>
+        <p:txBody>
+          <a:bodyPr wrap="none" rtlCol="0">
+            <a:spAutoFit/>
+          </a:bodyPr>
+          <a:lstStyle/>
+          <a:p>
+            <a:r>
+              <a:rPr lang="en-US" dirty="0">
+                <a:solidFill>
+                  <a:srgbClr val="00B050"/>
+                </a:solidFill>
+              </a:rPr>
+              <a:t>1</a:t>
+            </a:r>
+          </a:p>
+        </p:txBody>
+      </p:sp>
+      <p:sp>
+        <p:nvSpPr>
+          <p:cNvPr id="31" name="TextBox 30"/>
+          <p:cNvSpPr txBox="1"/>
+          <p:nvPr/>
+        </p:nvSpPr>
+        <p:spPr>
+          <a:xfrm>
+            <a:off x="7174467" y="4352598"/>
+            <a:ext cx="301686" cy="369332"/>
+          </a:xfrm>
+          <a:prstGeom prst="rect">
+            <a:avLst/>
+          </a:prstGeom>
+          <a:noFill/>
+        </p:spPr>
+        <p:txBody>
+          <a:bodyPr wrap="none" rtlCol="0">
+            <a:spAutoFit/>
+          </a:bodyPr>
+          <a:lstStyle/>
+          <a:p>
+            <a:r>
+              <a:rPr lang="en-US">
                 <a:solidFill>
                   <a:srgbClr val="00B050"/>
                 </a:solidFill>
@@ -17352,13 +16641,13 @@
       </p:sp>
       <p:sp>
         <p:nvSpPr>
-          <p:cNvPr id="29" name="TextBox 28"/>
+          <p:cNvPr id="32" name="TextBox 31"/>
           <p:cNvSpPr txBox="1"/>
           <p:nvPr/>
         </p:nvSpPr>
         <p:spPr>
           <a:xfrm>
-            <a:off x="5804638" y="2177386"/>
+            <a:off x="4008261" y="3211239"/>
             <a:ext cx="301686" cy="369332"/>
           </a:xfrm>
           <a:prstGeom prst="rect">
@@ -17373,30 +16662,25 @@
           <a:lstStyle/>
           <a:p>
             <a:r>
-              <a:rPr lang="en-US" dirty="0" smtClean="0">
+              <a:rPr lang="en-US" dirty="0">
                 <a:solidFill>
                   <a:srgbClr val="00B050"/>
                 </a:solidFill>
               </a:rPr>
-              <a:t>1</a:t>
-            </a:r>
-            <a:endParaRPr lang="en-US" dirty="0">
-              <a:solidFill>
-                <a:srgbClr val="00B050"/>
-              </a:solidFill>
-            </a:endParaRPr>
-          </a:p>
-        </p:txBody>
-      </p:sp>
-      <p:sp>
-        <p:nvSpPr>
-          <p:cNvPr id="31" name="TextBox 30"/>
+              <a:t>0</a:t>
+            </a:r>
+          </a:p>
+        </p:txBody>
+      </p:sp>
+      <p:sp>
+        <p:nvSpPr>
+          <p:cNvPr id="33" name="TextBox 32"/>
           <p:cNvSpPr txBox="1"/>
           <p:nvPr/>
         </p:nvSpPr>
         <p:spPr>
           <a:xfrm>
-            <a:off x="7174467" y="4352598"/>
+            <a:off x="7770599" y="3230204"/>
             <a:ext cx="301686" cy="369332"/>
           </a:xfrm>
           <a:prstGeom prst="rect">
@@ -17411,83 +16695,7 @@
           <a:lstStyle/>
           <a:p>
             <a:r>
-              <a:rPr lang="en-US" smtClean="0">
-                <a:solidFill>
-                  <a:srgbClr val="00B050"/>
-                </a:solidFill>
-              </a:rPr>
-              <a:t>0</a:t>
-            </a:r>
-            <a:endParaRPr lang="en-US" dirty="0">
-              <a:solidFill>
-                <a:srgbClr val="00B050"/>
-              </a:solidFill>
-            </a:endParaRPr>
-          </a:p>
-        </p:txBody>
-      </p:sp>
-      <p:sp>
-        <p:nvSpPr>
-          <p:cNvPr id="32" name="TextBox 31"/>
-          <p:cNvSpPr txBox="1"/>
-          <p:nvPr/>
-        </p:nvSpPr>
-        <p:spPr>
-          <a:xfrm>
-            <a:off x="4008261" y="3211239"/>
-            <a:ext cx="301686" cy="369332"/>
-          </a:xfrm>
-          <a:prstGeom prst="rect">
-            <a:avLst/>
-          </a:prstGeom>
-          <a:noFill/>
-        </p:spPr>
-        <p:txBody>
-          <a:bodyPr wrap="none" rtlCol="0">
-            <a:spAutoFit/>
-          </a:bodyPr>
-          <a:lstStyle/>
-          <a:p>
-            <a:r>
-              <a:rPr lang="en-US" dirty="0" smtClean="0">
-                <a:solidFill>
-                  <a:srgbClr val="00B050"/>
-                </a:solidFill>
-              </a:rPr>
-              <a:t>0</a:t>
-            </a:r>
-            <a:endParaRPr lang="en-US" dirty="0">
-              <a:solidFill>
-                <a:srgbClr val="00B050"/>
-              </a:solidFill>
-            </a:endParaRPr>
-          </a:p>
-        </p:txBody>
-      </p:sp>
-      <p:sp>
-        <p:nvSpPr>
-          <p:cNvPr id="33" name="TextBox 32"/>
-          <p:cNvSpPr txBox="1"/>
-          <p:nvPr/>
-        </p:nvSpPr>
-        <p:spPr>
-          <a:xfrm>
-            <a:off x="7770599" y="3230204"/>
-            <a:ext cx="301686" cy="369332"/>
-          </a:xfrm>
-          <a:prstGeom prst="rect">
-            <a:avLst/>
-          </a:prstGeom>
-          <a:noFill/>
-        </p:spPr>
-        <p:txBody>
-          <a:bodyPr wrap="none" rtlCol="0">
-            <a:spAutoFit/>
-          </a:bodyPr>
-          <a:lstStyle/>
-          <a:p>
-            <a:r>
-              <a:rPr lang="en-US" smtClean="0">
+              <a:rPr lang="en-US">
                 <a:solidFill>
                   <a:srgbClr val="00B050"/>
                 </a:solidFill>
@@ -17575,18 +16783,13 @@
           <a:p>
             <a:pPr algn="ctr"/>
             <a:r>
-              <a:rPr lang="en-US" sz="2400" dirty="0" smtClean="0">
+              <a:rPr lang="en-US" sz="2400" dirty="0">
                 <a:solidFill>
                   <a:schemeClr val="tx1"/>
                 </a:solidFill>
               </a:rPr>
               <a:t>30</a:t>
             </a:r>
-            <a:endParaRPr lang="en-US" sz="2400" dirty="0">
-              <a:solidFill>
-                <a:schemeClr val="tx1"/>
-              </a:solidFill>
-            </a:endParaRPr>
           </a:p>
         </p:txBody>
       </p:sp>
@@ -17633,18 +16836,13 @@
           <a:p>
             <a:pPr algn="ctr"/>
             <a:r>
-              <a:rPr lang="en-US" sz="2400" dirty="0" smtClean="0">
+              <a:rPr lang="en-US" sz="2400" dirty="0">
                 <a:solidFill>
                   <a:schemeClr val="tx1"/>
                 </a:solidFill>
               </a:rPr>
               <a:t>15</a:t>
             </a:r>
-            <a:endParaRPr lang="en-US" sz="2400" dirty="0">
-              <a:solidFill>
-                <a:schemeClr val="tx1"/>
-              </a:solidFill>
-            </a:endParaRPr>
           </a:p>
         </p:txBody>
       </p:sp>
@@ -17769,18 +16967,13 @@
           <a:p>
             <a:pPr algn="ctr"/>
             <a:r>
-              <a:rPr lang="en-US" sz="2400" dirty="0" smtClean="0">
+              <a:rPr lang="en-US" sz="2400" dirty="0">
                 <a:solidFill>
                   <a:schemeClr val="tx1"/>
                 </a:solidFill>
               </a:rPr>
               <a:t>10</a:t>
             </a:r>
-            <a:endParaRPr lang="en-US" sz="2400" dirty="0">
-              <a:solidFill>
-                <a:schemeClr val="tx1"/>
-              </a:solidFill>
-            </a:endParaRPr>
           </a:p>
         </p:txBody>
       </p:sp>
@@ -17866,18 +17059,13 @@
           <a:p>
             <a:pPr algn="ctr"/>
             <a:r>
-              <a:rPr lang="en-US" sz="2400" dirty="0" smtClean="0">
+              <a:rPr lang="en-US" sz="2400" dirty="0">
                 <a:solidFill>
                   <a:schemeClr val="tx1"/>
                 </a:solidFill>
               </a:rPr>
               <a:t>20</a:t>
             </a:r>
-            <a:endParaRPr lang="en-US" sz="2400" dirty="0">
-              <a:solidFill>
-                <a:schemeClr val="tx1"/>
-              </a:solidFill>
-            </a:endParaRPr>
           </a:p>
         </p:txBody>
       </p:sp>
@@ -17963,18 +17151,13 @@
           <a:p>
             <a:pPr algn="ctr"/>
             <a:r>
-              <a:rPr lang="en-US" sz="2400" dirty="0" smtClean="0">
+              <a:rPr lang="en-US" sz="2400" dirty="0">
                 <a:solidFill>
                   <a:schemeClr val="tx1"/>
                 </a:solidFill>
               </a:rPr>
               <a:t>70</a:t>
             </a:r>
-            <a:endParaRPr lang="en-US" sz="2400" dirty="0">
-              <a:solidFill>
-                <a:schemeClr val="tx1"/>
-              </a:solidFill>
-            </a:endParaRPr>
           </a:p>
         </p:txBody>
       </p:sp>
@@ -18021,18 +17204,13 @@
           <a:p>
             <a:pPr algn="ctr"/>
             <a:r>
-              <a:rPr lang="en-US" sz="2400" dirty="0" smtClean="0">
+              <a:rPr lang="en-US" sz="2400" dirty="0">
                 <a:solidFill>
                   <a:srgbClr val="FF0000"/>
                 </a:solidFill>
               </a:rPr>
               <a:t>60</a:t>
             </a:r>
-            <a:endParaRPr lang="en-US" sz="2400" dirty="0">
-              <a:solidFill>
-                <a:srgbClr val="FF0000"/>
-              </a:solidFill>
-            </a:endParaRPr>
           </a:p>
         </p:txBody>
       </p:sp>
@@ -18118,18 +17296,13 @@
           <a:p>
             <a:pPr algn="ctr"/>
             <a:r>
-              <a:rPr lang="en-US" sz="2400" dirty="0" smtClean="0">
+              <a:rPr lang="en-US" sz="2400" dirty="0">
                 <a:solidFill>
                   <a:schemeClr val="tx1"/>
                 </a:solidFill>
               </a:rPr>
               <a:t>85</a:t>
             </a:r>
-            <a:endParaRPr lang="en-US" sz="2400" dirty="0">
-              <a:solidFill>
-                <a:schemeClr val="tx1"/>
-              </a:solidFill>
-            </a:endParaRPr>
           </a:p>
         </p:txBody>
       </p:sp>
@@ -18215,18 +17388,13 @@
           <a:p>
             <a:pPr algn="ctr"/>
             <a:r>
-              <a:rPr lang="en-US" sz="2400" dirty="0" smtClean="0">
+              <a:rPr lang="en-US" sz="2400" dirty="0">
                 <a:solidFill>
                   <a:schemeClr val="tx1"/>
                 </a:solidFill>
               </a:rPr>
               <a:t>65</a:t>
             </a:r>
-            <a:endParaRPr lang="en-US" sz="2400" dirty="0">
-              <a:solidFill>
-                <a:schemeClr val="tx1"/>
-              </a:solidFill>
-            </a:endParaRPr>
           </a:p>
         </p:txBody>
       </p:sp>
@@ -18312,18 +17480,13 @@
           <a:p>
             <a:pPr algn="ctr"/>
             <a:r>
-              <a:rPr lang="en-US" sz="2400" dirty="0" smtClean="0">
+              <a:rPr lang="en-US" sz="2400" dirty="0">
                 <a:solidFill>
                   <a:schemeClr val="tx1"/>
                 </a:solidFill>
               </a:rPr>
               <a:t>50</a:t>
             </a:r>
-            <a:endParaRPr lang="en-US" sz="2400" dirty="0">
-              <a:solidFill>
-                <a:schemeClr val="tx1"/>
-              </a:solidFill>
-            </a:endParaRPr>
           </a:p>
         </p:txBody>
       </p:sp>
@@ -18409,18 +17572,13 @@
           <a:p>
             <a:pPr algn="ctr"/>
             <a:r>
-              <a:rPr lang="en-US" sz="2400" dirty="0" smtClean="0">
+              <a:rPr lang="en-US" sz="2400" dirty="0">
                 <a:solidFill>
                   <a:srgbClr val="FF0000"/>
                 </a:solidFill>
               </a:rPr>
               <a:t>90</a:t>
             </a:r>
-            <a:endParaRPr lang="en-US" sz="2400" dirty="0">
-              <a:solidFill>
-                <a:srgbClr val="FF0000"/>
-              </a:solidFill>
-            </a:endParaRPr>
           </a:p>
         </p:txBody>
       </p:sp>
@@ -18506,18 +17664,13 @@
           <a:p>
             <a:pPr algn="ctr"/>
             <a:r>
-              <a:rPr lang="en-US" sz="2400" dirty="0" smtClean="0">
+              <a:rPr lang="en-US" sz="2400" dirty="0">
                 <a:solidFill>
                   <a:srgbClr val="FF0000"/>
                 </a:solidFill>
               </a:rPr>
               <a:t>55</a:t>
             </a:r>
-            <a:endParaRPr lang="en-US" sz="2400" dirty="0">
-              <a:solidFill>
-                <a:srgbClr val="FF0000"/>
-              </a:solidFill>
-            </a:endParaRPr>
           </a:p>
         </p:txBody>
       </p:sp>
@@ -18603,18 +17756,13 @@
           <a:p>
             <a:pPr algn="ctr"/>
             <a:r>
-              <a:rPr lang="en-US" sz="2400" dirty="0" smtClean="0">
+              <a:rPr lang="en-US" sz="2400" dirty="0">
                 <a:solidFill>
                   <a:srgbClr val="FF0000"/>
                 </a:solidFill>
               </a:rPr>
               <a:t>40</a:t>
             </a:r>
-            <a:endParaRPr lang="en-US" sz="2400" dirty="0">
-              <a:solidFill>
-                <a:srgbClr val="FF0000"/>
-              </a:solidFill>
-            </a:endParaRPr>
           </a:p>
         </p:txBody>
       </p:sp>
@@ -18730,7 +17878,7 @@
           <a:p>
             <a:pPr algn="ctr"/>
             <a:r>
-              <a:rPr lang="en-US" sz="2400" i="1" dirty="0" smtClean="0">
+              <a:rPr lang="en-US" sz="2400" i="1" dirty="0">
                 <a:solidFill>
                   <a:schemeClr val="tx1"/>
                 </a:solidFill>
@@ -18783,18 +17931,13 @@
           <a:p>
             <a:pPr algn="ctr"/>
             <a:r>
-              <a:rPr lang="en-US" sz="2400" i="1" dirty="0" smtClean="0">
+              <a:rPr lang="en-US" sz="2400" i="1" dirty="0">
                 <a:solidFill>
                   <a:schemeClr val="tx1"/>
                 </a:solidFill>
               </a:rPr>
               <a:t>a</a:t>
             </a:r>
-            <a:endParaRPr lang="en-US" sz="2400" i="1" dirty="0">
-              <a:solidFill>
-                <a:schemeClr val="tx1"/>
-              </a:solidFill>
-            </a:endParaRPr>
           </a:p>
         </p:txBody>
       </p:sp>
@@ -18919,7 +18062,7 @@
           <a:p>
             <a:pPr algn="ctr"/>
             <a:r>
-              <a:rPr lang="en-US" sz="2400" i="1" dirty="0" smtClean="0">
+              <a:rPr lang="en-US" sz="2400" i="1" dirty="0">
                 <a:solidFill>
                   <a:schemeClr val="tx1"/>
                 </a:solidFill>
@@ -19019,7 +18162,7 @@
           <a:p>
             <a:pPr algn="ctr"/>
             <a:r>
-              <a:rPr lang="en-US" sz="2400" i="1" dirty="0" smtClean="0">
+              <a:rPr lang="en-US" sz="2400" i="1" dirty="0">
                 <a:solidFill>
                   <a:schemeClr val="tx1"/>
                 </a:solidFill>
@@ -19119,7 +18262,7 @@
           <a:p>
             <a:pPr algn="ctr"/>
             <a:r>
-              <a:rPr lang="en-US" sz="2400" i="1" dirty="0" smtClean="0">
+              <a:rPr lang="en-US" sz="2400" i="1" dirty="0">
                 <a:solidFill>
                   <a:schemeClr val="tx1"/>
                 </a:solidFill>
@@ -19216,7 +18359,7 @@
           <a:p>
             <a:pPr algn="ctr"/>
             <a:r>
-              <a:rPr lang="en-US" sz="2400" i="1" dirty="0" smtClean="0">
+              <a:rPr lang="en-US" sz="2400" i="1" dirty="0">
                 <a:solidFill>
                   <a:schemeClr val="tx1"/>
                 </a:solidFill>
@@ -19269,18 +18412,13 @@
           <a:p>
             <a:pPr algn="ctr"/>
             <a:r>
-              <a:rPr lang="en-US" sz="2400" i="1" dirty="0" smtClean="0">
+              <a:rPr lang="en-US" sz="2400" i="1" dirty="0">
                 <a:solidFill>
                   <a:schemeClr val="tx1"/>
                 </a:solidFill>
               </a:rPr>
               <a:t>b</a:t>
             </a:r>
-            <a:endParaRPr lang="en-US" sz="2400" i="1" dirty="0">
-              <a:solidFill>
-                <a:schemeClr val="tx1"/>
-              </a:solidFill>
-            </a:endParaRPr>
           </a:p>
         </p:txBody>
       </p:sp>
@@ -19405,7 +18543,7 @@
           <a:p>
             <a:pPr algn="ctr"/>
             <a:r>
-              <a:rPr lang="en-US" sz="2400" i="1" dirty="0" smtClean="0">
+              <a:rPr lang="en-US" sz="2400" i="1" dirty="0">
                 <a:solidFill>
                   <a:schemeClr val="tx1"/>
                 </a:solidFill>
@@ -19505,7 +18643,7 @@
           <a:p>
             <a:pPr algn="ctr"/>
             <a:r>
-              <a:rPr lang="en-US" sz="2400" i="1" dirty="0" smtClean="0">
+              <a:rPr lang="en-US" sz="2400" i="1" dirty="0">
                 <a:solidFill>
                   <a:schemeClr val="tx1"/>
                 </a:solidFill>
@@ -19605,7 +18743,7 @@
           <a:p>
             <a:pPr algn="ctr"/>
             <a:r>
-              <a:rPr lang="en-US" sz="2400" i="1" dirty="0" smtClean="0">
+              <a:rPr lang="en-US" sz="2400" i="1" dirty="0">
                 <a:solidFill>
                   <a:schemeClr val="tx1"/>
                 </a:solidFill>
@@ -19683,18 +18821,13 @@
           <a:p>
             <a:pPr algn="ctr"/>
             <a:r>
-              <a:rPr lang="en-US" sz="3600" dirty="0" smtClean="0">
+              <a:rPr lang="en-US" sz="3600" dirty="0">
                 <a:solidFill>
                   <a:srgbClr val="0070C0"/>
                 </a:solidFill>
               </a:rPr>
               <a:t>Right</a:t>
             </a:r>
-            <a:endParaRPr lang="en-US" sz="3600" dirty="0">
-              <a:solidFill>
-                <a:srgbClr val="0070C0"/>
-              </a:solidFill>
-            </a:endParaRPr>
           </a:p>
         </p:txBody>
       </p:sp>
@@ -19722,18 +18855,13 @@
           <a:p>
             <a:pPr algn="ctr"/>
             <a:r>
-              <a:rPr lang="en-US" sz="3600" dirty="0" smtClean="0">
+              <a:rPr lang="en-US" sz="3600" dirty="0">
                 <a:solidFill>
                   <a:srgbClr val="00B050"/>
                 </a:solidFill>
               </a:rPr>
               <a:t>Left</a:t>
             </a:r>
-            <a:endParaRPr lang="en-US" sz="3600" dirty="0">
-              <a:solidFill>
-                <a:srgbClr val="00B050"/>
-              </a:solidFill>
-            </a:endParaRPr>
           </a:p>
         </p:txBody>
       </p:sp>
@@ -19810,18 +18938,13 @@
           <a:p>
             <a:pPr algn="ctr"/>
             <a:r>
-              <a:rPr lang="en-US" sz="2400" dirty="0" smtClean="0">
+              <a:rPr lang="en-US" sz="2400" dirty="0">
                 <a:solidFill>
                   <a:schemeClr val="tx1"/>
                 </a:solidFill>
               </a:rPr>
               <a:t>30</a:t>
             </a:r>
-            <a:endParaRPr lang="en-US" sz="2400" dirty="0">
-              <a:solidFill>
-                <a:schemeClr val="tx1"/>
-              </a:solidFill>
-            </a:endParaRPr>
           </a:p>
         </p:txBody>
       </p:sp>
@@ -19868,18 +18991,13 @@
           <a:p>
             <a:pPr algn="ctr"/>
             <a:r>
-              <a:rPr lang="en-US" sz="2400" dirty="0" smtClean="0">
+              <a:rPr lang="en-US" sz="2400" dirty="0">
                 <a:solidFill>
                   <a:srgbClr val="FF0000"/>
                 </a:solidFill>
               </a:rPr>
               <a:t>15</a:t>
             </a:r>
-            <a:endParaRPr lang="en-US" sz="2400" dirty="0">
-              <a:solidFill>
-                <a:srgbClr val="FF0000"/>
-              </a:solidFill>
-            </a:endParaRPr>
           </a:p>
         </p:txBody>
       </p:sp>
@@ -20004,18 +19122,13 @@
           <a:p>
             <a:pPr algn="ctr"/>
             <a:r>
-              <a:rPr lang="en-US" sz="2400" dirty="0" smtClean="0">
+              <a:rPr lang="en-US" sz="2400" dirty="0">
                 <a:solidFill>
                   <a:srgbClr val="FF0000"/>
                 </a:solidFill>
               </a:rPr>
               <a:t>70</a:t>
             </a:r>
-            <a:endParaRPr lang="en-US" sz="2400" dirty="0">
-              <a:solidFill>
-                <a:srgbClr val="FF0000"/>
-              </a:solidFill>
-            </a:endParaRPr>
           </a:p>
         </p:txBody>
       </p:sp>
@@ -20136,18 +19249,13 @@
           <a:p>
             <a:pPr algn="ctr"/>
             <a:r>
-              <a:rPr lang="en-US" sz="2400" dirty="0" smtClean="0">
+              <a:rPr lang="en-US" sz="2400" dirty="0">
                 <a:solidFill>
                   <a:srgbClr val="FF0000"/>
                 </a:solidFill>
               </a:rPr>
               <a:t>30</a:t>
             </a:r>
-            <a:endParaRPr lang="en-US" sz="2400" dirty="0">
-              <a:solidFill>
-                <a:srgbClr val="FF0000"/>
-              </a:solidFill>
-            </a:endParaRPr>
           </a:p>
         </p:txBody>
       </p:sp>
@@ -20194,18 +19302,13 @@
           <a:p>
             <a:pPr algn="ctr"/>
             <a:r>
-              <a:rPr lang="en-US" sz="2400" dirty="0" smtClean="0">
+              <a:rPr lang="en-US" sz="2400" dirty="0">
                 <a:solidFill>
                   <a:schemeClr val="tx1"/>
                 </a:solidFill>
               </a:rPr>
               <a:t>15</a:t>
             </a:r>
-            <a:endParaRPr lang="en-US" sz="2400" dirty="0">
-              <a:solidFill>
-                <a:schemeClr val="tx1"/>
-              </a:solidFill>
-            </a:endParaRPr>
           </a:p>
         </p:txBody>
       </p:sp>
@@ -20329,18 +19432,13 @@
           <a:p>
             <a:pPr algn="ctr"/>
             <a:r>
-              <a:rPr lang="en-US" sz="2400" dirty="0" smtClean="0">
+              <a:rPr lang="en-US" sz="2400" dirty="0">
                 <a:solidFill>
                   <a:schemeClr val="tx1"/>
                 </a:solidFill>
               </a:rPr>
               <a:t>70</a:t>
             </a:r>
-            <a:endParaRPr lang="en-US" sz="2400" dirty="0">
-              <a:solidFill>
-                <a:schemeClr val="tx1"/>
-              </a:solidFill>
-            </a:endParaRPr>
           </a:p>
         </p:txBody>
       </p:sp>
@@ -20461,18 +19559,13 @@
           <a:p>
             <a:pPr algn="ctr"/>
             <a:r>
-              <a:rPr lang="en-US" sz="2400" dirty="0" smtClean="0">
+              <a:rPr lang="en-US" sz="2400" dirty="0">
                 <a:solidFill>
                   <a:schemeClr val="tx1"/>
                 </a:solidFill>
               </a:rPr>
               <a:t>30</a:t>
             </a:r>
-            <a:endParaRPr lang="en-US" sz="2400" dirty="0">
-              <a:solidFill>
-                <a:schemeClr val="tx1"/>
-              </a:solidFill>
-            </a:endParaRPr>
           </a:p>
         </p:txBody>
       </p:sp>
@@ -20519,18 +19612,13 @@
           <a:p>
             <a:pPr algn="ctr"/>
             <a:r>
-              <a:rPr lang="en-US" sz="2400" dirty="0" smtClean="0">
+              <a:rPr lang="en-US" sz="2400" dirty="0">
                 <a:solidFill>
                   <a:schemeClr val="tx1"/>
                 </a:solidFill>
               </a:rPr>
               <a:t>15</a:t>
             </a:r>
-            <a:endParaRPr lang="en-US" sz="2400" dirty="0">
-              <a:solidFill>
-                <a:schemeClr val="tx1"/>
-              </a:solidFill>
-            </a:endParaRPr>
           </a:p>
         </p:txBody>
       </p:sp>
@@ -20649,18 +19737,13 @@
           <a:p>
             <a:pPr algn="ctr"/>
             <a:r>
-              <a:rPr lang="en-US" sz="2400" dirty="0" smtClean="0">
+              <a:rPr lang="en-US" sz="2400" dirty="0">
                 <a:solidFill>
                   <a:schemeClr val="tx1"/>
                 </a:solidFill>
               </a:rPr>
               <a:t>70</a:t>
             </a:r>
-            <a:endParaRPr lang="en-US" sz="2400" dirty="0">
-              <a:solidFill>
-                <a:schemeClr val="tx1"/>
-              </a:solidFill>
-            </a:endParaRPr>
           </a:p>
         </p:txBody>
       </p:sp>
@@ -20746,18 +19829,13 @@
           <a:p>
             <a:pPr algn="ctr"/>
             <a:r>
-              <a:rPr lang="en-US" sz="2400" dirty="0" smtClean="0">
+              <a:rPr lang="en-US" sz="2400" dirty="0">
                 <a:solidFill>
                   <a:srgbClr val="FF0000"/>
                 </a:solidFill>
               </a:rPr>
               <a:t>80</a:t>
             </a:r>
-            <a:endParaRPr lang="en-US" sz="2400" dirty="0">
-              <a:solidFill>
-                <a:srgbClr val="FF0000"/>
-              </a:solidFill>
-            </a:endParaRPr>
           </a:p>
         </p:txBody>
       </p:sp>
@@ -20804,18 +19882,13 @@
           <a:p>
             <a:pPr algn="ctr"/>
             <a:r>
-              <a:rPr lang="en-US" sz="2400" dirty="0" smtClean="0">
+              <a:rPr lang="en-US" sz="2400" dirty="0">
                 <a:solidFill>
                   <a:schemeClr val="tx1"/>
                 </a:solidFill>
               </a:rPr>
               <a:t>30</a:t>
             </a:r>
-            <a:endParaRPr lang="en-US" sz="2400" dirty="0">
-              <a:solidFill>
-                <a:schemeClr val="tx1"/>
-              </a:solidFill>
-            </a:endParaRPr>
           </a:p>
         </p:txBody>
       </p:sp>
@@ -20862,18 +19935,13 @@
           <a:p>
             <a:pPr algn="ctr"/>
             <a:r>
-              <a:rPr lang="en-US" sz="2400" dirty="0" smtClean="0">
+              <a:rPr lang="en-US" sz="2400" dirty="0">
                 <a:solidFill>
                   <a:schemeClr val="tx1"/>
                 </a:solidFill>
               </a:rPr>
               <a:t>15</a:t>
             </a:r>
-            <a:endParaRPr lang="en-US" sz="2400" dirty="0">
-              <a:solidFill>
-                <a:schemeClr val="tx1"/>
-              </a:solidFill>
-            </a:endParaRPr>
           </a:p>
         </p:txBody>
       </p:sp>
@@ -20992,18 +20060,13 @@
           <a:p>
             <a:pPr algn="ctr"/>
             <a:r>
-              <a:rPr lang="en-US" sz="2400" dirty="0" smtClean="0">
+              <a:rPr lang="en-US" sz="2400" dirty="0">
                 <a:solidFill>
                   <a:schemeClr val="tx1"/>
                 </a:solidFill>
               </a:rPr>
               <a:t>70</a:t>
             </a:r>
-            <a:endParaRPr lang="en-US" sz="2400" dirty="0">
-              <a:solidFill>
-                <a:schemeClr val="tx1"/>
-              </a:solidFill>
-            </a:endParaRPr>
           </a:p>
         </p:txBody>
       </p:sp>
@@ -21087,8 +20150,8 @@
         </p:nvSpPr>
         <p:spPr>
           <a:xfrm>
-            <a:off x="153054" y="4108369"/>
-            <a:ext cx="2240925" cy="923330"/>
+            <a:off x="0" y="4108369"/>
+            <a:ext cx="2576945" cy="923330"/>
           </a:xfrm>
           <a:prstGeom prst="rect">
             <a:avLst/>
@@ -21103,11 +20166,14 @@
           <a:p>
             <a:pPr algn="ctr"/>
             <a:r>
-              <a:rPr lang="en-US" dirty="0" smtClean="0"/>
-              <a:t>Black node with two </a:t>
-            </a:r>
-            <a:r>
-              <a:rPr lang="en-US" dirty="0" smtClean="0">
+              <a:rPr lang="en-US" dirty="0"/>
+              <a:t>Black node with two</a:t>
+            </a:r>
+          </a:p>
+          <a:p>
+            <a:pPr algn="ctr"/>
+            <a:r>
+              <a:rPr lang="en-US" dirty="0">
                 <a:solidFill>
                   <a:srgbClr val="FF0000"/>
                 </a:solidFill>
@@ -21115,10 +20181,16 @@
               <a:t>red</a:t>
             </a:r>
             <a:r>
-              <a:rPr lang="en-US" dirty="0" smtClean="0"/>
-              <a:t> children, so recolor all three</a:t>
-            </a:r>
-            <a:endParaRPr lang="en-US" dirty="0"/>
+              <a:rPr lang="en-US" dirty="0"/>
+              <a:t> children, so</a:t>
+            </a:r>
+          </a:p>
+          <a:p>
+            <a:pPr algn="ctr"/>
+            <a:r>
+              <a:rPr lang="en-US" dirty="0"/>
+              <a:t>recolor all three</a:t>
+            </a:r>
           </a:p>
         </p:txBody>
       </p:sp>
@@ -21130,8 +20202,8 @@
         </p:nvSpPr>
         <p:spPr>
           <a:xfrm>
-            <a:off x="3140954" y="4108369"/>
-            <a:ext cx="2240925" cy="646331"/>
+            <a:off x="2968831" y="4108369"/>
+            <a:ext cx="2551665" cy="646331"/>
           </a:xfrm>
           <a:prstGeom prst="rect">
             <a:avLst/>
@@ -21147,14 +20219,10 @@
             <a:pPr algn="ctr"/>
             <a:r>
               <a:rPr lang="en-US" dirty="0"/>
-              <a:t>W</a:t>
-            </a:r>
-            <a:r>
-              <a:rPr lang="en-US" dirty="0" smtClean="0"/>
-              <a:t>e have a </a:t>
-            </a:r>
-            <a:r>
-              <a:rPr lang="en-US" dirty="0" smtClean="0">
+              <a:t>We have a </a:t>
+            </a:r>
+            <a:r>
+              <a:rPr lang="en-US" dirty="0">
                 <a:solidFill>
                   <a:srgbClr val="FF0000"/>
                 </a:solidFill>
@@ -21162,10 +20230,16 @@
               <a:t>red</a:t>
             </a:r>
             <a:r>
-              <a:rPr lang="en-US" dirty="0" smtClean="0"/>
-              <a:t> root, so recolor it black</a:t>
-            </a:r>
-            <a:endParaRPr lang="en-US" dirty="0"/>
+              <a:rPr lang="en-US" dirty="0"/>
+              <a:t> root,</a:t>
+            </a:r>
+          </a:p>
+          <a:p>
+            <a:pPr algn="ctr"/>
+            <a:r>
+              <a:rPr lang="en-US" dirty="0"/>
+              <a:t>so recolor it black</a:t>
+            </a:r>
           </a:p>
         </p:txBody>
       </p:sp>
@@ -21177,8 +20251,8 @@
         </p:nvSpPr>
         <p:spPr>
           <a:xfrm>
-            <a:off x="6047711" y="4108369"/>
-            <a:ext cx="2240925" cy="646331"/>
+            <a:off x="5912383" y="4108369"/>
+            <a:ext cx="2436256" cy="646331"/>
           </a:xfrm>
           <a:prstGeom prst="rect">
             <a:avLst/>
@@ -21193,22 +20267,24 @@
           <a:p>
             <a:pPr algn="ctr"/>
             <a:r>
-              <a:rPr lang="en-US" dirty="0" smtClean="0"/>
+              <a:rPr lang="en-US" dirty="0"/>
               <a:t>Continue the </a:t>
             </a:r>
             <a:r>
-              <a:rPr lang="en-US" dirty="0" smtClean="0">
+              <a:rPr lang="en-US" dirty="0">
                 <a:solidFill>
                   <a:srgbClr val="00B050"/>
                 </a:solidFill>
               </a:rPr>
               <a:t>BST</a:t>
             </a:r>
-            <a:r>
-              <a:rPr lang="en-US" dirty="0" smtClean="0"/>
-              <a:t> insertion algorithm</a:t>
-            </a:r>
-            <a:endParaRPr lang="en-US" dirty="0"/>
+          </a:p>
+          <a:p>
+            <a:pPr algn="ctr"/>
+            <a:r>
+              <a:rPr lang="en-US" dirty="0"/>
+              <a:t>insertion algorithm</a:t>
+            </a:r>
           </a:p>
         </p:txBody>
       </p:sp>
@@ -21236,22 +20312,17 @@
           <a:p>
             <a:pPr algn="ctr"/>
             <a:r>
-              <a:rPr lang="en-US" dirty="0" smtClean="0"/>
+              <a:rPr lang="en-US" dirty="0"/>
               <a:t>New node is </a:t>
             </a:r>
             <a:r>
-              <a:rPr lang="en-US" dirty="0" smtClean="0">
+              <a:rPr lang="en-US" dirty="0">
                 <a:solidFill>
                   <a:srgbClr val="FF0000"/>
                 </a:solidFill>
               </a:rPr>
               <a:t>red</a:t>
             </a:r>
-            <a:endParaRPr lang="en-US" dirty="0">
-              <a:solidFill>
-                <a:srgbClr val="FF0000"/>
-              </a:solidFill>
-            </a:endParaRPr>
           </a:p>
         </p:txBody>
       </p:sp>
@@ -21328,18 +20399,13 @@
           <a:p>
             <a:pPr algn="ctr"/>
             <a:r>
-              <a:rPr lang="en-US" sz="2400" dirty="0" smtClean="0">
+              <a:rPr lang="en-US" sz="2400" dirty="0">
                 <a:solidFill>
                   <a:schemeClr val="tx1"/>
                 </a:solidFill>
               </a:rPr>
               <a:t>10</a:t>
             </a:r>
-            <a:endParaRPr lang="en-US" sz="2400" dirty="0">
-              <a:solidFill>
-                <a:schemeClr val="tx1"/>
-              </a:solidFill>
-            </a:endParaRPr>
           </a:p>
         </p:txBody>
       </p:sp>
@@ -21425,18 +20491,13 @@
           <a:p>
             <a:pPr algn="ctr"/>
             <a:r>
-              <a:rPr lang="en-US" sz="2400" dirty="0" smtClean="0">
+              <a:rPr lang="en-US" sz="2400" dirty="0">
                 <a:solidFill>
                   <a:srgbClr val="FF0000"/>
                 </a:solidFill>
               </a:rPr>
               <a:t>20</a:t>
             </a:r>
-            <a:endParaRPr lang="en-US" sz="2400" dirty="0">
-              <a:solidFill>
-                <a:srgbClr val="FF0000"/>
-              </a:solidFill>
-            </a:endParaRPr>
           </a:p>
         </p:txBody>
       </p:sp>
@@ -21524,21 +20585,8 @@
                   <a:schemeClr val="tx1"/>
                 </a:solidFill>
               </a:rPr>
-              <a:t>1</a:t>
-            </a:r>
-            <a:r>
-              <a:rPr lang="en-US" sz="2400" dirty="0" smtClean="0">
-                <a:solidFill>
-                  <a:schemeClr val="tx1"/>
-                </a:solidFill>
-              </a:rPr>
-              <a:t>0</a:t>
-            </a:r>
-            <a:endParaRPr lang="en-US" sz="2400" dirty="0">
-              <a:solidFill>
-                <a:schemeClr val="tx1"/>
-              </a:solidFill>
-            </a:endParaRPr>
+              <a:t>10</a:t>
+            </a:r>
           </a:p>
         </p:txBody>
       </p:sp>
@@ -21626,21 +20674,8 @@
                   <a:srgbClr val="FF0000"/>
                 </a:solidFill>
               </a:rPr>
-              <a:t>2</a:t>
-            </a:r>
-            <a:r>
-              <a:rPr lang="en-US" sz="2400" dirty="0" smtClean="0">
-                <a:solidFill>
-                  <a:srgbClr val="FF0000"/>
-                </a:solidFill>
-              </a:rPr>
-              <a:t>0</a:t>
-            </a:r>
-            <a:endParaRPr lang="en-US" sz="2400" dirty="0">
-              <a:solidFill>
-                <a:srgbClr val="FF0000"/>
-              </a:solidFill>
-            </a:endParaRPr>
+              <a:t>20</a:t>
+            </a:r>
           </a:p>
         </p:txBody>
       </p:sp>
@@ -21726,18 +20761,13 @@
           <a:p>
             <a:pPr algn="ctr"/>
             <a:r>
-              <a:rPr lang="en-US" sz="2400" dirty="0" smtClean="0">
+              <a:rPr lang="en-US" sz="2400" dirty="0">
                 <a:solidFill>
                   <a:srgbClr val="FF0000"/>
                 </a:solidFill>
               </a:rPr>
               <a:t>42</a:t>
             </a:r>
-            <a:endParaRPr lang="en-US" sz="2400" dirty="0">
-              <a:solidFill>
-                <a:srgbClr val="FF0000"/>
-              </a:solidFill>
-            </a:endParaRPr>
           </a:p>
         </p:txBody>
       </p:sp>
@@ -21750,7 +20780,7 @@
         <p:spPr>
           <a:xfrm>
             <a:off x="91961" y="4107082"/>
-            <a:ext cx="2240925" cy="369332"/>
+            <a:ext cx="2384683" cy="369332"/>
           </a:xfrm>
           <a:prstGeom prst="rect">
             <a:avLst/>
@@ -21765,11 +20795,11 @@
           <a:p>
             <a:pPr algn="ctr"/>
             <a:r>
-              <a:rPr lang="en-US" dirty="0" smtClean="0"/>
+              <a:rPr lang="en-US" dirty="0"/>
               <a:t>Perform </a:t>
             </a:r>
             <a:r>
-              <a:rPr lang="en-US" dirty="0" smtClean="0">
+              <a:rPr lang="en-US" dirty="0">
                 <a:solidFill>
                   <a:srgbClr val="00B050"/>
                 </a:solidFill>
@@ -21777,10 +20807,9 @@
               <a:t>BST</a:t>
             </a:r>
             <a:r>
-              <a:rPr lang="en-US" dirty="0" smtClean="0"/>
+              <a:rPr lang="en-US" dirty="0"/>
               <a:t> insertion</a:t>
             </a:r>
-            <a:endParaRPr lang="en-US" dirty="0"/>
           </a:p>
         </p:txBody>
       </p:sp>
@@ -21792,8 +20821,8 @@
         </p:nvSpPr>
         <p:spPr>
           <a:xfrm>
-            <a:off x="2580135" y="4107082"/>
-            <a:ext cx="2240925" cy="1477328"/>
+            <a:off x="2338787" y="4107082"/>
+            <a:ext cx="2482274" cy="1477328"/>
           </a:xfrm>
           <a:prstGeom prst="rect">
             <a:avLst/>
@@ -21808,11 +20837,11 @@
           <a:p>
             <a:pPr algn="ctr"/>
             <a:r>
-              <a:rPr lang="en-US" dirty="0" smtClean="0"/>
+              <a:rPr lang="en-US" dirty="0"/>
               <a:t>There’s a straight line of black-</a:t>
             </a:r>
             <a:r>
-              <a:rPr lang="en-US" dirty="0" smtClean="0">
+              <a:rPr lang="en-US" dirty="0">
                 <a:solidFill>
                   <a:srgbClr val="FF0000"/>
                 </a:solidFill>
@@ -21820,11 +20849,11 @@
               <a:t>red</a:t>
             </a:r>
             <a:r>
-              <a:rPr lang="en-US" dirty="0" smtClean="0"/>
+              <a:rPr lang="en-US" dirty="0"/>
               <a:t>-</a:t>
             </a:r>
             <a:r>
-              <a:rPr lang="en-US" dirty="0" smtClean="0">
+              <a:rPr lang="en-US" dirty="0">
                 <a:solidFill>
                   <a:srgbClr val="FF0000"/>
                 </a:solidFill>
@@ -21832,11 +20861,11 @@
               <a:t>red</a:t>
             </a:r>
             <a:r>
-              <a:rPr lang="en-US" dirty="0" smtClean="0"/>
+              <a:rPr lang="en-US" dirty="0"/>
               <a:t>, so AVL rotate to make the </a:t>
             </a:r>
             <a:r>
-              <a:rPr lang="en-US" dirty="0" smtClean="0">
+              <a:rPr lang="en-US" dirty="0">
                 <a:solidFill>
                   <a:srgbClr val="FF0000"/>
                 </a:solidFill>
@@ -21844,7 +20873,7 @@
               <a:t>middle node </a:t>
             </a:r>
             <a:r>
-              <a:rPr lang="en-US" dirty="0" smtClean="0"/>
+              <a:rPr lang="en-US" dirty="0"/>
               <a:t>the new parent </a:t>
             </a:r>
             <a:endParaRPr lang="en-US" dirty="0">
@@ -21934,18 +20963,13 @@
           <a:p>
             <a:pPr algn="ctr"/>
             <a:r>
-              <a:rPr lang="en-US" sz="2400" dirty="0" smtClean="0">
+              <a:rPr lang="en-US" sz="2400" dirty="0">
                 <a:solidFill>
                   <a:srgbClr val="FF0000"/>
                 </a:solidFill>
               </a:rPr>
               <a:t>20</a:t>
             </a:r>
-            <a:endParaRPr lang="en-US" sz="2400" dirty="0">
-              <a:solidFill>
-                <a:srgbClr val="FF0000"/>
-              </a:solidFill>
-            </a:endParaRPr>
           </a:p>
         </p:txBody>
       </p:sp>
@@ -22031,18 +21055,13 @@
           <a:p>
             <a:pPr algn="ctr"/>
             <a:r>
-              <a:rPr lang="en-US" sz="2400" dirty="0" smtClean="0">
+              <a:rPr lang="en-US" sz="2400" dirty="0">
                 <a:solidFill>
                   <a:srgbClr val="FF0000"/>
                 </a:solidFill>
               </a:rPr>
               <a:t>42</a:t>
             </a:r>
-            <a:endParaRPr lang="en-US" sz="2400" dirty="0">
-              <a:solidFill>
-                <a:srgbClr val="FF0000"/>
-              </a:solidFill>
-            </a:endParaRPr>
           </a:p>
         </p:txBody>
       </p:sp>
@@ -22089,18 +21108,13 @@
           <a:p>
             <a:pPr algn="ctr"/>
             <a:r>
-              <a:rPr lang="en-US" sz="2400" dirty="0" smtClean="0">
+              <a:rPr lang="en-US" sz="2400" dirty="0">
                 <a:solidFill>
                   <a:schemeClr val="tx1"/>
                 </a:solidFill>
               </a:rPr>
               <a:t>10</a:t>
             </a:r>
-            <a:endParaRPr lang="en-US" sz="2400" dirty="0">
-              <a:solidFill>
-                <a:schemeClr val="tx1"/>
-              </a:solidFill>
-            </a:endParaRPr>
           </a:p>
         </p:txBody>
       </p:sp>
@@ -22151,8 +21165,8 @@
         </p:nvSpPr>
         <p:spPr>
           <a:xfrm>
-            <a:off x="6205619" y="4107082"/>
-            <a:ext cx="2240925" cy="646331"/>
+            <a:off x="6079377" y="4107082"/>
+            <a:ext cx="2506483" cy="646331"/>
           </a:xfrm>
           <a:prstGeom prst="rect">
             <a:avLst/>
@@ -22167,11 +21181,11 @@
           <a:p>
             <a:pPr algn="ctr"/>
             <a:r>
-              <a:rPr lang="en-US" dirty="0" smtClean="0"/>
+              <a:rPr lang="en-US" dirty="0"/>
               <a:t>Swap color of </a:t>
             </a:r>
             <a:r>
-              <a:rPr lang="en-US" dirty="0" smtClean="0">
+              <a:rPr lang="en-US" dirty="0">
                 <a:solidFill>
                   <a:srgbClr val="FF0000"/>
                 </a:solidFill>
@@ -22179,7 +21193,7 @@
               <a:t>red</a:t>
             </a:r>
             <a:r>
-              <a:rPr lang="en-US" dirty="0" smtClean="0"/>
+              <a:rPr lang="en-US" dirty="0"/>
               <a:t> parent and black child</a:t>
             </a:r>
             <a:endParaRPr lang="en-US" dirty="0">
@@ -22269,18 +21283,13 @@
           <a:p>
             <a:pPr algn="ctr"/>
             <a:r>
-              <a:rPr lang="en-US" sz="2400" dirty="0" smtClean="0">
+              <a:rPr lang="en-US" sz="2400" dirty="0">
                 <a:solidFill>
                   <a:schemeClr val="tx1"/>
                 </a:solidFill>
               </a:rPr>
               <a:t>20</a:t>
             </a:r>
-            <a:endParaRPr lang="en-US" sz="2400" dirty="0">
-              <a:solidFill>
-                <a:schemeClr val="tx1"/>
-              </a:solidFill>
-            </a:endParaRPr>
           </a:p>
         </p:txBody>
       </p:sp>
@@ -22363,18 +21372,13 @@
           <a:p>
             <a:pPr algn="ctr"/>
             <a:r>
-              <a:rPr lang="en-US" sz="2400" dirty="0" smtClean="0">
+              <a:rPr lang="en-US" sz="2400" dirty="0">
                 <a:solidFill>
                   <a:srgbClr val="FF0000"/>
                 </a:solidFill>
               </a:rPr>
               <a:t>42</a:t>
             </a:r>
-            <a:endParaRPr lang="en-US" sz="2400" dirty="0">
-              <a:solidFill>
-                <a:srgbClr val="FF0000"/>
-              </a:solidFill>
-            </a:endParaRPr>
           </a:p>
         </p:txBody>
       </p:sp>
@@ -22421,18 +21425,13 @@
           <a:p>
             <a:pPr algn="ctr"/>
             <a:r>
-              <a:rPr lang="en-US" sz="2400" dirty="0" smtClean="0">
+              <a:rPr lang="en-US" sz="2400" dirty="0">
                 <a:solidFill>
                   <a:srgbClr val="FF0000"/>
                 </a:solidFill>
               </a:rPr>
               <a:t>10</a:t>
             </a:r>
-            <a:endParaRPr lang="en-US" sz="2400" dirty="0">
-              <a:solidFill>
-                <a:srgbClr val="FF0000"/>
-              </a:solidFill>
-            </a:endParaRPr>
           </a:p>
         </p:txBody>
       </p:sp>
@@ -22591,18 +21590,13 @@
           <a:p>
             <a:pPr algn="ctr"/>
             <a:r>
-              <a:rPr lang="en-US" sz="2400" dirty="0" smtClean="0">
+              <a:rPr lang="en-US" sz="2400" dirty="0">
                 <a:solidFill>
                   <a:schemeClr val="tx1"/>
                 </a:solidFill>
               </a:rPr>
               <a:t>10</a:t>
             </a:r>
-            <a:endParaRPr lang="en-US" sz="2400" dirty="0">
-              <a:solidFill>
-                <a:schemeClr val="tx1"/>
-              </a:solidFill>
-            </a:endParaRPr>
           </a:p>
         </p:txBody>
       </p:sp>
@@ -22688,18 +21682,13 @@
           <a:p>
             <a:pPr algn="ctr"/>
             <a:r>
-              <a:rPr lang="en-US" sz="2400" dirty="0" smtClean="0">
+              <a:rPr lang="en-US" sz="2400" dirty="0">
                 <a:solidFill>
                   <a:srgbClr val="FF0000"/>
                 </a:solidFill>
               </a:rPr>
               <a:t>20</a:t>
             </a:r>
-            <a:endParaRPr lang="en-US" sz="2400" dirty="0">
-              <a:solidFill>
-                <a:srgbClr val="FF0000"/>
-              </a:solidFill>
-            </a:endParaRPr>
           </a:p>
         </p:txBody>
       </p:sp>
@@ -22787,21 +21776,8 @@
                   <a:schemeClr val="tx1"/>
                 </a:solidFill>
               </a:rPr>
-              <a:t>1</a:t>
-            </a:r>
-            <a:r>
-              <a:rPr lang="en-US" sz="2400" dirty="0" smtClean="0">
-                <a:solidFill>
-                  <a:schemeClr val="tx1"/>
-                </a:solidFill>
-              </a:rPr>
-              <a:t>0</a:t>
-            </a:r>
-            <a:endParaRPr lang="en-US" sz="2400" dirty="0">
-              <a:solidFill>
-                <a:schemeClr val="tx1"/>
-              </a:solidFill>
-            </a:endParaRPr>
+              <a:t>10</a:t>
+            </a:r>
           </a:p>
         </p:txBody>
       </p:sp>
@@ -22889,21 +21865,8 @@
                   <a:srgbClr val="FF0000"/>
                 </a:solidFill>
               </a:rPr>
-              <a:t>2</a:t>
-            </a:r>
-            <a:r>
-              <a:rPr lang="en-US" sz="2400" dirty="0" smtClean="0">
-                <a:solidFill>
-                  <a:srgbClr val="FF0000"/>
-                </a:solidFill>
-              </a:rPr>
-              <a:t>0</a:t>
-            </a:r>
-            <a:endParaRPr lang="en-US" sz="2400" dirty="0">
-              <a:solidFill>
-                <a:srgbClr val="FF0000"/>
-              </a:solidFill>
-            </a:endParaRPr>
+              <a:t>20</a:t>
+            </a:r>
           </a:p>
         </p:txBody>
       </p:sp>
@@ -22989,18 +21952,13 @@
           <a:p>
             <a:pPr algn="ctr"/>
             <a:r>
-              <a:rPr lang="en-US" sz="2400" dirty="0" smtClean="0">
+              <a:rPr lang="en-US" sz="2400" dirty="0">
                 <a:solidFill>
                   <a:srgbClr val="FF0000"/>
                 </a:solidFill>
               </a:rPr>
               <a:t>15</a:t>
             </a:r>
-            <a:endParaRPr lang="en-US" sz="2400" dirty="0">
-              <a:solidFill>
-                <a:srgbClr val="FF0000"/>
-              </a:solidFill>
-            </a:endParaRPr>
           </a:p>
         </p:txBody>
       </p:sp>
@@ -23134,21 +22092,8 @@
                   <a:schemeClr val="tx1"/>
                 </a:solidFill>
               </a:rPr>
-              <a:t>1</a:t>
-            </a:r>
-            <a:r>
-              <a:rPr lang="en-US" sz="2400" dirty="0" smtClean="0">
-                <a:solidFill>
-                  <a:schemeClr val="tx1"/>
-                </a:solidFill>
-              </a:rPr>
-              <a:t>0</a:t>
-            </a:r>
-            <a:endParaRPr lang="en-US" sz="2400" dirty="0">
-              <a:solidFill>
-                <a:schemeClr val="tx1"/>
-              </a:solidFill>
-            </a:endParaRPr>
+              <a:t>10</a:t>
+            </a:r>
           </a:p>
         </p:txBody>
       </p:sp>
@@ -23231,18 +22176,13 @@
           <a:p>
             <a:pPr algn="ctr"/>
             <a:r>
-              <a:rPr lang="en-US" sz="2400" dirty="0" smtClean="0">
+              <a:rPr lang="en-US" sz="2400" dirty="0">
                 <a:solidFill>
                   <a:srgbClr val="FF0000"/>
                 </a:solidFill>
               </a:rPr>
               <a:t>15</a:t>
             </a:r>
-            <a:endParaRPr lang="en-US" sz="2400" dirty="0">
-              <a:solidFill>
-                <a:srgbClr val="FF0000"/>
-              </a:solidFill>
-            </a:endParaRPr>
           </a:p>
         </p:txBody>
       </p:sp>
@@ -23325,18 +22265,13 @@
           <a:p>
             <a:pPr algn="ctr"/>
             <a:r>
-              <a:rPr lang="en-US" sz="2400" dirty="0" smtClean="0">
+              <a:rPr lang="en-US" sz="2400" dirty="0">
                 <a:solidFill>
                   <a:srgbClr val="FF0000"/>
                 </a:solidFill>
               </a:rPr>
               <a:t>20</a:t>
             </a:r>
-            <a:endParaRPr lang="en-US" sz="2400" dirty="0">
-              <a:solidFill>
-                <a:srgbClr val="FF0000"/>
-              </a:solidFill>
-            </a:endParaRPr>
           </a:p>
         </p:txBody>
       </p:sp>
@@ -23465,18 +22400,13 @@
           <a:p>
             <a:pPr algn="ctr"/>
             <a:r>
-              <a:rPr lang="en-US" sz="2400" dirty="0" smtClean="0">
+              <a:rPr lang="en-US" sz="2400" dirty="0">
                 <a:solidFill>
                   <a:srgbClr val="FF0000"/>
                 </a:solidFill>
               </a:rPr>
               <a:t>15</a:t>
             </a:r>
-            <a:endParaRPr lang="en-US" sz="2400" dirty="0">
-              <a:solidFill>
-                <a:srgbClr val="FF0000"/>
-              </a:solidFill>
-            </a:endParaRPr>
           </a:p>
         </p:txBody>
       </p:sp>
@@ -23559,18 +22489,13 @@
           <a:p>
             <a:pPr algn="ctr"/>
             <a:r>
-              <a:rPr lang="en-US" sz="2400" dirty="0" smtClean="0">
+              <a:rPr lang="en-US" sz="2400" dirty="0">
                 <a:solidFill>
                   <a:srgbClr val="FF0000"/>
                 </a:solidFill>
               </a:rPr>
               <a:t>20</a:t>
             </a:r>
-            <a:endParaRPr lang="en-US" sz="2400" dirty="0">
-              <a:solidFill>
-                <a:srgbClr val="FF0000"/>
-              </a:solidFill>
-            </a:endParaRPr>
           </a:p>
         </p:txBody>
       </p:sp>
@@ -23617,18 +22542,13 @@
           <a:p>
             <a:pPr algn="ctr"/>
             <a:r>
-              <a:rPr lang="en-US" sz="2400" dirty="0" smtClean="0">
+              <a:rPr lang="en-US" sz="2400" dirty="0">
                 <a:solidFill>
                   <a:schemeClr val="tx1"/>
                 </a:solidFill>
               </a:rPr>
               <a:t>10</a:t>
             </a:r>
-            <a:endParaRPr lang="en-US" sz="2400" dirty="0">
-              <a:solidFill>
-                <a:schemeClr val="tx1"/>
-              </a:solidFill>
-            </a:endParaRPr>
           </a:p>
         </p:txBody>
       </p:sp>
@@ -23747,18 +22667,13 @@
           <a:p>
             <a:pPr algn="ctr"/>
             <a:r>
-              <a:rPr lang="en-US" sz="2400" dirty="0" smtClean="0">
+              <a:rPr lang="en-US" sz="2400" dirty="0">
                 <a:solidFill>
                   <a:schemeClr val="tx1"/>
                 </a:solidFill>
               </a:rPr>
               <a:t>15</a:t>
             </a:r>
-            <a:endParaRPr lang="en-US" sz="2400" dirty="0">
-              <a:solidFill>
-                <a:schemeClr val="tx1"/>
-              </a:solidFill>
-            </a:endParaRPr>
           </a:p>
         </p:txBody>
       </p:sp>
@@ -23841,18 +22756,13 @@
           <a:p>
             <a:pPr algn="ctr"/>
             <a:r>
-              <a:rPr lang="en-US" sz="2400" dirty="0" smtClean="0">
+              <a:rPr lang="en-US" sz="2400" dirty="0">
                 <a:solidFill>
                   <a:srgbClr val="FF0000"/>
                 </a:solidFill>
               </a:rPr>
               <a:t>20</a:t>
             </a:r>
-            <a:endParaRPr lang="en-US" sz="2400" dirty="0">
-              <a:solidFill>
-                <a:srgbClr val="FF0000"/>
-              </a:solidFill>
-            </a:endParaRPr>
           </a:p>
         </p:txBody>
       </p:sp>
@@ -23899,18 +22809,13 @@
           <a:p>
             <a:pPr algn="ctr"/>
             <a:r>
-              <a:rPr lang="en-US" sz="2400" dirty="0" smtClean="0">
+              <a:rPr lang="en-US" sz="2400" dirty="0">
                 <a:solidFill>
                   <a:srgbClr val="FF0000"/>
                 </a:solidFill>
               </a:rPr>
               <a:t>10</a:t>
             </a:r>
-            <a:endParaRPr lang="en-US" sz="2400" dirty="0">
-              <a:solidFill>
-                <a:srgbClr val="FF0000"/>
-              </a:solidFill>
-            </a:endParaRPr>
           </a:p>
         </p:txBody>
       </p:sp>
@@ -24059,18 +22964,13 @@
           <a:p>
             <a:pPr algn="ctr"/>
             <a:r>
-              <a:rPr lang="en-US" sz="2400" i="1" dirty="0" smtClean="0">
+              <a:rPr lang="en-US" sz="2400" i="1" dirty="0">
                 <a:solidFill>
                   <a:schemeClr val="tx1"/>
                 </a:solidFill>
               </a:rPr>
               <a:t>u</a:t>
             </a:r>
-            <a:endParaRPr lang="en-US" sz="2400" i="1" dirty="0">
-              <a:solidFill>
-                <a:schemeClr val="tx1"/>
-              </a:solidFill>
-            </a:endParaRPr>
           </a:p>
         </p:txBody>
       </p:sp>
@@ -24082,8 +22982,8 @@
         </p:nvSpPr>
         <p:spPr>
           <a:xfrm>
-            <a:off x="3247696" y="2903007"/>
-            <a:ext cx="1177159" cy="461665"/>
+            <a:off x="3170712" y="2903007"/>
+            <a:ext cx="1254143" cy="461665"/>
           </a:xfrm>
           <a:prstGeom prst="rect">
             <a:avLst/>
@@ -24097,10 +22997,9 @@
           <a:lstStyle/>
           <a:p>
             <a:r>
-              <a:rPr lang="en-US" sz="2400" dirty="0" smtClean="0"/>
+              <a:rPr lang="en-US" sz="2400" dirty="0"/>
               <a:t>{empty}</a:t>
             </a:r>
-            <a:endParaRPr lang="en-US" sz="2400" dirty="0"/>
           </a:p>
         </p:txBody>
       </p:sp>
@@ -24177,18 +23076,13 @@
           <a:p>
             <a:pPr algn="ctr"/>
             <a:r>
-              <a:rPr lang="en-US" sz="2400" i="1" dirty="0" smtClean="0">
+              <a:rPr lang="en-US" sz="2400" i="1" dirty="0">
                 <a:solidFill>
                   <a:schemeClr val="tx1"/>
                 </a:solidFill>
               </a:rPr>
               <a:t>v</a:t>
             </a:r>
-            <a:endParaRPr lang="en-US" sz="2400" i="1" dirty="0">
-              <a:solidFill>
-                <a:schemeClr val="tx1"/>
-              </a:solidFill>
-            </a:endParaRPr>
           </a:p>
         </p:txBody>
       </p:sp>
@@ -24301,18 +23195,13 @@
           <a:p>
             <a:pPr algn="ctr"/>
             <a:r>
-              <a:rPr lang="en-US" sz="2400" i="1" dirty="0" smtClean="0">
+              <a:rPr lang="en-US" sz="2400" i="1" dirty="0">
                 <a:solidFill>
                   <a:srgbClr val="FF0000"/>
                 </a:solidFill>
               </a:rPr>
               <a:t>w</a:t>
             </a:r>
-            <a:endParaRPr lang="en-US" sz="2400" i="1" dirty="0">
-              <a:solidFill>
-                <a:srgbClr val="FF0000"/>
-              </a:solidFill>
-            </a:endParaRPr>
           </a:p>
         </p:txBody>
       </p:sp>
@@ -24395,18 +23284,13 @@
           <a:p>
             <a:pPr algn="ctr"/>
             <a:r>
-              <a:rPr lang="en-US" sz="2400" i="1" dirty="0" smtClean="0">
+              <a:rPr lang="en-US" sz="2400" i="1" dirty="0">
                 <a:solidFill>
                   <a:srgbClr val="FF0000"/>
                 </a:solidFill>
               </a:rPr>
               <a:t>u</a:t>
             </a:r>
-            <a:endParaRPr lang="en-US" sz="2400" i="1" dirty="0">
-              <a:solidFill>
-                <a:srgbClr val="FF0000"/>
-              </a:solidFill>
-            </a:endParaRPr>
           </a:p>
         </p:txBody>
       </p:sp>
@@ -24525,18 +23409,13 @@
           <a:p>
             <a:pPr algn="ctr"/>
             <a:r>
-              <a:rPr lang="en-US" sz="2400" i="1" dirty="0" smtClean="0">
+              <a:rPr lang="en-US" sz="2400" i="1" dirty="0">
                 <a:solidFill>
                   <a:srgbClr val="FF0000"/>
                 </a:solidFill>
               </a:rPr>
               <a:t>v</a:t>
             </a:r>
-            <a:endParaRPr lang="en-US" sz="2400" i="1" dirty="0">
-              <a:solidFill>
-                <a:srgbClr val="FF0000"/>
-              </a:solidFill>
-            </a:endParaRPr>
           </a:p>
         </p:txBody>
       </p:sp>
@@ -24649,18 +23528,13 @@
           <a:p>
             <a:pPr algn="ctr"/>
             <a:r>
-              <a:rPr lang="en-US" sz="2400" i="1" dirty="0" smtClean="0">
+              <a:rPr lang="en-US" sz="2400" i="1" dirty="0">
                 <a:solidFill>
                   <a:schemeClr val="tx1"/>
                 </a:solidFill>
               </a:rPr>
               <a:t>w</a:t>
             </a:r>
-            <a:endParaRPr lang="en-US" sz="2400" i="1" dirty="0">
-              <a:solidFill>
-                <a:schemeClr val="tx1"/>
-              </a:solidFill>
-            </a:endParaRPr>
           </a:p>
         </p:txBody>
       </p:sp>
@@ -24743,18 +23617,13 @@
           <a:p>
             <a:pPr algn="ctr"/>
             <a:r>
-              <a:rPr lang="en-US" sz="2400" i="1" dirty="0" smtClean="0">
+              <a:rPr lang="en-US" sz="2400" i="1" dirty="0">
                 <a:solidFill>
                   <a:schemeClr val="tx1"/>
                 </a:solidFill>
               </a:rPr>
               <a:t>u</a:t>
             </a:r>
-            <a:endParaRPr lang="en-US" sz="2400" i="1" dirty="0">
-              <a:solidFill>
-                <a:schemeClr val="tx1"/>
-              </a:solidFill>
-            </a:endParaRPr>
           </a:p>
         </p:txBody>
       </p:sp>
